--- a/powerpoint/MAML.pptx
+++ b/powerpoint/MAML.pptx
@@ -7,13 +7,24 @@
     <p:sldMasterId id="2147483711" r:id="rId3"/>
   </p:sldMasterIdLst>
   <p:notesMasterIdLst>
-    <p:notesMasterId r:id="rId8"/>
+    <p:notesMasterId r:id="rId19"/>
   </p:notesMasterIdLst>
   <p:sldIdLst>
     <p:sldId id="271" r:id="rId4"/>
-    <p:sldId id="275" r:id="rId5"/>
-    <p:sldId id="274" r:id="rId6"/>
-    <p:sldId id="273" r:id="rId7"/>
+    <p:sldId id="278" r:id="rId5"/>
+    <p:sldId id="275" r:id="rId6"/>
+    <p:sldId id="276" r:id="rId7"/>
+    <p:sldId id="273" r:id="rId8"/>
+    <p:sldId id="284" r:id="rId9"/>
+    <p:sldId id="282" r:id="rId10"/>
+    <p:sldId id="280" r:id="rId11"/>
+    <p:sldId id="281" r:id="rId12"/>
+    <p:sldId id="274" r:id="rId13"/>
+    <p:sldId id="289" r:id="rId14"/>
+    <p:sldId id="291" r:id="rId15"/>
+    <p:sldId id="286" r:id="rId16"/>
+    <p:sldId id="285" r:id="rId17"/>
+    <p:sldId id="290" r:id="rId18"/>
   </p:sldIdLst>
   <p:sldSz cx="12192000" cy="6858000"/>
   <p:notesSz cx="6858000" cy="9144000"/>
@@ -131,6 +142,21 @@
 </p:presentation>
 </file>
 
+<file path=ppt/authors.xml><?xml version="1.0" encoding="utf-8"?>
+<p188:authorLst xmlns:a="http://schemas.openxmlformats.org/drawingml/2006/main" xmlns:r="http://schemas.openxmlformats.org/officeDocument/2006/relationships" xmlns:p188="http://schemas.microsoft.com/office/powerpoint/2018/8/main">
+  <p188:author id="{766AEC4D-D8E8-BC4F-CC62-AFA8DFB9EE70}" name="luis Augenstein" initials="lA" userId="0754aaa8146ea2e7" providerId="Windows Live"/>
+  <p188:author id="{3EDA195A-01FE-66EE-4AEC-92D9ACDB952B}" name="Leon Jungemeyer" initials="LJ" userId="a36b276259eac3c7" providerId="Windows Live"/>
+</p188:authorLst>
+</file>
+
+<file path=ppt/revisionInfo.xml><?xml version="1.0" encoding="utf-8"?>
+<p1510:revInfo xmlns:a="http://schemas.openxmlformats.org/drawingml/2006/main" xmlns:r="http://schemas.openxmlformats.org/officeDocument/2006/relationships" xmlns:p1510="http://schemas.microsoft.com/office/powerpoint/2015/10/main">
+  <p1510:revLst>
+    <p1510:client id="{E2A74B38-E071-4977-97D2-E37566C57363}" v="1518" dt="2021-11-26T09:09:18.407"/>
+  </p1510:revLst>
+</p1510:revInfo>
+</file>
+
 <file path=ppt/notesMasters/notesMaster1.xml><?xml version="1.0" encoding="utf-8"?>
 <p:notesMaster xmlns:a="http://schemas.openxmlformats.org/drawingml/2006/main" xmlns:r="http://schemas.openxmlformats.org/officeDocument/2006/relationships" xmlns:p="http://schemas.openxmlformats.org/presentationml/2006/main">
   <p:cSld>
@@ -213,7 +239,7 @@
           <a:p>
             <a:fld id="{FA8F02CA-77CB-4E54-B712-21E588799EE8}" type="datetimeFigureOut">
               <a:rPr lang="de-DE" smtClean="0"/>
-              <a:t>30.10.2021</a:t>
+              <a:t>01.12.2021</a:t>
             </a:fld>
             <a:endParaRPr lang="de-DE"/>
           </a:p>
@@ -594,23 +620,23 @@
           <a:p>
             <a:pPr lvl="0"/>
             <a:r>
-              <a:rPr lang="de-DE" dirty="0"/>
+              <a:rPr lang="de-DE"/>
               <a:t>Click </a:t>
             </a:r>
             <a:r>
-              <a:rPr lang="de-DE" dirty="0" err="1"/>
+              <a:rPr lang="de-DE" err="1"/>
               <a:t>to</a:t>
             </a:r>
             <a:r>
-              <a:rPr lang="de-DE" dirty="0"/>
+              <a:rPr lang="de-DE"/>
               <a:t> </a:t>
             </a:r>
             <a:r>
-              <a:rPr lang="de-DE" dirty="0" err="1"/>
+              <a:rPr lang="de-DE" err="1"/>
               <a:t>add</a:t>
             </a:r>
             <a:r>
-              <a:rPr lang="de-DE" dirty="0"/>
+              <a:rPr lang="de-DE"/>
               <a:t> title</a:t>
             </a:r>
           </a:p>
@@ -666,42 +692,42 @@
           <a:p>
             <a:pPr lvl="0"/>
             <a:r>
-              <a:rPr lang="de-DE" dirty="0"/>
+              <a:rPr lang="de-DE"/>
               <a:t>Click </a:t>
             </a:r>
             <a:r>
-              <a:rPr lang="de-DE" dirty="0" err="1"/>
+              <a:rPr lang="de-DE" err="1"/>
               <a:t>to</a:t>
             </a:r>
             <a:r>
-              <a:rPr lang="de-DE" dirty="0"/>
+              <a:rPr lang="de-DE"/>
               <a:t> </a:t>
             </a:r>
             <a:r>
-              <a:rPr lang="de-DE" dirty="0" err="1"/>
+              <a:rPr lang="de-DE" err="1"/>
               <a:t>add</a:t>
             </a:r>
             <a:r>
-              <a:rPr lang="de-DE" dirty="0"/>
+              <a:rPr lang="de-DE"/>
               <a:t> </a:t>
             </a:r>
             <a:r>
-              <a:rPr lang="de-DE" dirty="0" err="1"/>
+              <a:rPr lang="de-DE" err="1"/>
               <a:t>subline</a:t>
             </a:r>
             <a:br>
-              <a:rPr lang="de-DE" dirty="0"/>
+              <a:rPr lang="de-DE"/>
             </a:br>
             <a:r>
-              <a:rPr lang="de-DE" dirty="0"/>
+              <a:rPr lang="de-DE"/>
               <a:t>(</a:t>
             </a:r>
             <a:r>
-              <a:rPr lang="en-US" dirty="0"/>
+              <a:rPr lang="en-US"/>
               <a:t>Also possible in two columns</a:t>
             </a:r>
             <a:r>
-              <a:rPr lang="de-DE" dirty="0"/>
+              <a:rPr lang="de-DE"/>
               <a:t>)</a:t>
             </a:r>
           </a:p>
@@ -1005,7 +1031,7 @@
           <a:p>
             <a:fld id="{9A255E0C-BA46-414C-B93B-463A74B6056A}" type="datetime4">
               <a:rPr lang="en-US" smtClean="0"/>
-              <a:t>October 30, 2021</a:t>
+              <a:t>December 1, 2021</a:t>
             </a:fld>
             <a:endParaRPr lang="de-DE"/>
           </a:p>
@@ -1078,10 +1104,10 @@
           </a:lstStyle>
           <a:p>
             <a:r>
-              <a:rPr lang="en-US" altLang="de-DE" dirty="0"/>
+              <a:rPr lang="en-US" altLang="de-DE"/>
               <a:t>Click to add title</a:t>
             </a:r>
-            <a:endParaRPr lang="en-US" dirty="0"/>
+            <a:endParaRPr lang="en-US"/>
           </a:p>
         </p:txBody>
       </p:sp>
@@ -1260,7 +1286,7 @@
           <a:p>
             <a:fld id="{9456F2AD-B082-4C40-B548-5501F8DAA2FD}" type="datetime4">
               <a:rPr lang="en-US" smtClean="0"/>
-              <a:t>October 30, 2021</a:t>
+              <a:t>December 1, 2021</a:t>
             </a:fld>
             <a:endParaRPr lang="de-DE"/>
           </a:p>
@@ -1333,10 +1359,10 @@
           </a:lstStyle>
           <a:p>
             <a:r>
-              <a:rPr lang="en-US" altLang="de-DE" dirty="0"/>
+              <a:rPr lang="en-US" altLang="de-DE"/>
               <a:t>Click to add title</a:t>
             </a:r>
-            <a:endParaRPr lang="en-US" dirty="0"/>
+            <a:endParaRPr lang="en-US"/>
           </a:p>
         </p:txBody>
       </p:sp>
@@ -1441,7 +1467,7 @@
           <a:p>
             <a:fld id="{6F4EBDE6-AB90-41AA-9FD9-5846A1BF5E6C}" type="datetime4">
               <a:rPr lang="en-US" smtClean="0"/>
-              <a:t>October 30, 2021</a:t>
+              <a:t>December 1, 2021</a:t>
             </a:fld>
             <a:endParaRPr lang="de-DE"/>
           </a:p>
@@ -1514,10 +1540,10 @@
           </a:lstStyle>
           <a:p>
             <a:r>
-              <a:rPr lang="en-US" altLang="de-DE" dirty="0"/>
+              <a:rPr lang="en-US" altLang="de-DE"/>
               <a:t>Click to add title</a:t>
             </a:r>
-            <a:endParaRPr lang="en-US" dirty="0"/>
+            <a:endParaRPr lang="en-US"/>
           </a:p>
         </p:txBody>
       </p:sp>
@@ -1576,7 +1602,7 @@
           <a:p>
             <a:fld id="{740A20F6-92DA-404A-A087-191B135303C4}" type="datetime4">
               <a:rPr lang="en-US" smtClean="0"/>
-              <a:t>October 30, 2021</a:t>
+              <a:t>December 1, 2021</a:t>
             </a:fld>
             <a:endParaRPr lang="de-DE"/>
           </a:p>
@@ -1694,34 +1720,34 @@
           <a:p>
             <a:pPr lvl="0"/>
             <a:r>
-              <a:rPr lang="en-US" altLang="de-DE" dirty="0"/>
+              <a:rPr lang="en-US" altLang="de-DE"/>
               <a:t>Click to add text</a:t>
             </a:r>
           </a:p>
           <a:p>
             <a:pPr lvl="1"/>
             <a:r>
-              <a:rPr lang="en-US" altLang="de-DE" dirty="0"/>
+              <a:rPr lang="en-US" altLang="de-DE"/>
               <a:t>Second level</a:t>
             </a:r>
           </a:p>
           <a:p>
             <a:pPr lvl="2"/>
             <a:r>
-              <a:rPr lang="en-US" altLang="de-DE" dirty="0"/>
+              <a:rPr lang="en-US" altLang="de-DE"/>
               <a:t>Third level</a:t>
             </a:r>
           </a:p>
           <a:p>
             <a:pPr lvl="3"/>
             <a:r>
-              <a:rPr lang="en-US" altLang="de-DE" dirty="0"/>
+              <a:rPr lang="en-US" altLang="de-DE"/>
               <a:t>Fourth level </a:t>
             </a:r>
           </a:p>
           <a:p>
             <a:pPr lvl="3"/>
-            <a:endParaRPr lang="en-US" altLang="de-DE" dirty="0"/>
+            <a:endParaRPr lang="en-US" altLang="de-DE"/>
           </a:p>
         </p:txBody>
       </p:sp>
@@ -1786,7 +1812,7 @@
           <a:p>
             <a:pPr lvl="0"/>
             <a:r>
-              <a:rPr lang="en-US" altLang="de-DE" dirty="0"/>
+              <a:rPr lang="en-US" altLang="de-DE"/>
               <a:t>Click to add text</a:t>
             </a:r>
           </a:p>
@@ -1817,7 +1843,7 @@
           <a:p>
             <a:fld id="{B89AAD7E-45FA-4315-A93D-FBFB11BECEC9}" type="datetime4">
               <a:rPr lang="en-US" smtClean="0"/>
-              <a:t>October 30, 2021</a:t>
+              <a:t>December 1, 2021</a:t>
             </a:fld>
             <a:endParaRPr lang="de-DE"/>
           </a:p>
@@ -1890,10 +1916,10 @@
           </a:lstStyle>
           <a:p>
             <a:r>
-              <a:rPr lang="en-US" altLang="de-DE" dirty="0"/>
+              <a:rPr lang="en-US" altLang="de-DE"/>
               <a:t>Click to add title</a:t>
             </a:r>
-            <a:endParaRPr lang="en-US" dirty="0"/>
+            <a:endParaRPr lang="en-US"/>
           </a:p>
         </p:txBody>
       </p:sp>
@@ -2016,7 +2042,7 @@
           <a:p>
             <a:fld id="{F31C92CB-E887-49A1-89D8-F84D7E851A6D}" type="datetime4">
               <a:rPr lang="en-US" smtClean="0"/>
-              <a:t>October 30, 2021</a:t>
+              <a:t>December 1, 2021</a:t>
             </a:fld>
             <a:endParaRPr lang="de-DE"/>
           </a:p>
@@ -2089,10 +2115,10 @@
           </a:lstStyle>
           <a:p>
             <a:r>
-              <a:rPr lang="en-US" altLang="de-DE" dirty="0"/>
+              <a:rPr lang="en-US" altLang="de-DE"/>
               <a:t>Click to add title</a:t>
             </a:r>
-            <a:endParaRPr lang="en-US" dirty="0"/>
+            <a:endParaRPr lang="en-US"/>
           </a:p>
         </p:txBody>
       </p:sp>
@@ -2163,18 +2189,18 @@
           <a:p>
             <a:pPr lvl="0"/>
             <a:r>
-              <a:rPr lang="en-US" altLang="de-DE" dirty="0" err="1"/>
+              <a:rPr lang="en-US" altLang="de-DE" err="1"/>
               <a:t>Mastertextformat</a:t>
             </a:r>
             <a:r>
-              <a:rPr lang="en-US" altLang="de-DE" dirty="0"/>
+              <a:rPr lang="en-US" altLang="de-DE"/>
               <a:t> </a:t>
             </a:r>
             <a:r>
-              <a:rPr lang="en-US" altLang="de-DE" dirty="0" err="1"/>
+              <a:rPr lang="en-US" altLang="de-DE" err="1"/>
               <a:t>bearbeiten</a:t>
             </a:r>
-            <a:endParaRPr lang="en-US" altLang="de-DE" dirty="0"/>
+            <a:endParaRPr lang="en-US" altLang="de-DE"/>
           </a:p>
         </p:txBody>
       </p:sp>
@@ -2246,35 +2272,35 @@
           <a:p>
             <a:pPr lvl="0"/>
             <a:r>
-              <a:rPr lang="en-US" altLang="de-DE" dirty="0"/>
+              <a:rPr lang="en-US" altLang="de-DE"/>
               <a:t>Click to add text</a:t>
             </a:r>
           </a:p>
           <a:p>
             <a:pPr lvl="1"/>
             <a:r>
-              <a:rPr lang="en-US" altLang="de-DE" dirty="0"/>
+              <a:rPr lang="en-US" altLang="de-DE"/>
               <a:t>Second level</a:t>
             </a:r>
           </a:p>
           <a:p>
             <a:pPr lvl="2"/>
             <a:r>
-              <a:rPr lang="en-US" altLang="de-DE" dirty="0"/>
+              <a:rPr lang="en-US" altLang="de-DE"/>
               <a:t>Third level</a:t>
             </a:r>
           </a:p>
           <a:p>
             <a:pPr lvl="3"/>
             <a:r>
-              <a:rPr lang="en-US" altLang="de-DE" dirty="0"/>
+              <a:rPr lang="en-US" altLang="de-DE"/>
               <a:t>Fourth level</a:t>
             </a:r>
           </a:p>
           <a:p>
             <a:pPr lvl="4"/>
             <a:r>
-              <a:rPr lang="en-US" altLang="de-DE" dirty="0"/>
+              <a:rPr lang="en-US" altLang="de-DE"/>
               <a:t>Fifth level</a:t>
             </a:r>
           </a:p>
@@ -2305,7 +2331,7 @@
           <a:p>
             <a:fld id="{988EC468-4A16-43E1-AE8D-AFB1783B0BBF}" type="datetime4">
               <a:rPr lang="en-US" smtClean="0"/>
-              <a:t>October 30, 2021</a:t>
+              <a:t>December 1, 2021</a:t>
             </a:fld>
             <a:endParaRPr lang="de-DE"/>
           </a:p>
@@ -2378,10 +2404,10 @@
           </a:lstStyle>
           <a:p>
             <a:r>
-              <a:rPr lang="en-US" altLang="de-DE" dirty="0"/>
+              <a:rPr lang="en-US" altLang="de-DE"/>
               <a:t>Click to add title</a:t>
             </a:r>
-            <a:endParaRPr lang="en-US" dirty="0"/>
+            <a:endParaRPr lang="en-US"/>
           </a:p>
         </p:txBody>
       </p:sp>
@@ -2443,10 +2469,10 @@
           </a:lstStyle>
           <a:p>
             <a:r>
-              <a:rPr lang="en-US" altLang="de-DE" dirty="0"/>
+              <a:rPr lang="en-US" altLang="de-DE"/>
               <a:t>Click to add title</a:t>
             </a:r>
-            <a:endParaRPr lang="en-US" dirty="0"/>
+            <a:endParaRPr lang="en-US"/>
           </a:p>
         </p:txBody>
       </p:sp>
@@ -2488,35 +2514,35 @@
           <a:p>
             <a:pPr lvl="0"/>
             <a:r>
-              <a:rPr lang="en-US" altLang="de-DE" dirty="0"/>
+              <a:rPr lang="en-US" altLang="de-DE"/>
               <a:t>Click to add text</a:t>
             </a:r>
           </a:p>
           <a:p>
             <a:pPr lvl="1"/>
             <a:r>
-              <a:rPr lang="en-US" altLang="de-DE" dirty="0"/>
+              <a:rPr lang="en-US" altLang="de-DE"/>
               <a:t>Second level</a:t>
             </a:r>
           </a:p>
           <a:p>
             <a:pPr lvl="2"/>
             <a:r>
-              <a:rPr lang="en-US" altLang="de-DE" dirty="0"/>
+              <a:rPr lang="en-US" altLang="de-DE"/>
               <a:t>Third level</a:t>
             </a:r>
           </a:p>
           <a:p>
             <a:pPr lvl="3"/>
             <a:r>
-              <a:rPr lang="en-US" altLang="de-DE" dirty="0"/>
+              <a:rPr lang="en-US" altLang="de-DE"/>
               <a:t>Fourth level</a:t>
             </a:r>
           </a:p>
           <a:p>
             <a:pPr lvl="4"/>
             <a:r>
-              <a:rPr lang="en-US" altLang="de-DE" dirty="0"/>
+              <a:rPr lang="en-US" altLang="de-DE"/>
               <a:t>Fifth level</a:t>
             </a:r>
           </a:p>
@@ -2547,7 +2573,7 @@
           <a:p>
             <a:fld id="{679F28A5-A458-41A3-A1F3-3D6D30ECF45F}" type="datetime4">
               <a:rPr lang="en-US" smtClean="0"/>
-              <a:t>October 30, 2021</a:t>
+              <a:t>December 1, 2021</a:t>
             </a:fld>
             <a:endParaRPr lang="de-DE"/>
           </a:p>
@@ -2711,23 +2737,23 @@
           <a:p>
             <a:pPr lvl="0"/>
             <a:r>
-              <a:rPr lang="de-DE" dirty="0"/>
+              <a:rPr lang="de-DE"/>
               <a:t>Click </a:t>
             </a:r>
             <a:r>
-              <a:rPr lang="de-DE" dirty="0" err="1"/>
+              <a:rPr lang="de-DE" err="1"/>
               <a:t>to</a:t>
             </a:r>
             <a:r>
-              <a:rPr lang="de-DE" dirty="0"/>
+              <a:rPr lang="de-DE"/>
               <a:t> </a:t>
             </a:r>
             <a:r>
-              <a:rPr lang="de-DE" dirty="0" err="1"/>
+              <a:rPr lang="de-DE" err="1"/>
               <a:t>add</a:t>
             </a:r>
             <a:r>
-              <a:rPr lang="de-DE" dirty="0"/>
+              <a:rPr lang="de-DE"/>
               <a:t> title</a:t>
             </a:r>
           </a:p>
@@ -2783,42 +2809,42 @@
           <a:p>
             <a:pPr lvl="0"/>
             <a:r>
-              <a:rPr lang="de-DE" dirty="0"/>
+              <a:rPr lang="de-DE"/>
               <a:t>Click </a:t>
             </a:r>
             <a:r>
-              <a:rPr lang="de-DE" dirty="0" err="1"/>
+              <a:rPr lang="de-DE" err="1"/>
               <a:t>to</a:t>
             </a:r>
             <a:r>
-              <a:rPr lang="de-DE" dirty="0"/>
+              <a:rPr lang="de-DE"/>
               <a:t> </a:t>
             </a:r>
             <a:r>
-              <a:rPr lang="de-DE" dirty="0" err="1"/>
+              <a:rPr lang="de-DE" err="1"/>
               <a:t>add</a:t>
             </a:r>
             <a:r>
-              <a:rPr lang="de-DE" dirty="0"/>
+              <a:rPr lang="de-DE"/>
               <a:t> </a:t>
             </a:r>
             <a:r>
-              <a:rPr lang="de-DE" dirty="0" err="1"/>
+              <a:rPr lang="de-DE" err="1"/>
               <a:t>subline</a:t>
             </a:r>
             <a:br>
-              <a:rPr lang="de-DE" dirty="0"/>
+              <a:rPr lang="de-DE"/>
             </a:br>
             <a:r>
-              <a:rPr lang="de-DE" dirty="0"/>
+              <a:rPr lang="de-DE"/>
               <a:t>(</a:t>
             </a:r>
             <a:r>
-              <a:rPr lang="en-US" dirty="0"/>
+              <a:rPr lang="en-US"/>
               <a:t>Also possible in two columns</a:t>
             </a:r>
             <a:r>
-              <a:rPr lang="de-DE" dirty="0"/>
+              <a:rPr lang="de-DE"/>
               <a:t>)</a:t>
             </a:r>
           </a:p>
@@ -3185,23 +3211,23 @@
           <a:p>
             <a:pPr lvl="0"/>
             <a:r>
-              <a:rPr lang="de-DE" dirty="0"/>
+              <a:rPr lang="de-DE"/>
               <a:t>Click </a:t>
             </a:r>
             <a:r>
-              <a:rPr lang="de-DE" dirty="0" err="1"/>
+              <a:rPr lang="de-DE" err="1"/>
               <a:t>to</a:t>
             </a:r>
             <a:r>
-              <a:rPr lang="de-DE" dirty="0"/>
+              <a:rPr lang="de-DE"/>
               <a:t> </a:t>
             </a:r>
             <a:r>
-              <a:rPr lang="de-DE" dirty="0" err="1"/>
+              <a:rPr lang="de-DE" err="1"/>
               <a:t>add</a:t>
             </a:r>
             <a:r>
-              <a:rPr lang="de-DE" dirty="0"/>
+              <a:rPr lang="de-DE"/>
               <a:t> title</a:t>
             </a:r>
           </a:p>
@@ -3257,42 +3283,42 @@
           <a:p>
             <a:pPr lvl="0"/>
             <a:r>
-              <a:rPr lang="de-DE" dirty="0"/>
+              <a:rPr lang="de-DE"/>
               <a:t>Click </a:t>
             </a:r>
             <a:r>
-              <a:rPr lang="de-DE" dirty="0" err="1"/>
+              <a:rPr lang="de-DE" err="1"/>
               <a:t>to</a:t>
             </a:r>
             <a:r>
-              <a:rPr lang="de-DE" dirty="0"/>
+              <a:rPr lang="de-DE"/>
               <a:t> </a:t>
             </a:r>
             <a:r>
-              <a:rPr lang="de-DE" dirty="0" err="1"/>
+              <a:rPr lang="de-DE" err="1"/>
               <a:t>add</a:t>
             </a:r>
             <a:r>
-              <a:rPr lang="de-DE" dirty="0"/>
+              <a:rPr lang="de-DE"/>
               <a:t> </a:t>
             </a:r>
             <a:r>
-              <a:rPr lang="de-DE" dirty="0" err="1"/>
+              <a:rPr lang="de-DE" err="1"/>
               <a:t>subline</a:t>
             </a:r>
             <a:br>
-              <a:rPr lang="de-DE" dirty="0"/>
+              <a:rPr lang="de-DE"/>
             </a:br>
             <a:r>
-              <a:rPr lang="de-DE" dirty="0"/>
+              <a:rPr lang="de-DE"/>
               <a:t>(</a:t>
             </a:r>
             <a:r>
-              <a:rPr lang="en-US" dirty="0"/>
+              <a:rPr lang="en-US"/>
               <a:t>Also possible in two columns</a:t>
             </a:r>
             <a:r>
-              <a:rPr lang="de-DE" dirty="0"/>
+              <a:rPr lang="de-DE"/>
               <a:t>)</a:t>
             </a:r>
           </a:p>
@@ -3661,23 +3687,23 @@
           <a:p>
             <a:pPr lvl="0"/>
             <a:r>
-              <a:rPr lang="de-DE" dirty="0"/>
+              <a:rPr lang="de-DE"/>
               <a:t>Click </a:t>
             </a:r>
             <a:r>
-              <a:rPr lang="de-DE" dirty="0" err="1"/>
+              <a:rPr lang="de-DE" err="1"/>
               <a:t>to</a:t>
             </a:r>
             <a:r>
-              <a:rPr lang="de-DE" dirty="0"/>
+              <a:rPr lang="de-DE"/>
               <a:t> </a:t>
             </a:r>
             <a:r>
-              <a:rPr lang="de-DE" dirty="0" err="1"/>
+              <a:rPr lang="de-DE" err="1"/>
               <a:t>add</a:t>
             </a:r>
             <a:r>
-              <a:rPr lang="de-DE" dirty="0"/>
+              <a:rPr lang="de-DE"/>
               <a:t> title</a:t>
             </a:r>
           </a:p>
@@ -3733,42 +3759,42 @@
           <a:p>
             <a:pPr lvl="0"/>
             <a:r>
-              <a:rPr lang="de-DE" dirty="0"/>
+              <a:rPr lang="de-DE"/>
               <a:t>Click </a:t>
             </a:r>
             <a:r>
-              <a:rPr lang="de-DE" dirty="0" err="1"/>
+              <a:rPr lang="de-DE" err="1"/>
               <a:t>to</a:t>
             </a:r>
             <a:r>
-              <a:rPr lang="de-DE" dirty="0"/>
+              <a:rPr lang="de-DE"/>
               <a:t> </a:t>
             </a:r>
             <a:r>
-              <a:rPr lang="de-DE" dirty="0" err="1"/>
+              <a:rPr lang="de-DE" err="1"/>
               <a:t>add</a:t>
             </a:r>
             <a:r>
-              <a:rPr lang="de-DE" dirty="0"/>
+              <a:rPr lang="de-DE"/>
               <a:t> </a:t>
             </a:r>
             <a:r>
-              <a:rPr lang="de-DE" dirty="0" err="1"/>
+              <a:rPr lang="de-DE" err="1"/>
               <a:t>subline</a:t>
             </a:r>
             <a:br>
-              <a:rPr lang="de-DE" dirty="0"/>
+              <a:rPr lang="de-DE"/>
             </a:br>
             <a:r>
-              <a:rPr lang="de-DE" dirty="0"/>
+              <a:rPr lang="de-DE"/>
               <a:t>(</a:t>
             </a:r>
             <a:r>
-              <a:rPr lang="en-US" dirty="0"/>
+              <a:rPr lang="en-US"/>
               <a:t>Also possible in two columns</a:t>
             </a:r>
             <a:r>
-              <a:rPr lang="de-DE" dirty="0"/>
+              <a:rPr lang="de-DE"/>
               <a:t>)</a:t>
             </a:r>
           </a:p>
@@ -4085,35 +4111,35 @@
           <a:p>
             <a:pPr lvl="0"/>
             <a:r>
-              <a:rPr lang="en-US" altLang="de-DE" dirty="0"/>
+              <a:rPr lang="en-US" altLang="de-DE"/>
               <a:t>Click to add text</a:t>
             </a:r>
           </a:p>
           <a:p>
             <a:pPr lvl="1"/>
             <a:r>
-              <a:rPr lang="en-US" altLang="de-DE" dirty="0"/>
+              <a:rPr lang="en-US" altLang="de-DE"/>
               <a:t>Second level</a:t>
             </a:r>
           </a:p>
           <a:p>
             <a:pPr lvl="2"/>
             <a:r>
-              <a:rPr lang="en-US" altLang="de-DE" dirty="0"/>
+              <a:rPr lang="en-US" altLang="de-DE"/>
               <a:t>Third level</a:t>
             </a:r>
           </a:p>
           <a:p>
             <a:pPr lvl="3"/>
             <a:r>
-              <a:rPr lang="en-US" altLang="de-DE" dirty="0"/>
+              <a:rPr lang="en-US" altLang="de-DE"/>
               <a:t>Fourth level</a:t>
             </a:r>
           </a:p>
           <a:p>
             <a:pPr lvl="4"/>
             <a:r>
-              <a:rPr lang="en-US" altLang="de-DE" dirty="0"/>
+              <a:rPr lang="en-US" altLang="de-DE"/>
               <a:t>Fifth level</a:t>
             </a:r>
           </a:p>
@@ -4144,7 +4170,7 @@
           <a:p>
             <a:fld id="{C974CED3-EFED-4069-95EA-4CD91F652799}" type="datetime4">
               <a:rPr lang="en-US" noProof="0" smtClean="0"/>
-              <a:t>October 30, 2021</a:t>
+              <a:t>December 1, 2021</a:t>
             </a:fld>
             <a:endParaRPr lang="en-US" noProof="0"/>
           </a:p>
@@ -4221,10 +4247,10 @@
           </a:lstStyle>
           <a:p>
             <a:r>
-              <a:rPr lang="en-US" altLang="de-DE" dirty="0"/>
+              <a:rPr lang="en-US" altLang="de-DE"/>
               <a:t>Click to add title</a:t>
             </a:r>
-            <a:endParaRPr lang="en-US" dirty="0"/>
+            <a:endParaRPr lang="en-US"/>
           </a:p>
         </p:txBody>
       </p:sp>
@@ -4296,35 +4322,35 @@
           <a:p>
             <a:pPr lvl="0"/>
             <a:r>
-              <a:rPr lang="en-US" altLang="de-DE" dirty="0"/>
+              <a:rPr lang="en-US" altLang="de-DE"/>
               <a:t>Click to add text</a:t>
             </a:r>
           </a:p>
           <a:p>
             <a:pPr lvl="1"/>
             <a:r>
-              <a:rPr lang="en-US" altLang="de-DE" dirty="0"/>
+              <a:rPr lang="en-US" altLang="de-DE"/>
               <a:t>Second level</a:t>
             </a:r>
           </a:p>
           <a:p>
             <a:pPr lvl="2"/>
             <a:r>
-              <a:rPr lang="en-US" altLang="de-DE" dirty="0"/>
+              <a:rPr lang="en-US" altLang="de-DE"/>
               <a:t>Third level</a:t>
             </a:r>
           </a:p>
           <a:p>
             <a:pPr lvl="3"/>
             <a:r>
-              <a:rPr lang="en-US" altLang="de-DE" dirty="0"/>
+              <a:rPr lang="en-US" altLang="de-DE"/>
               <a:t>Fourth level</a:t>
             </a:r>
           </a:p>
           <a:p>
             <a:pPr lvl="4"/>
             <a:r>
-              <a:rPr lang="en-US" altLang="de-DE" dirty="0"/>
+              <a:rPr lang="en-US" altLang="de-DE"/>
               <a:t>Fifth level</a:t>
             </a:r>
           </a:p>
@@ -4368,35 +4394,35 @@
           <a:p>
             <a:pPr lvl="0"/>
             <a:r>
-              <a:rPr lang="en-US" altLang="de-DE" dirty="0"/>
+              <a:rPr lang="en-US" altLang="de-DE"/>
               <a:t>Click to add text</a:t>
             </a:r>
           </a:p>
           <a:p>
             <a:pPr lvl="1"/>
             <a:r>
-              <a:rPr lang="en-US" altLang="de-DE" dirty="0"/>
+              <a:rPr lang="en-US" altLang="de-DE"/>
               <a:t>Second level</a:t>
             </a:r>
           </a:p>
           <a:p>
             <a:pPr lvl="2"/>
             <a:r>
-              <a:rPr lang="en-US" altLang="de-DE" dirty="0"/>
+              <a:rPr lang="en-US" altLang="de-DE"/>
               <a:t>Third level</a:t>
             </a:r>
           </a:p>
           <a:p>
             <a:pPr lvl="3"/>
             <a:r>
-              <a:rPr lang="en-US" altLang="de-DE" dirty="0"/>
+              <a:rPr lang="en-US" altLang="de-DE"/>
               <a:t>Fourth level</a:t>
             </a:r>
           </a:p>
           <a:p>
             <a:pPr lvl="4"/>
             <a:r>
-              <a:rPr lang="en-US" altLang="de-DE" dirty="0"/>
+              <a:rPr lang="en-US" altLang="de-DE"/>
               <a:t>Fifth level</a:t>
             </a:r>
           </a:p>
@@ -4427,7 +4453,7 @@
           <a:p>
             <a:fld id="{24C77D95-51C1-4D00-BFF0-7F99CC3627C5}" type="datetime4">
               <a:rPr lang="en-US" smtClean="0"/>
-              <a:t>October 30, 2021</a:t>
+              <a:t>December 1, 2021</a:t>
             </a:fld>
             <a:endParaRPr lang="de-DE"/>
           </a:p>
@@ -4500,10 +4526,10 @@
           </a:lstStyle>
           <a:p>
             <a:r>
-              <a:rPr lang="en-US" altLang="de-DE" dirty="0"/>
+              <a:rPr lang="en-US" altLang="de-DE"/>
               <a:t>Click to add title</a:t>
             </a:r>
-            <a:endParaRPr lang="en-US" dirty="0"/>
+            <a:endParaRPr lang="en-US"/>
           </a:p>
         </p:txBody>
       </p:sp>
@@ -4622,35 +4648,35 @@
           <a:p>
             <a:pPr lvl="0"/>
             <a:r>
-              <a:rPr lang="en-US" altLang="de-DE" dirty="0"/>
+              <a:rPr lang="en-US" altLang="de-DE"/>
               <a:t>Click to add text</a:t>
             </a:r>
           </a:p>
           <a:p>
             <a:pPr lvl="1"/>
             <a:r>
-              <a:rPr lang="en-US" altLang="de-DE" dirty="0"/>
+              <a:rPr lang="en-US" altLang="de-DE"/>
               <a:t>Second level</a:t>
             </a:r>
           </a:p>
           <a:p>
             <a:pPr lvl="2"/>
             <a:r>
-              <a:rPr lang="en-US" altLang="de-DE" dirty="0"/>
+              <a:rPr lang="en-US" altLang="de-DE"/>
               <a:t>Third level</a:t>
             </a:r>
           </a:p>
           <a:p>
             <a:pPr lvl="3"/>
             <a:r>
-              <a:rPr lang="en-US" altLang="de-DE" dirty="0"/>
+              <a:rPr lang="en-US" altLang="de-DE"/>
               <a:t>Fourth level</a:t>
             </a:r>
           </a:p>
           <a:p>
             <a:pPr lvl="4"/>
             <a:r>
-              <a:rPr lang="en-US" altLang="de-DE" dirty="0"/>
+              <a:rPr lang="en-US" altLang="de-DE"/>
               <a:t>Fifth level</a:t>
             </a:r>
           </a:p>
@@ -4681,7 +4707,7 @@
           <a:p>
             <a:fld id="{4A352D04-419C-4B25-A572-CBA5FE51B2EF}" type="datetime4">
               <a:rPr lang="en-US" smtClean="0"/>
-              <a:t>October 30, 2021</a:t>
+              <a:t>December 1, 2021</a:t>
             </a:fld>
             <a:endParaRPr lang="de-DE"/>
           </a:p>
@@ -4754,10 +4780,10 @@
           </a:lstStyle>
           <a:p>
             <a:r>
-              <a:rPr lang="en-US" altLang="de-DE" dirty="0"/>
+              <a:rPr lang="en-US" altLang="de-DE"/>
               <a:t>Click to add title</a:t>
             </a:r>
-            <a:endParaRPr lang="en-US" dirty="0"/>
+            <a:endParaRPr lang="en-US"/>
           </a:p>
         </p:txBody>
       </p:sp>
@@ -4852,7 +4878,7 @@
           <a:p>
             <a:pPr lvl="0"/>
             <a:r>
-              <a:rPr lang="en-US" altLang="de-DE" dirty="0"/>
+              <a:rPr lang="en-US" altLang="de-DE"/>
               <a:t>Click to add subline</a:t>
             </a:r>
           </a:p>
@@ -4896,35 +4922,35 @@
           <a:p>
             <a:pPr lvl="0"/>
             <a:r>
-              <a:rPr lang="en-US" altLang="de-DE" dirty="0"/>
+              <a:rPr lang="en-US" altLang="de-DE"/>
               <a:t>Click to add text</a:t>
             </a:r>
           </a:p>
           <a:p>
             <a:pPr lvl="1"/>
             <a:r>
-              <a:rPr lang="en-US" altLang="de-DE" dirty="0"/>
+              <a:rPr lang="en-US" altLang="de-DE"/>
               <a:t>Second level</a:t>
             </a:r>
           </a:p>
           <a:p>
             <a:pPr lvl="2"/>
             <a:r>
-              <a:rPr lang="en-US" altLang="de-DE" dirty="0"/>
+              <a:rPr lang="en-US" altLang="de-DE"/>
               <a:t>Third level</a:t>
             </a:r>
           </a:p>
           <a:p>
             <a:pPr lvl="3"/>
             <a:r>
-              <a:rPr lang="en-US" altLang="de-DE" dirty="0"/>
+              <a:rPr lang="en-US" altLang="de-DE"/>
               <a:t>Fourth level</a:t>
             </a:r>
           </a:p>
           <a:p>
             <a:pPr lvl="4"/>
             <a:r>
-              <a:rPr lang="en-US" altLang="de-DE" dirty="0"/>
+              <a:rPr lang="en-US" altLang="de-DE"/>
               <a:t>Fifth level</a:t>
             </a:r>
           </a:p>
@@ -4991,7 +5017,7 @@
           <a:p>
             <a:pPr lvl="0"/>
             <a:r>
-              <a:rPr lang="en-US" altLang="de-DE" dirty="0"/>
+              <a:rPr lang="en-US" altLang="de-DE"/>
               <a:t>Click to add subline</a:t>
             </a:r>
           </a:p>
@@ -5035,35 +5061,35 @@
           <a:p>
             <a:pPr lvl="0"/>
             <a:r>
-              <a:rPr lang="en-US" altLang="de-DE" dirty="0"/>
+              <a:rPr lang="en-US" altLang="de-DE"/>
               <a:t>Click to add text</a:t>
             </a:r>
           </a:p>
           <a:p>
             <a:pPr lvl="1"/>
             <a:r>
-              <a:rPr lang="en-US" altLang="de-DE" dirty="0"/>
+              <a:rPr lang="en-US" altLang="de-DE"/>
               <a:t>Second level</a:t>
             </a:r>
           </a:p>
           <a:p>
             <a:pPr lvl="2"/>
             <a:r>
-              <a:rPr lang="en-US" altLang="de-DE" dirty="0"/>
+              <a:rPr lang="en-US" altLang="de-DE"/>
               <a:t>Third level</a:t>
             </a:r>
           </a:p>
           <a:p>
             <a:pPr lvl="3"/>
             <a:r>
-              <a:rPr lang="en-US" altLang="de-DE" dirty="0"/>
+              <a:rPr lang="en-US" altLang="de-DE"/>
               <a:t>Fourth level</a:t>
             </a:r>
           </a:p>
           <a:p>
             <a:pPr lvl="4"/>
             <a:r>
-              <a:rPr lang="en-US" altLang="de-DE" dirty="0"/>
+              <a:rPr lang="en-US" altLang="de-DE"/>
               <a:t>Fifth level</a:t>
             </a:r>
           </a:p>
@@ -5094,7 +5120,7 @@
           <a:p>
             <a:fld id="{91A6A913-06DA-4771-B4FD-7A780A785411}" type="datetime4">
               <a:rPr lang="en-US" smtClean="0"/>
-              <a:t>October 30, 2021</a:t>
+              <a:t>December 1, 2021</a:t>
             </a:fld>
             <a:endParaRPr lang="de-DE"/>
           </a:p>
@@ -5167,10 +5193,10 @@
           </a:lstStyle>
           <a:p>
             <a:r>
-              <a:rPr lang="en-US" altLang="de-DE" dirty="0"/>
+              <a:rPr lang="en-US" altLang="de-DE"/>
               <a:t>Click to add title</a:t>
             </a:r>
-            <a:endParaRPr lang="en-US" dirty="0"/>
+            <a:endParaRPr lang="en-US"/>
           </a:p>
         </p:txBody>
       </p:sp>
@@ -5312,7 +5338,7 @@
           <a:p>
             <a:pPr lvl="0"/>
             <a:r>
-              <a:rPr lang="en-US" altLang="de-DE" dirty="0"/>
+              <a:rPr lang="en-US" altLang="de-DE"/>
               <a:t>Click to add subline</a:t>
             </a:r>
           </a:p>
@@ -5356,35 +5382,35 @@
           <a:p>
             <a:pPr lvl="0"/>
             <a:r>
-              <a:rPr lang="en-US" altLang="de-DE" dirty="0"/>
+              <a:rPr lang="en-US" altLang="de-DE"/>
               <a:t>Click to add text</a:t>
             </a:r>
           </a:p>
           <a:p>
             <a:pPr lvl="1"/>
             <a:r>
-              <a:rPr lang="en-US" altLang="de-DE" dirty="0"/>
+              <a:rPr lang="en-US" altLang="de-DE"/>
               <a:t>Second level</a:t>
             </a:r>
           </a:p>
           <a:p>
             <a:pPr lvl="2"/>
             <a:r>
-              <a:rPr lang="en-US" altLang="de-DE" dirty="0"/>
+              <a:rPr lang="en-US" altLang="de-DE"/>
               <a:t>Third level</a:t>
             </a:r>
           </a:p>
           <a:p>
             <a:pPr lvl="3"/>
             <a:r>
-              <a:rPr lang="en-US" altLang="de-DE" dirty="0"/>
+              <a:rPr lang="en-US" altLang="de-DE"/>
               <a:t>Fourth level</a:t>
             </a:r>
           </a:p>
           <a:p>
             <a:pPr lvl="4"/>
             <a:r>
-              <a:rPr lang="en-US" altLang="de-DE" dirty="0"/>
+              <a:rPr lang="en-US" altLang="de-DE"/>
               <a:t>Fifth level</a:t>
             </a:r>
           </a:p>
@@ -5451,7 +5477,7 @@
           <a:p>
             <a:pPr lvl="0"/>
             <a:r>
-              <a:rPr lang="en-US" altLang="de-DE" dirty="0"/>
+              <a:rPr lang="en-US" altLang="de-DE"/>
               <a:t>Click to add subline</a:t>
             </a:r>
           </a:p>
@@ -5482,7 +5508,7 @@
           <a:p>
             <a:fld id="{9CD596A2-C669-4CD0-A976-13ED2B2147EE}" type="datetime4">
               <a:rPr lang="en-US" smtClean="0"/>
-              <a:t>October 30, 2021</a:t>
+              <a:t>December 1, 2021</a:t>
             </a:fld>
             <a:endParaRPr lang="de-DE"/>
           </a:p>
@@ -5555,7 +5581,7 @@
           </a:lstStyle>
           <a:p>
             <a:r>
-              <a:rPr lang="en-US" altLang="de-DE" dirty="0"/>
+              <a:rPr lang="en-US" altLang="de-DE"/>
               <a:t>Click to add title</a:t>
             </a:r>
           </a:p>
@@ -5616,7 +5642,7 @@
           <a:p>
             <a:fld id="{A8B043BB-F1AC-41E3-A31B-3BED2C404C7F}" type="datetime4">
               <a:rPr lang="en-US" smtClean="0"/>
-              <a:t>October 30, 2021</a:t>
+              <a:t>December 1, 2021</a:t>
             </a:fld>
             <a:endParaRPr lang="de-DE"/>
           </a:p>
@@ -5689,10 +5715,10 @@
           </a:lstStyle>
           <a:p>
             <a:r>
-              <a:rPr lang="en-US" altLang="de-DE" dirty="0"/>
+              <a:rPr lang="en-US" altLang="de-DE"/>
               <a:t>Click to add title</a:t>
             </a:r>
-            <a:endParaRPr lang="en-US" dirty="0"/>
+            <a:endParaRPr lang="en-US"/>
           </a:p>
         </p:txBody>
       </p:sp>
@@ -5825,7 +5851,7 @@
           <a:p>
             <a:fld id="{8F0F412E-6302-43BD-86F3-68C92BCEFAA7}" type="datetime4">
               <a:rPr lang="en-US" smtClean="0"/>
-              <a:t>October 30, 2021</a:t>
+              <a:t>December 1, 2021</a:t>
             </a:fld>
             <a:endParaRPr lang="de-DE"/>
           </a:p>
@@ -5898,10 +5924,10 @@
           </a:lstStyle>
           <a:p>
             <a:r>
-              <a:rPr lang="en-US" altLang="de-DE" dirty="0"/>
+              <a:rPr lang="en-US" altLang="de-DE"/>
               <a:t>Click to add title</a:t>
             </a:r>
-            <a:endParaRPr lang="en-US" dirty="0"/>
+            <a:endParaRPr lang="en-US"/>
           </a:p>
         </p:txBody>
       </p:sp>
@@ -5960,7 +5986,7 @@
           <a:p>
             <a:fld id="{12B8D648-917D-4B0C-9FBD-207A63C03E30}" type="datetime4">
               <a:rPr lang="en-US" smtClean="0"/>
-              <a:t>October 30, 2021</a:t>
+              <a:t>December 1, 2021</a:t>
             </a:fld>
             <a:endParaRPr lang="de-DE"/>
           </a:p>
@@ -6033,10 +6059,10 @@
           </a:lstStyle>
           <a:p>
             <a:r>
-              <a:rPr lang="en-US" altLang="de-DE" dirty="0"/>
+              <a:rPr lang="en-US" altLang="de-DE"/>
               <a:t>Click to add title</a:t>
             </a:r>
-            <a:endParaRPr lang="en-US" dirty="0"/>
+            <a:endParaRPr lang="en-US"/>
           </a:p>
         </p:txBody>
       </p:sp>
@@ -6215,7 +6241,7 @@
           <a:p>
             <a:fld id="{52BAD8AA-579C-4682-B026-173A722795AB}" type="datetime4">
               <a:rPr lang="en-US" smtClean="0"/>
-              <a:t>October 30, 2021</a:t>
+              <a:t>December 1, 2021</a:t>
             </a:fld>
             <a:endParaRPr lang="de-DE"/>
           </a:p>
@@ -6288,10 +6314,10 @@
           </a:lstStyle>
           <a:p>
             <a:r>
-              <a:rPr lang="en-US" altLang="de-DE" dirty="0"/>
+              <a:rPr lang="en-US" altLang="de-DE"/>
               <a:t>Click to add title</a:t>
             </a:r>
-            <a:endParaRPr lang="en-US" dirty="0"/>
+            <a:endParaRPr lang="en-US"/>
           </a:p>
         </p:txBody>
       </p:sp>
@@ -6396,7 +6422,7 @@
           <a:p>
             <a:fld id="{367F34DA-B1E1-4786-BB5F-D171B8612B89}" type="datetime4">
               <a:rPr lang="en-US" smtClean="0"/>
-              <a:t>October 30, 2021</a:t>
+              <a:t>December 1, 2021</a:t>
             </a:fld>
             <a:endParaRPr lang="de-DE"/>
           </a:p>
@@ -6469,10 +6495,10 @@
           </a:lstStyle>
           <a:p>
             <a:r>
-              <a:rPr lang="en-US" altLang="de-DE" dirty="0"/>
+              <a:rPr lang="en-US" altLang="de-DE"/>
               <a:t>Click to add title</a:t>
             </a:r>
-            <a:endParaRPr lang="en-US" dirty="0"/>
+            <a:endParaRPr lang="en-US"/>
           </a:p>
         </p:txBody>
       </p:sp>
@@ -6544,35 +6570,35 @@
           <a:p>
             <a:pPr lvl="0"/>
             <a:r>
-              <a:rPr lang="en-US" altLang="de-DE" dirty="0"/>
+              <a:rPr lang="en-US" altLang="de-DE"/>
               <a:t>Click to add text</a:t>
             </a:r>
           </a:p>
           <a:p>
             <a:pPr lvl="1"/>
             <a:r>
-              <a:rPr lang="en-US" altLang="de-DE" dirty="0"/>
+              <a:rPr lang="en-US" altLang="de-DE"/>
               <a:t>Second level</a:t>
             </a:r>
           </a:p>
           <a:p>
             <a:pPr lvl="2"/>
             <a:r>
-              <a:rPr lang="en-US" altLang="de-DE" dirty="0"/>
+              <a:rPr lang="en-US" altLang="de-DE"/>
               <a:t>Third level</a:t>
             </a:r>
           </a:p>
           <a:p>
             <a:pPr lvl="3"/>
             <a:r>
-              <a:rPr lang="en-US" altLang="de-DE" dirty="0"/>
+              <a:rPr lang="en-US" altLang="de-DE"/>
               <a:t>Fourth level</a:t>
             </a:r>
           </a:p>
           <a:p>
             <a:pPr lvl="4"/>
             <a:r>
-              <a:rPr lang="en-US" altLang="de-DE" dirty="0"/>
+              <a:rPr lang="en-US" altLang="de-DE"/>
               <a:t>Fifth level</a:t>
             </a:r>
           </a:p>
@@ -6603,7 +6629,7 @@
           <a:p>
             <a:fld id="{972A1FD8-603F-438E-AC40-DD7043440C8D}" type="datetime4">
               <a:rPr lang="en-US" noProof="0" smtClean="0"/>
-              <a:t>October 30, 2021</a:t>
+              <a:t>December 1, 2021</a:t>
             </a:fld>
             <a:endParaRPr lang="en-US" noProof="0"/>
           </a:p>
@@ -6680,10 +6706,10 @@
           </a:lstStyle>
           <a:p>
             <a:r>
-              <a:rPr lang="en-US" altLang="de-DE" dirty="0"/>
+              <a:rPr lang="en-US" altLang="de-DE"/>
               <a:t>Click to add title</a:t>
             </a:r>
-            <a:endParaRPr lang="en-US" dirty="0"/>
+            <a:endParaRPr lang="en-US"/>
           </a:p>
         </p:txBody>
       </p:sp>
@@ -6742,7 +6768,7 @@
           <a:p>
             <a:fld id="{3ACDFCFC-E949-42B0-9976-6FB2A855129B}" type="datetime4">
               <a:rPr lang="en-US" smtClean="0"/>
-              <a:t>October 30, 2021</a:t>
+              <a:t>December 1, 2021</a:t>
             </a:fld>
             <a:endParaRPr lang="de-DE"/>
           </a:p>
@@ -6860,28 +6886,28 @@
           <a:p>
             <a:pPr lvl="0"/>
             <a:r>
-              <a:rPr lang="en-US" altLang="de-DE" dirty="0"/>
+              <a:rPr lang="en-US" altLang="de-DE"/>
               <a:t>Click to add text</a:t>
             </a:r>
           </a:p>
           <a:p>
             <a:pPr lvl="1"/>
             <a:r>
-              <a:rPr lang="en-US" altLang="de-DE" dirty="0"/>
+              <a:rPr lang="en-US" altLang="de-DE"/>
               <a:t>Second level</a:t>
             </a:r>
           </a:p>
           <a:p>
             <a:pPr lvl="2"/>
             <a:r>
-              <a:rPr lang="en-US" altLang="de-DE" dirty="0"/>
+              <a:rPr lang="en-US" altLang="de-DE"/>
               <a:t>Third level</a:t>
             </a:r>
           </a:p>
           <a:p>
             <a:pPr lvl="3"/>
             <a:r>
-              <a:rPr lang="en-US" altLang="de-DE" dirty="0"/>
+              <a:rPr lang="en-US" altLang="de-DE"/>
               <a:t>Fourth level</a:t>
             </a:r>
           </a:p>
@@ -6948,7 +6974,7 @@
           <a:p>
             <a:pPr lvl="0"/>
             <a:r>
-              <a:rPr lang="en-US" altLang="de-DE" dirty="0"/>
+              <a:rPr lang="en-US" altLang="de-DE"/>
               <a:t>Click to add text</a:t>
             </a:r>
           </a:p>
@@ -6979,7 +7005,7 @@
           <a:p>
             <a:fld id="{1CF4CAD5-4F8E-4ED3-BFA6-CA791BA9F821}" type="datetime4">
               <a:rPr lang="en-US" smtClean="0"/>
-              <a:t>October 30, 2021</a:t>
+              <a:t>December 1, 2021</a:t>
             </a:fld>
             <a:endParaRPr lang="de-DE"/>
           </a:p>
@@ -7052,10 +7078,10 @@
           </a:lstStyle>
           <a:p>
             <a:r>
-              <a:rPr lang="en-US" altLang="de-DE" dirty="0"/>
+              <a:rPr lang="en-US" altLang="de-DE"/>
               <a:t>Click to add title</a:t>
             </a:r>
-            <a:endParaRPr lang="en-US" dirty="0"/>
+            <a:endParaRPr lang="en-US"/>
           </a:p>
         </p:txBody>
       </p:sp>
@@ -7178,7 +7204,7 @@
           <a:p>
             <a:fld id="{C2542C8C-558F-4137-8265-9B321A1AE65B}" type="datetime4">
               <a:rPr lang="en-US" smtClean="0"/>
-              <a:t>October 30, 2021</a:t>
+              <a:t>December 1, 2021</a:t>
             </a:fld>
             <a:endParaRPr lang="de-DE"/>
           </a:p>
@@ -7251,10 +7277,10 @@
           </a:lstStyle>
           <a:p>
             <a:r>
-              <a:rPr lang="en-US" altLang="de-DE" dirty="0"/>
+              <a:rPr lang="en-US" altLang="de-DE"/>
               <a:t>Click to add title</a:t>
             </a:r>
-            <a:endParaRPr lang="en-US" dirty="0"/>
+            <a:endParaRPr lang="en-US"/>
           </a:p>
         </p:txBody>
       </p:sp>
@@ -7325,18 +7351,18 @@
           <a:p>
             <a:pPr lvl="0"/>
             <a:r>
-              <a:rPr lang="en-US" altLang="de-DE" dirty="0" err="1"/>
+              <a:rPr lang="en-US" altLang="de-DE" err="1"/>
               <a:t>Mastertextformat</a:t>
             </a:r>
             <a:r>
-              <a:rPr lang="en-US" altLang="de-DE" dirty="0"/>
+              <a:rPr lang="en-US" altLang="de-DE"/>
               <a:t> </a:t>
             </a:r>
             <a:r>
-              <a:rPr lang="en-US" altLang="de-DE" dirty="0" err="1"/>
+              <a:rPr lang="en-US" altLang="de-DE" err="1"/>
               <a:t>bearbeiten</a:t>
             </a:r>
-            <a:endParaRPr lang="en-US" altLang="de-DE" dirty="0"/>
+            <a:endParaRPr lang="en-US" altLang="de-DE"/>
           </a:p>
         </p:txBody>
       </p:sp>
@@ -7408,35 +7434,35 @@
           <a:p>
             <a:pPr lvl="0"/>
             <a:r>
-              <a:rPr lang="en-US" altLang="de-DE" dirty="0"/>
+              <a:rPr lang="en-US" altLang="de-DE"/>
               <a:t>Click to add text</a:t>
             </a:r>
           </a:p>
           <a:p>
             <a:pPr lvl="1"/>
             <a:r>
-              <a:rPr lang="en-US" altLang="de-DE" dirty="0"/>
+              <a:rPr lang="en-US" altLang="de-DE"/>
               <a:t>Second level</a:t>
             </a:r>
           </a:p>
           <a:p>
             <a:pPr lvl="2"/>
             <a:r>
-              <a:rPr lang="en-US" altLang="de-DE" dirty="0"/>
+              <a:rPr lang="en-US" altLang="de-DE"/>
               <a:t>Third level</a:t>
             </a:r>
           </a:p>
           <a:p>
             <a:pPr lvl="3"/>
             <a:r>
-              <a:rPr lang="en-US" altLang="de-DE" dirty="0"/>
+              <a:rPr lang="en-US" altLang="de-DE"/>
               <a:t>Fourth level</a:t>
             </a:r>
           </a:p>
           <a:p>
             <a:pPr lvl="4"/>
             <a:r>
-              <a:rPr lang="en-US" altLang="de-DE" dirty="0"/>
+              <a:rPr lang="en-US" altLang="de-DE"/>
               <a:t>Fifth level</a:t>
             </a:r>
           </a:p>
@@ -7467,7 +7493,7 @@
           <a:p>
             <a:fld id="{5E74290C-0FB7-4906-971D-5853136A201E}" type="datetime4">
               <a:rPr lang="en-US" smtClean="0"/>
-              <a:t>October 30, 2021</a:t>
+              <a:t>December 1, 2021</a:t>
             </a:fld>
             <a:endParaRPr lang="de-DE"/>
           </a:p>
@@ -7540,10 +7566,10 @@
           </a:lstStyle>
           <a:p>
             <a:r>
-              <a:rPr lang="en-US" altLang="de-DE" dirty="0"/>
+              <a:rPr lang="en-US" altLang="de-DE"/>
               <a:t>Click to add title</a:t>
             </a:r>
-            <a:endParaRPr lang="en-US" dirty="0"/>
+            <a:endParaRPr lang="en-US"/>
           </a:p>
         </p:txBody>
       </p:sp>
@@ -7605,10 +7631,10 @@
           </a:lstStyle>
           <a:p>
             <a:r>
-              <a:rPr lang="en-US" altLang="de-DE" dirty="0"/>
+              <a:rPr lang="en-US" altLang="de-DE"/>
               <a:t>Click to add title</a:t>
             </a:r>
-            <a:endParaRPr lang="en-US" dirty="0"/>
+            <a:endParaRPr lang="en-US"/>
           </a:p>
         </p:txBody>
       </p:sp>
@@ -7650,35 +7676,35 @@
           <a:p>
             <a:pPr lvl="0"/>
             <a:r>
-              <a:rPr lang="en-US" altLang="de-DE" dirty="0"/>
+              <a:rPr lang="en-US" altLang="de-DE"/>
               <a:t>Click to add text</a:t>
             </a:r>
           </a:p>
           <a:p>
             <a:pPr lvl="1"/>
             <a:r>
-              <a:rPr lang="en-US" altLang="de-DE" dirty="0"/>
+              <a:rPr lang="en-US" altLang="de-DE"/>
               <a:t>Second level</a:t>
             </a:r>
           </a:p>
           <a:p>
             <a:pPr lvl="2"/>
             <a:r>
-              <a:rPr lang="en-US" altLang="de-DE" dirty="0"/>
+              <a:rPr lang="en-US" altLang="de-DE"/>
               <a:t>Third level</a:t>
             </a:r>
           </a:p>
           <a:p>
             <a:pPr lvl="3"/>
             <a:r>
-              <a:rPr lang="en-US" altLang="de-DE" dirty="0"/>
+              <a:rPr lang="en-US" altLang="de-DE"/>
               <a:t>Fourth level</a:t>
             </a:r>
           </a:p>
           <a:p>
             <a:pPr lvl="4"/>
             <a:r>
-              <a:rPr lang="en-US" altLang="de-DE" dirty="0"/>
+              <a:rPr lang="en-US" altLang="de-DE"/>
               <a:t>Fifth level</a:t>
             </a:r>
           </a:p>
@@ -7709,7 +7735,7 @@
           <a:p>
             <a:fld id="{DA9EFB5C-AFDB-4565-A383-24999B966811}" type="datetime4">
               <a:rPr lang="en-US" smtClean="0"/>
-              <a:t>October 30, 2021</a:t>
+              <a:t>December 1, 2021</a:t>
             </a:fld>
             <a:endParaRPr lang="de-DE"/>
           </a:p>
@@ -7873,23 +7899,23 @@
           <a:p>
             <a:pPr lvl="0"/>
             <a:r>
-              <a:rPr lang="de-DE" dirty="0"/>
+              <a:rPr lang="de-DE"/>
               <a:t>Click </a:t>
             </a:r>
             <a:r>
-              <a:rPr lang="de-DE" dirty="0" err="1"/>
+              <a:rPr lang="de-DE" err="1"/>
               <a:t>to</a:t>
             </a:r>
             <a:r>
-              <a:rPr lang="de-DE" dirty="0"/>
+              <a:rPr lang="de-DE"/>
               <a:t> </a:t>
             </a:r>
             <a:r>
-              <a:rPr lang="de-DE" dirty="0" err="1"/>
+              <a:rPr lang="de-DE" err="1"/>
               <a:t>add</a:t>
             </a:r>
             <a:r>
-              <a:rPr lang="de-DE" dirty="0"/>
+              <a:rPr lang="de-DE"/>
               <a:t> title</a:t>
             </a:r>
           </a:p>
@@ -7945,42 +7971,42 @@
           <a:p>
             <a:pPr lvl="0"/>
             <a:r>
-              <a:rPr lang="de-DE" dirty="0"/>
+              <a:rPr lang="de-DE"/>
               <a:t>Click </a:t>
             </a:r>
             <a:r>
-              <a:rPr lang="de-DE" dirty="0" err="1"/>
+              <a:rPr lang="de-DE" err="1"/>
               <a:t>to</a:t>
             </a:r>
             <a:r>
-              <a:rPr lang="de-DE" dirty="0"/>
+              <a:rPr lang="de-DE"/>
               <a:t> </a:t>
             </a:r>
             <a:r>
-              <a:rPr lang="de-DE" dirty="0" err="1"/>
+              <a:rPr lang="de-DE" err="1"/>
               <a:t>add</a:t>
             </a:r>
             <a:r>
-              <a:rPr lang="de-DE" dirty="0"/>
+              <a:rPr lang="de-DE"/>
               <a:t> </a:t>
             </a:r>
             <a:r>
-              <a:rPr lang="de-DE" dirty="0" err="1"/>
+              <a:rPr lang="de-DE" err="1"/>
               <a:t>subline</a:t>
             </a:r>
             <a:br>
-              <a:rPr lang="de-DE" dirty="0"/>
+              <a:rPr lang="de-DE"/>
             </a:br>
             <a:r>
-              <a:rPr lang="de-DE" dirty="0"/>
+              <a:rPr lang="de-DE"/>
               <a:t>(</a:t>
             </a:r>
             <a:r>
-              <a:rPr lang="en-US" dirty="0"/>
+              <a:rPr lang="en-US"/>
               <a:t>Also possible in two columns</a:t>
             </a:r>
             <a:r>
-              <a:rPr lang="de-DE" dirty="0"/>
+              <a:rPr lang="de-DE"/>
               <a:t>)</a:t>
             </a:r>
           </a:p>
@@ -8347,23 +8373,23 @@
           <a:p>
             <a:pPr lvl="0"/>
             <a:r>
-              <a:rPr lang="de-DE" dirty="0"/>
+              <a:rPr lang="de-DE"/>
               <a:t>Click </a:t>
             </a:r>
             <a:r>
-              <a:rPr lang="de-DE" dirty="0" err="1"/>
+              <a:rPr lang="de-DE" err="1"/>
               <a:t>to</a:t>
             </a:r>
             <a:r>
-              <a:rPr lang="de-DE" dirty="0"/>
+              <a:rPr lang="de-DE"/>
               <a:t> </a:t>
             </a:r>
             <a:r>
-              <a:rPr lang="de-DE" dirty="0" err="1"/>
+              <a:rPr lang="de-DE" err="1"/>
               <a:t>add</a:t>
             </a:r>
             <a:r>
-              <a:rPr lang="de-DE" dirty="0"/>
+              <a:rPr lang="de-DE"/>
               <a:t> title</a:t>
             </a:r>
           </a:p>
@@ -8419,42 +8445,42 @@
           <a:p>
             <a:pPr lvl="0"/>
             <a:r>
-              <a:rPr lang="de-DE" dirty="0"/>
+              <a:rPr lang="de-DE"/>
               <a:t>Click </a:t>
             </a:r>
             <a:r>
-              <a:rPr lang="de-DE" dirty="0" err="1"/>
+              <a:rPr lang="de-DE" err="1"/>
               <a:t>to</a:t>
             </a:r>
             <a:r>
-              <a:rPr lang="de-DE" dirty="0"/>
+              <a:rPr lang="de-DE"/>
               <a:t> </a:t>
             </a:r>
             <a:r>
-              <a:rPr lang="de-DE" dirty="0" err="1"/>
+              <a:rPr lang="de-DE" err="1"/>
               <a:t>add</a:t>
             </a:r>
             <a:r>
-              <a:rPr lang="de-DE" dirty="0"/>
+              <a:rPr lang="de-DE"/>
               <a:t> </a:t>
             </a:r>
             <a:r>
-              <a:rPr lang="de-DE" dirty="0" err="1"/>
+              <a:rPr lang="de-DE" err="1"/>
               <a:t>subline</a:t>
             </a:r>
             <a:br>
-              <a:rPr lang="de-DE" dirty="0"/>
+              <a:rPr lang="de-DE"/>
             </a:br>
             <a:r>
-              <a:rPr lang="de-DE" dirty="0"/>
+              <a:rPr lang="de-DE"/>
               <a:t>(</a:t>
             </a:r>
             <a:r>
-              <a:rPr lang="en-US" dirty="0"/>
+              <a:rPr lang="en-US"/>
               <a:t>Also possible in two columns</a:t>
             </a:r>
             <a:r>
-              <a:rPr lang="de-DE" dirty="0"/>
+              <a:rPr lang="de-DE"/>
               <a:t>)</a:t>
             </a:r>
           </a:p>
@@ -8771,35 +8797,35 @@
           <a:p>
             <a:pPr lvl="0"/>
             <a:r>
-              <a:rPr lang="en-US" altLang="de-DE" dirty="0"/>
+              <a:rPr lang="en-US" altLang="de-DE"/>
               <a:t>Click to add text</a:t>
             </a:r>
           </a:p>
           <a:p>
             <a:pPr lvl="1"/>
             <a:r>
-              <a:rPr lang="en-US" altLang="de-DE" dirty="0"/>
+              <a:rPr lang="en-US" altLang="de-DE"/>
               <a:t>Second level</a:t>
             </a:r>
           </a:p>
           <a:p>
             <a:pPr lvl="2"/>
             <a:r>
-              <a:rPr lang="en-US" altLang="de-DE" dirty="0"/>
+              <a:rPr lang="en-US" altLang="de-DE"/>
               <a:t>Third level</a:t>
             </a:r>
           </a:p>
           <a:p>
             <a:pPr lvl="3"/>
             <a:r>
-              <a:rPr lang="en-US" altLang="de-DE" dirty="0"/>
+              <a:rPr lang="en-US" altLang="de-DE"/>
               <a:t>Fourth level</a:t>
             </a:r>
           </a:p>
           <a:p>
             <a:pPr lvl="4"/>
             <a:r>
-              <a:rPr lang="en-US" altLang="de-DE" dirty="0"/>
+              <a:rPr lang="en-US" altLang="de-DE"/>
               <a:t>Fifth level</a:t>
             </a:r>
           </a:p>
@@ -8830,7 +8856,7 @@
           <a:p>
             <a:fld id="{162C1F81-0292-4658-B990-314031B5EEE0}" type="datetime4">
               <a:rPr lang="en-US" noProof="0" smtClean="0"/>
-              <a:t>October 30, 2021</a:t>
+              <a:t>December 1, 2021</a:t>
             </a:fld>
             <a:endParaRPr lang="en-US" noProof="0"/>
           </a:p>
@@ -8907,10 +8933,10 @@
           </a:lstStyle>
           <a:p>
             <a:r>
-              <a:rPr lang="en-US" altLang="de-DE" dirty="0"/>
+              <a:rPr lang="en-US" altLang="de-DE"/>
               <a:t>Click to add title</a:t>
             </a:r>
-            <a:endParaRPr lang="en-US" dirty="0"/>
+            <a:endParaRPr lang="en-US"/>
           </a:p>
         </p:txBody>
       </p:sp>
@@ -8982,35 +9008,35 @@
           <a:p>
             <a:pPr lvl="0"/>
             <a:r>
-              <a:rPr lang="en-US" altLang="de-DE" dirty="0"/>
+              <a:rPr lang="en-US" altLang="de-DE"/>
               <a:t>Click to add text</a:t>
             </a:r>
           </a:p>
           <a:p>
             <a:pPr lvl="1"/>
             <a:r>
-              <a:rPr lang="en-US" altLang="de-DE" dirty="0"/>
+              <a:rPr lang="en-US" altLang="de-DE"/>
               <a:t>Second level</a:t>
             </a:r>
           </a:p>
           <a:p>
             <a:pPr lvl="2"/>
             <a:r>
-              <a:rPr lang="en-US" altLang="de-DE" dirty="0"/>
+              <a:rPr lang="en-US" altLang="de-DE"/>
               <a:t>Third level</a:t>
             </a:r>
           </a:p>
           <a:p>
             <a:pPr lvl="3"/>
             <a:r>
-              <a:rPr lang="en-US" altLang="de-DE" dirty="0"/>
+              <a:rPr lang="en-US" altLang="de-DE"/>
               <a:t>Fourth level</a:t>
             </a:r>
           </a:p>
           <a:p>
             <a:pPr lvl="4"/>
             <a:r>
-              <a:rPr lang="en-US" altLang="de-DE" dirty="0"/>
+              <a:rPr lang="en-US" altLang="de-DE"/>
               <a:t>Fifth level</a:t>
             </a:r>
           </a:p>
@@ -9054,35 +9080,35 @@
           <a:p>
             <a:pPr lvl="0"/>
             <a:r>
-              <a:rPr lang="en-US" altLang="de-DE" dirty="0"/>
+              <a:rPr lang="en-US" altLang="de-DE"/>
               <a:t>Click to add text</a:t>
             </a:r>
           </a:p>
           <a:p>
             <a:pPr lvl="1"/>
             <a:r>
-              <a:rPr lang="en-US" altLang="de-DE" dirty="0"/>
+              <a:rPr lang="en-US" altLang="de-DE"/>
               <a:t>Second level</a:t>
             </a:r>
           </a:p>
           <a:p>
             <a:pPr lvl="2"/>
             <a:r>
-              <a:rPr lang="en-US" altLang="de-DE" dirty="0"/>
+              <a:rPr lang="en-US" altLang="de-DE"/>
               <a:t>Third level</a:t>
             </a:r>
           </a:p>
           <a:p>
             <a:pPr lvl="3"/>
             <a:r>
-              <a:rPr lang="en-US" altLang="de-DE" dirty="0"/>
+              <a:rPr lang="en-US" altLang="de-DE"/>
               <a:t>Fourth level</a:t>
             </a:r>
           </a:p>
           <a:p>
             <a:pPr lvl="4"/>
             <a:r>
-              <a:rPr lang="en-US" altLang="de-DE" dirty="0"/>
+              <a:rPr lang="en-US" altLang="de-DE"/>
               <a:t>Fifth level</a:t>
             </a:r>
           </a:p>
@@ -9113,7 +9139,7 @@
           <a:p>
             <a:fld id="{D558F984-26B4-4933-8516-FE1535DED93C}" type="datetime4">
               <a:rPr lang="en-US" smtClean="0"/>
-              <a:t>October 30, 2021</a:t>
+              <a:t>December 1, 2021</a:t>
             </a:fld>
             <a:endParaRPr lang="de-DE"/>
           </a:p>
@@ -9186,10 +9212,10 @@
           </a:lstStyle>
           <a:p>
             <a:r>
-              <a:rPr lang="en-US" altLang="de-DE" dirty="0"/>
+              <a:rPr lang="en-US" altLang="de-DE"/>
               <a:t>Click to add title</a:t>
             </a:r>
-            <a:endParaRPr lang="en-US" dirty="0"/>
+            <a:endParaRPr lang="en-US"/>
           </a:p>
         </p:txBody>
       </p:sp>
@@ -9308,35 +9334,35 @@
           <a:p>
             <a:pPr lvl="0"/>
             <a:r>
-              <a:rPr lang="en-US" altLang="de-DE" dirty="0"/>
+              <a:rPr lang="en-US" altLang="de-DE"/>
               <a:t>Click to add text</a:t>
             </a:r>
           </a:p>
           <a:p>
             <a:pPr lvl="1"/>
             <a:r>
-              <a:rPr lang="en-US" altLang="de-DE" dirty="0"/>
+              <a:rPr lang="en-US" altLang="de-DE"/>
               <a:t>Second level</a:t>
             </a:r>
           </a:p>
           <a:p>
             <a:pPr lvl="2"/>
             <a:r>
-              <a:rPr lang="en-US" altLang="de-DE" dirty="0"/>
+              <a:rPr lang="en-US" altLang="de-DE"/>
               <a:t>Third level</a:t>
             </a:r>
           </a:p>
           <a:p>
             <a:pPr lvl="3"/>
             <a:r>
-              <a:rPr lang="en-US" altLang="de-DE" dirty="0"/>
+              <a:rPr lang="en-US" altLang="de-DE"/>
               <a:t>Fourth level</a:t>
             </a:r>
           </a:p>
           <a:p>
             <a:pPr lvl="4"/>
             <a:r>
-              <a:rPr lang="en-US" altLang="de-DE" dirty="0"/>
+              <a:rPr lang="en-US" altLang="de-DE"/>
               <a:t>Fifth level</a:t>
             </a:r>
           </a:p>
@@ -9367,7 +9393,7 @@
           <a:p>
             <a:fld id="{13E4C659-E679-417B-A9E8-A603DCE1B207}" type="datetime4">
               <a:rPr lang="en-US" smtClean="0"/>
-              <a:t>October 30, 2021</a:t>
+              <a:t>December 1, 2021</a:t>
             </a:fld>
             <a:endParaRPr lang="de-DE"/>
           </a:p>
@@ -9440,10 +9466,10 @@
           </a:lstStyle>
           <a:p>
             <a:r>
-              <a:rPr lang="en-US" altLang="de-DE" dirty="0"/>
+              <a:rPr lang="en-US" altLang="de-DE"/>
               <a:t>Click to add title</a:t>
             </a:r>
-            <a:endParaRPr lang="en-US" dirty="0"/>
+            <a:endParaRPr lang="en-US"/>
           </a:p>
         </p:txBody>
       </p:sp>
@@ -9515,35 +9541,35 @@
           <a:p>
             <a:pPr lvl="0"/>
             <a:r>
-              <a:rPr lang="en-US" altLang="de-DE" dirty="0"/>
+              <a:rPr lang="en-US" altLang="de-DE"/>
               <a:t>Click to add text</a:t>
             </a:r>
           </a:p>
           <a:p>
             <a:pPr lvl="1"/>
             <a:r>
-              <a:rPr lang="en-US" altLang="de-DE" dirty="0"/>
+              <a:rPr lang="en-US" altLang="de-DE"/>
               <a:t>Second level</a:t>
             </a:r>
           </a:p>
           <a:p>
             <a:pPr lvl="2"/>
             <a:r>
-              <a:rPr lang="en-US" altLang="de-DE" dirty="0"/>
+              <a:rPr lang="en-US" altLang="de-DE"/>
               <a:t>Third level</a:t>
             </a:r>
           </a:p>
           <a:p>
             <a:pPr lvl="3"/>
             <a:r>
-              <a:rPr lang="en-US" altLang="de-DE" dirty="0"/>
+              <a:rPr lang="en-US" altLang="de-DE"/>
               <a:t>Fourth level</a:t>
             </a:r>
           </a:p>
           <a:p>
             <a:pPr lvl="4"/>
             <a:r>
-              <a:rPr lang="en-US" altLang="de-DE" dirty="0"/>
+              <a:rPr lang="en-US" altLang="de-DE"/>
               <a:t>Fifth level</a:t>
             </a:r>
           </a:p>
@@ -9587,35 +9613,35 @@
           <a:p>
             <a:pPr lvl="0"/>
             <a:r>
-              <a:rPr lang="en-US" altLang="de-DE" dirty="0"/>
+              <a:rPr lang="en-US" altLang="de-DE"/>
               <a:t>Click to add text</a:t>
             </a:r>
           </a:p>
           <a:p>
             <a:pPr lvl="1"/>
             <a:r>
-              <a:rPr lang="en-US" altLang="de-DE" dirty="0"/>
+              <a:rPr lang="en-US" altLang="de-DE"/>
               <a:t>Second level</a:t>
             </a:r>
           </a:p>
           <a:p>
             <a:pPr lvl="2"/>
             <a:r>
-              <a:rPr lang="en-US" altLang="de-DE" dirty="0"/>
+              <a:rPr lang="en-US" altLang="de-DE"/>
               <a:t>Third level</a:t>
             </a:r>
           </a:p>
           <a:p>
             <a:pPr lvl="3"/>
             <a:r>
-              <a:rPr lang="en-US" altLang="de-DE" dirty="0"/>
+              <a:rPr lang="en-US" altLang="de-DE"/>
               <a:t>Fourth level</a:t>
             </a:r>
           </a:p>
           <a:p>
             <a:pPr lvl="4"/>
             <a:r>
-              <a:rPr lang="en-US" altLang="de-DE" dirty="0"/>
+              <a:rPr lang="en-US" altLang="de-DE"/>
               <a:t>Fifth level</a:t>
             </a:r>
           </a:p>
@@ -9646,7 +9672,7 @@
           <a:p>
             <a:fld id="{15654299-21F5-4380-A5B0-36A76B3ABC3F}" type="datetime4">
               <a:rPr lang="en-US" smtClean="0"/>
-              <a:t>October 30, 2021</a:t>
+              <a:t>December 1, 2021</a:t>
             </a:fld>
             <a:endParaRPr lang="de-DE"/>
           </a:p>
@@ -9719,10 +9745,10 @@
           </a:lstStyle>
           <a:p>
             <a:r>
-              <a:rPr lang="en-US" altLang="de-DE" dirty="0"/>
+              <a:rPr lang="en-US" altLang="de-DE"/>
               <a:t>Click to add title</a:t>
             </a:r>
-            <a:endParaRPr lang="en-US" dirty="0"/>
+            <a:endParaRPr lang="en-US"/>
           </a:p>
         </p:txBody>
       </p:sp>
@@ -9817,7 +9843,7 @@
           <a:p>
             <a:pPr lvl="0"/>
             <a:r>
-              <a:rPr lang="en-US" altLang="de-DE" dirty="0"/>
+              <a:rPr lang="en-US" altLang="de-DE"/>
               <a:t>Click to add subline</a:t>
             </a:r>
           </a:p>
@@ -9861,35 +9887,35 @@
           <a:p>
             <a:pPr lvl="0"/>
             <a:r>
-              <a:rPr lang="en-US" altLang="de-DE" dirty="0"/>
+              <a:rPr lang="en-US" altLang="de-DE"/>
               <a:t>Click to add text</a:t>
             </a:r>
           </a:p>
           <a:p>
             <a:pPr lvl="1"/>
             <a:r>
-              <a:rPr lang="en-US" altLang="de-DE" dirty="0"/>
+              <a:rPr lang="en-US" altLang="de-DE"/>
               <a:t>Second level</a:t>
             </a:r>
           </a:p>
           <a:p>
             <a:pPr lvl="2"/>
             <a:r>
-              <a:rPr lang="en-US" altLang="de-DE" dirty="0"/>
+              <a:rPr lang="en-US" altLang="de-DE"/>
               <a:t>Third level</a:t>
             </a:r>
           </a:p>
           <a:p>
             <a:pPr lvl="3"/>
             <a:r>
-              <a:rPr lang="en-US" altLang="de-DE" dirty="0"/>
+              <a:rPr lang="en-US" altLang="de-DE"/>
               <a:t>Fourth level</a:t>
             </a:r>
           </a:p>
           <a:p>
             <a:pPr lvl="4"/>
             <a:r>
-              <a:rPr lang="en-US" altLang="de-DE" dirty="0"/>
+              <a:rPr lang="en-US" altLang="de-DE"/>
               <a:t>Fifth level</a:t>
             </a:r>
           </a:p>
@@ -9956,7 +9982,7 @@
           <a:p>
             <a:pPr lvl="0"/>
             <a:r>
-              <a:rPr lang="en-US" altLang="de-DE" dirty="0"/>
+              <a:rPr lang="en-US" altLang="de-DE"/>
               <a:t>Click to add subline</a:t>
             </a:r>
           </a:p>
@@ -10000,35 +10026,35 @@
           <a:p>
             <a:pPr lvl="0"/>
             <a:r>
-              <a:rPr lang="en-US" altLang="de-DE" dirty="0"/>
+              <a:rPr lang="en-US" altLang="de-DE"/>
               <a:t>Click to add text</a:t>
             </a:r>
           </a:p>
           <a:p>
             <a:pPr lvl="1"/>
             <a:r>
-              <a:rPr lang="en-US" altLang="de-DE" dirty="0"/>
+              <a:rPr lang="en-US" altLang="de-DE"/>
               <a:t>Second level</a:t>
             </a:r>
           </a:p>
           <a:p>
             <a:pPr lvl="2"/>
             <a:r>
-              <a:rPr lang="en-US" altLang="de-DE" dirty="0"/>
+              <a:rPr lang="en-US" altLang="de-DE"/>
               <a:t>Third level</a:t>
             </a:r>
           </a:p>
           <a:p>
             <a:pPr lvl="3"/>
             <a:r>
-              <a:rPr lang="en-US" altLang="de-DE" dirty="0"/>
+              <a:rPr lang="en-US" altLang="de-DE"/>
               <a:t>Fourth level</a:t>
             </a:r>
           </a:p>
           <a:p>
             <a:pPr lvl="4"/>
             <a:r>
-              <a:rPr lang="en-US" altLang="de-DE" dirty="0"/>
+              <a:rPr lang="en-US" altLang="de-DE"/>
               <a:t>Fifth level</a:t>
             </a:r>
           </a:p>
@@ -10059,7 +10085,7 @@
           <a:p>
             <a:fld id="{54BD4C5A-35E9-47D6-BDD6-A15EE1F6811B}" type="datetime4">
               <a:rPr lang="en-US" smtClean="0"/>
-              <a:t>October 30, 2021</a:t>
+              <a:t>December 1, 2021</a:t>
             </a:fld>
             <a:endParaRPr lang="de-DE"/>
           </a:p>
@@ -10132,10 +10158,10 @@
           </a:lstStyle>
           <a:p>
             <a:r>
-              <a:rPr lang="en-US" altLang="de-DE" dirty="0"/>
+              <a:rPr lang="en-US" altLang="de-DE"/>
               <a:t>Click to add title</a:t>
             </a:r>
-            <a:endParaRPr lang="en-US" dirty="0"/>
+            <a:endParaRPr lang="en-US"/>
           </a:p>
         </p:txBody>
       </p:sp>
@@ -10277,7 +10303,7 @@
           <a:p>
             <a:pPr lvl="0"/>
             <a:r>
-              <a:rPr lang="en-US" altLang="de-DE" dirty="0"/>
+              <a:rPr lang="en-US" altLang="de-DE"/>
               <a:t>Click to add subline</a:t>
             </a:r>
           </a:p>
@@ -10321,35 +10347,35 @@
           <a:p>
             <a:pPr lvl="0"/>
             <a:r>
-              <a:rPr lang="en-US" altLang="de-DE" dirty="0"/>
+              <a:rPr lang="en-US" altLang="de-DE"/>
               <a:t>Click to add text</a:t>
             </a:r>
           </a:p>
           <a:p>
             <a:pPr lvl="1"/>
             <a:r>
-              <a:rPr lang="en-US" altLang="de-DE" dirty="0"/>
+              <a:rPr lang="en-US" altLang="de-DE"/>
               <a:t>Second level</a:t>
             </a:r>
           </a:p>
           <a:p>
             <a:pPr lvl="2"/>
             <a:r>
-              <a:rPr lang="en-US" altLang="de-DE" dirty="0"/>
+              <a:rPr lang="en-US" altLang="de-DE"/>
               <a:t>Third level</a:t>
             </a:r>
           </a:p>
           <a:p>
             <a:pPr lvl="3"/>
             <a:r>
-              <a:rPr lang="en-US" altLang="de-DE" dirty="0"/>
+              <a:rPr lang="en-US" altLang="de-DE"/>
               <a:t>Fourth level</a:t>
             </a:r>
           </a:p>
           <a:p>
             <a:pPr lvl="4"/>
             <a:r>
-              <a:rPr lang="en-US" altLang="de-DE" dirty="0"/>
+              <a:rPr lang="en-US" altLang="de-DE"/>
               <a:t>Fifth level</a:t>
             </a:r>
           </a:p>
@@ -10416,7 +10442,7 @@
           <a:p>
             <a:pPr lvl="0"/>
             <a:r>
-              <a:rPr lang="en-US" altLang="de-DE" dirty="0"/>
+              <a:rPr lang="en-US" altLang="de-DE"/>
               <a:t>Click to add subline</a:t>
             </a:r>
           </a:p>
@@ -10447,7 +10473,7 @@
           <a:p>
             <a:fld id="{7046FD4F-6F20-4022-8CF1-AABFBE35CA69}" type="datetime4">
               <a:rPr lang="en-US" smtClean="0"/>
-              <a:t>October 30, 2021</a:t>
+              <a:t>December 1, 2021</a:t>
             </a:fld>
             <a:endParaRPr lang="de-DE"/>
           </a:p>
@@ -10520,7 +10546,7 @@
           </a:lstStyle>
           <a:p>
             <a:r>
-              <a:rPr lang="en-US" altLang="de-DE" dirty="0"/>
+              <a:rPr lang="en-US" altLang="de-DE"/>
               <a:t>Click to add title</a:t>
             </a:r>
           </a:p>
@@ -10581,7 +10607,7 @@
           <a:p>
             <a:fld id="{563BD3E5-C6B0-41CB-8EEA-5A19D71A579A}" type="datetime4">
               <a:rPr lang="en-US" smtClean="0"/>
-              <a:t>October 30, 2021</a:t>
+              <a:t>December 1, 2021</a:t>
             </a:fld>
             <a:endParaRPr lang="de-DE"/>
           </a:p>
@@ -10654,10 +10680,10 @@
           </a:lstStyle>
           <a:p>
             <a:r>
-              <a:rPr lang="en-US" altLang="de-DE" dirty="0"/>
+              <a:rPr lang="en-US" altLang="de-DE"/>
               <a:t>Click to add title</a:t>
             </a:r>
-            <a:endParaRPr lang="en-US" dirty="0"/>
+            <a:endParaRPr lang="en-US"/>
           </a:p>
         </p:txBody>
       </p:sp>
@@ -10790,7 +10816,7 @@
           <a:p>
             <a:fld id="{6DD5701E-F27F-4FC7-9A65-8970DD43482C}" type="datetime4">
               <a:rPr lang="en-US" smtClean="0"/>
-              <a:t>October 30, 2021</a:t>
+              <a:t>December 1, 2021</a:t>
             </a:fld>
             <a:endParaRPr lang="de-DE"/>
           </a:p>
@@ -10863,10 +10889,10 @@
           </a:lstStyle>
           <a:p>
             <a:r>
-              <a:rPr lang="en-US" altLang="de-DE" dirty="0"/>
+              <a:rPr lang="en-US" altLang="de-DE"/>
               <a:t>Click to add title</a:t>
             </a:r>
-            <a:endParaRPr lang="en-US" dirty="0"/>
+            <a:endParaRPr lang="en-US"/>
           </a:p>
         </p:txBody>
       </p:sp>
@@ -10925,7 +10951,7 @@
           <a:p>
             <a:fld id="{324FF91D-7296-4205-8BDB-A92220A41345}" type="datetime4">
               <a:rPr lang="en-US" smtClean="0"/>
-              <a:t>October 30, 2021</a:t>
+              <a:t>December 1, 2021</a:t>
             </a:fld>
             <a:endParaRPr lang="de-DE"/>
           </a:p>
@@ -10998,10 +11024,10 @@
           </a:lstStyle>
           <a:p>
             <a:r>
-              <a:rPr lang="en-US" altLang="de-DE" dirty="0"/>
+              <a:rPr lang="en-US" altLang="de-DE"/>
               <a:t>Click to add title</a:t>
             </a:r>
-            <a:endParaRPr lang="en-US" dirty="0"/>
+            <a:endParaRPr lang="en-US"/>
           </a:p>
         </p:txBody>
       </p:sp>
@@ -11180,7 +11206,7 @@
           <a:p>
             <a:fld id="{0A5B49F6-B86F-4AD3-8EB4-0DC3B07A0E87}" type="datetime4">
               <a:rPr lang="en-US" smtClean="0"/>
-              <a:t>October 30, 2021</a:t>
+              <a:t>December 1, 2021</a:t>
             </a:fld>
             <a:endParaRPr lang="de-DE"/>
           </a:p>
@@ -11253,10 +11279,10 @@
           </a:lstStyle>
           <a:p>
             <a:r>
-              <a:rPr lang="en-US" altLang="de-DE" dirty="0"/>
+              <a:rPr lang="en-US" altLang="de-DE"/>
               <a:t>Click to add title</a:t>
             </a:r>
-            <a:endParaRPr lang="en-US" dirty="0"/>
+            <a:endParaRPr lang="en-US"/>
           </a:p>
         </p:txBody>
       </p:sp>
@@ -11315,7 +11341,7 @@
           <a:p>
             <a:fld id="{53AD220D-9F11-4B7D-8A9D-9C2F5BED8E3F}" type="datetime4">
               <a:rPr lang="en-US" smtClean="0"/>
-              <a:t>October 30, 2021</a:t>
+              <a:t>December 1, 2021</a:t>
             </a:fld>
             <a:endParaRPr lang="de-DE"/>
           </a:p>
@@ -11388,10 +11414,10 @@
           </a:lstStyle>
           <a:p>
             <a:r>
-              <a:rPr lang="en-US" altLang="de-DE" dirty="0"/>
+              <a:rPr lang="en-US" altLang="de-DE"/>
               <a:t>Click to add title</a:t>
             </a:r>
-            <a:endParaRPr lang="en-US" dirty="0"/>
+            <a:endParaRPr lang="en-US"/>
           </a:p>
         </p:txBody>
       </p:sp>
@@ -11450,7 +11476,7 @@
           <a:p>
             <a:fld id="{84502107-A1C5-4378-9800-447D95495502}" type="datetime4">
               <a:rPr lang="en-US" smtClean="0"/>
-              <a:t>October 30, 2021</a:t>
+              <a:t>December 1, 2021</a:t>
             </a:fld>
             <a:endParaRPr lang="de-DE"/>
           </a:p>
@@ -11568,28 +11594,28 @@
           <a:p>
             <a:pPr lvl="0"/>
             <a:r>
-              <a:rPr lang="en-US" altLang="de-DE" dirty="0"/>
+              <a:rPr lang="en-US" altLang="de-DE"/>
               <a:t>Click to add text</a:t>
             </a:r>
           </a:p>
           <a:p>
             <a:pPr lvl="1"/>
             <a:r>
-              <a:rPr lang="en-US" altLang="de-DE" dirty="0"/>
+              <a:rPr lang="en-US" altLang="de-DE"/>
               <a:t>Second level</a:t>
             </a:r>
           </a:p>
           <a:p>
             <a:pPr lvl="2"/>
             <a:r>
-              <a:rPr lang="en-US" altLang="de-DE" dirty="0"/>
+              <a:rPr lang="en-US" altLang="de-DE"/>
               <a:t>Third level</a:t>
             </a:r>
           </a:p>
           <a:p>
             <a:pPr lvl="3"/>
             <a:r>
-              <a:rPr lang="en-US" altLang="de-DE" dirty="0"/>
+              <a:rPr lang="en-US" altLang="de-DE"/>
               <a:t>Fourth level</a:t>
             </a:r>
           </a:p>
@@ -11656,7 +11682,7 @@
           <a:p>
             <a:pPr lvl="0"/>
             <a:r>
-              <a:rPr lang="en-US" altLang="de-DE" dirty="0"/>
+              <a:rPr lang="en-US" altLang="de-DE"/>
               <a:t>Click to add text</a:t>
             </a:r>
           </a:p>
@@ -11687,7 +11713,7 @@
           <a:p>
             <a:fld id="{4FAC4E8C-1250-48A6-B04C-BC56622F1CB3}" type="datetime4">
               <a:rPr lang="en-US" smtClean="0"/>
-              <a:t>October 30, 2021</a:t>
+              <a:t>December 1, 2021</a:t>
             </a:fld>
             <a:endParaRPr lang="de-DE"/>
           </a:p>
@@ -11760,10 +11786,10 @@
           </a:lstStyle>
           <a:p>
             <a:r>
-              <a:rPr lang="en-US" altLang="de-DE" dirty="0"/>
+              <a:rPr lang="en-US" altLang="de-DE"/>
               <a:t>Click to add title</a:t>
             </a:r>
-            <a:endParaRPr lang="en-US" dirty="0"/>
+            <a:endParaRPr lang="en-US"/>
           </a:p>
         </p:txBody>
       </p:sp>
@@ -11886,7 +11912,7 @@
           <a:p>
             <a:fld id="{992D16ED-EDD1-4A5D-BA1C-CC77859519F8}" type="datetime4">
               <a:rPr lang="en-US" smtClean="0"/>
-              <a:t>October 30, 2021</a:t>
+              <a:t>December 1, 2021</a:t>
             </a:fld>
             <a:endParaRPr lang="de-DE"/>
           </a:p>
@@ -11959,10 +11985,10 @@
           </a:lstStyle>
           <a:p>
             <a:r>
-              <a:rPr lang="en-US" altLang="de-DE" dirty="0"/>
+              <a:rPr lang="en-US" altLang="de-DE"/>
               <a:t>Click to add title</a:t>
             </a:r>
-            <a:endParaRPr lang="en-US" dirty="0"/>
+            <a:endParaRPr lang="en-US"/>
           </a:p>
         </p:txBody>
       </p:sp>
@@ -12033,18 +12059,18 @@
           <a:p>
             <a:pPr lvl="0"/>
             <a:r>
-              <a:rPr lang="en-US" altLang="de-DE" dirty="0" err="1"/>
+              <a:rPr lang="en-US" altLang="de-DE" err="1"/>
               <a:t>Mastertextformat</a:t>
             </a:r>
             <a:r>
-              <a:rPr lang="en-US" altLang="de-DE" dirty="0"/>
+              <a:rPr lang="en-US" altLang="de-DE"/>
               <a:t> </a:t>
             </a:r>
             <a:r>
-              <a:rPr lang="en-US" altLang="de-DE" dirty="0" err="1"/>
+              <a:rPr lang="en-US" altLang="de-DE" err="1"/>
               <a:t>bearbeiten</a:t>
             </a:r>
-            <a:endParaRPr lang="en-US" altLang="de-DE" dirty="0"/>
+            <a:endParaRPr lang="en-US" altLang="de-DE"/>
           </a:p>
         </p:txBody>
       </p:sp>
@@ -12163,35 +12189,35 @@
           <a:p>
             <a:pPr lvl="0"/>
             <a:r>
-              <a:rPr lang="en-US" altLang="de-DE" dirty="0"/>
+              <a:rPr lang="en-US" altLang="de-DE"/>
               <a:t>Click to add text</a:t>
             </a:r>
           </a:p>
           <a:p>
             <a:pPr lvl="1"/>
             <a:r>
-              <a:rPr lang="en-US" altLang="de-DE" dirty="0"/>
+              <a:rPr lang="en-US" altLang="de-DE"/>
               <a:t>Second level</a:t>
             </a:r>
           </a:p>
           <a:p>
             <a:pPr lvl="2"/>
             <a:r>
-              <a:rPr lang="en-US" altLang="de-DE" dirty="0"/>
+              <a:rPr lang="en-US" altLang="de-DE"/>
               <a:t>Third level</a:t>
             </a:r>
           </a:p>
           <a:p>
             <a:pPr lvl="3"/>
             <a:r>
-              <a:rPr lang="en-US" altLang="de-DE" dirty="0"/>
+              <a:rPr lang="en-US" altLang="de-DE"/>
               <a:t>Fourth level</a:t>
             </a:r>
           </a:p>
           <a:p>
             <a:pPr lvl="4"/>
             <a:r>
-              <a:rPr lang="en-US" altLang="de-DE" dirty="0"/>
+              <a:rPr lang="en-US" altLang="de-DE"/>
               <a:t>Fifth level</a:t>
             </a:r>
           </a:p>
@@ -12222,7 +12248,7 @@
           <a:p>
             <a:fld id="{3DB31224-A2BA-46E6-8C08-B9EBE4CA9847}" type="datetime4">
               <a:rPr lang="en-US" smtClean="0"/>
-              <a:t>October 30, 2021</a:t>
+              <a:t>December 1, 2021</a:t>
             </a:fld>
             <a:endParaRPr lang="de-DE"/>
           </a:p>
@@ -12295,10 +12321,10 @@
           </a:lstStyle>
           <a:p>
             <a:r>
-              <a:rPr lang="en-US" altLang="de-DE" dirty="0"/>
+              <a:rPr lang="en-US" altLang="de-DE"/>
               <a:t>Click to add title</a:t>
             </a:r>
-            <a:endParaRPr lang="en-US" dirty="0"/>
+            <a:endParaRPr lang="en-US"/>
           </a:p>
         </p:txBody>
       </p:sp>
@@ -12370,35 +12396,35 @@
           <a:p>
             <a:pPr lvl="0"/>
             <a:r>
-              <a:rPr lang="en-US" altLang="de-DE" dirty="0"/>
+              <a:rPr lang="en-US" altLang="de-DE"/>
               <a:t>Click to add text</a:t>
             </a:r>
           </a:p>
           <a:p>
             <a:pPr lvl="1"/>
             <a:r>
-              <a:rPr lang="en-US" altLang="de-DE" dirty="0"/>
+              <a:rPr lang="en-US" altLang="de-DE"/>
               <a:t>Second level</a:t>
             </a:r>
           </a:p>
           <a:p>
             <a:pPr lvl="2"/>
             <a:r>
-              <a:rPr lang="en-US" altLang="de-DE" dirty="0"/>
+              <a:rPr lang="en-US" altLang="de-DE"/>
               <a:t>Third level</a:t>
             </a:r>
           </a:p>
           <a:p>
             <a:pPr lvl="3"/>
             <a:r>
-              <a:rPr lang="en-US" altLang="de-DE" dirty="0"/>
+              <a:rPr lang="en-US" altLang="de-DE"/>
               <a:t>Fourth level</a:t>
             </a:r>
           </a:p>
           <a:p>
             <a:pPr lvl="4"/>
             <a:r>
-              <a:rPr lang="en-US" altLang="de-DE" dirty="0"/>
+              <a:rPr lang="en-US" altLang="de-DE"/>
               <a:t>Fifth level</a:t>
             </a:r>
           </a:p>
@@ -12429,7 +12455,7 @@
           <a:p>
             <a:fld id="{875D5D3D-2EDA-453D-A98B-ACA198EE4F58}" type="datetime4">
               <a:rPr lang="en-US" smtClean="0"/>
-              <a:t>October 30, 2021</a:t>
+              <a:t>December 1, 2021</a:t>
             </a:fld>
             <a:endParaRPr lang="de-DE"/>
           </a:p>
@@ -12502,10 +12528,10 @@
           </a:lstStyle>
           <a:p>
             <a:r>
-              <a:rPr lang="en-US" altLang="de-DE" dirty="0"/>
+              <a:rPr lang="en-US" altLang="de-DE"/>
               <a:t>Click to add title</a:t>
             </a:r>
-            <a:endParaRPr lang="en-US" dirty="0"/>
+            <a:endParaRPr lang="en-US"/>
           </a:p>
         </p:txBody>
       </p:sp>
@@ -12567,10 +12593,10 @@
           </a:lstStyle>
           <a:p>
             <a:r>
-              <a:rPr lang="en-US" altLang="de-DE" dirty="0"/>
+              <a:rPr lang="en-US" altLang="de-DE"/>
               <a:t>Click to add title</a:t>
             </a:r>
-            <a:endParaRPr lang="en-US" dirty="0"/>
+            <a:endParaRPr lang="en-US"/>
           </a:p>
         </p:txBody>
       </p:sp>
@@ -12612,35 +12638,35 @@
           <a:p>
             <a:pPr lvl="0"/>
             <a:r>
-              <a:rPr lang="en-US" altLang="de-DE" dirty="0"/>
+              <a:rPr lang="en-US" altLang="de-DE"/>
               <a:t>Click to add text</a:t>
             </a:r>
           </a:p>
           <a:p>
             <a:pPr lvl="1"/>
             <a:r>
-              <a:rPr lang="en-US" altLang="de-DE" dirty="0"/>
+              <a:rPr lang="en-US" altLang="de-DE"/>
               <a:t>Second level</a:t>
             </a:r>
           </a:p>
           <a:p>
             <a:pPr lvl="2"/>
             <a:r>
-              <a:rPr lang="en-US" altLang="de-DE" dirty="0"/>
+              <a:rPr lang="en-US" altLang="de-DE"/>
               <a:t>Third level</a:t>
             </a:r>
           </a:p>
           <a:p>
             <a:pPr lvl="3"/>
             <a:r>
-              <a:rPr lang="en-US" altLang="de-DE" dirty="0"/>
+              <a:rPr lang="en-US" altLang="de-DE"/>
               <a:t>Fourth level</a:t>
             </a:r>
           </a:p>
           <a:p>
             <a:pPr lvl="4"/>
             <a:r>
-              <a:rPr lang="en-US" altLang="de-DE" dirty="0"/>
+              <a:rPr lang="en-US" altLang="de-DE"/>
               <a:t>Fifth level</a:t>
             </a:r>
           </a:p>
@@ -12671,7 +12697,7 @@
           <a:p>
             <a:fld id="{5B47A60A-81C1-450A-8258-62C9DE38B110}" type="datetime4">
               <a:rPr lang="en-US" smtClean="0"/>
-              <a:t>October 30, 2021</a:t>
+              <a:t>December 1, 2021</a:t>
             </a:fld>
             <a:endParaRPr lang="de-DE"/>
           </a:p>
@@ -12799,7 +12825,7 @@
           <a:p>
             <a:pPr lvl="0"/>
             <a:r>
-              <a:rPr lang="en-US" altLang="de-DE" dirty="0"/>
+              <a:rPr lang="en-US" altLang="de-DE"/>
               <a:t>Click to add subline</a:t>
             </a:r>
           </a:p>
@@ -12843,35 +12869,35 @@
           <a:p>
             <a:pPr lvl="0"/>
             <a:r>
-              <a:rPr lang="en-US" altLang="de-DE" dirty="0"/>
+              <a:rPr lang="en-US" altLang="de-DE"/>
               <a:t>Click to add text</a:t>
             </a:r>
           </a:p>
           <a:p>
             <a:pPr lvl="1"/>
             <a:r>
-              <a:rPr lang="en-US" altLang="de-DE" dirty="0"/>
+              <a:rPr lang="en-US" altLang="de-DE"/>
               <a:t>Second level</a:t>
             </a:r>
           </a:p>
           <a:p>
             <a:pPr lvl="2"/>
             <a:r>
-              <a:rPr lang="en-US" altLang="de-DE" dirty="0"/>
+              <a:rPr lang="en-US" altLang="de-DE"/>
               <a:t>Third level</a:t>
             </a:r>
           </a:p>
           <a:p>
             <a:pPr lvl="3"/>
             <a:r>
-              <a:rPr lang="en-US" altLang="de-DE" dirty="0"/>
+              <a:rPr lang="en-US" altLang="de-DE"/>
               <a:t>Fourth level</a:t>
             </a:r>
           </a:p>
           <a:p>
             <a:pPr lvl="4"/>
             <a:r>
-              <a:rPr lang="en-US" altLang="de-DE" dirty="0"/>
+              <a:rPr lang="en-US" altLang="de-DE"/>
               <a:t>Fifth level</a:t>
             </a:r>
           </a:p>
@@ -12938,7 +12964,7 @@
           <a:p>
             <a:pPr lvl="0"/>
             <a:r>
-              <a:rPr lang="en-US" altLang="de-DE" dirty="0"/>
+              <a:rPr lang="en-US" altLang="de-DE"/>
               <a:t>Click to add subline</a:t>
             </a:r>
           </a:p>
@@ -12982,35 +13008,35 @@
           <a:p>
             <a:pPr lvl="0"/>
             <a:r>
-              <a:rPr lang="en-US" altLang="de-DE" dirty="0"/>
+              <a:rPr lang="en-US" altLang="de-DE"/>
               <a:t>Click to add text</a:t>
             </a:r>
           </a:p>
           <a:p>
             <a:pPr lvl="1"/>
             <a:r>
-              <a:rPr lang="en-US" altLang="de-DE" dirty="0"/>
+              <a:rPr lang="en-US" altLang="de-DE"/>
               <a:t>Second level</a:t>
             </a:r>
           </a:p>
           <a:p>
             <a:pPr lvl="2"/>
             <a:r>
-              <a:rPr lang="en-US" altLang="de-DE" dirty="0"/>
+              <a:rPr lang="en-US" altLang="de-DE"/>
               <a:t>Third level</a:t>
             </a:r>
           </a:p>
           <a:p>
             <a:pPr lvl="3"/>
             <a:r>
-              <a:rPr lang="en-US" altLang="de-DE" dirty="0"/>
+              <a:rPr lang="en-US" altLang="de-DE"/>
               <a:t>Fourth level</a:t>
             </a:r>
           </a:p>
           <a:p>
             <a:pPr lvl="4"/>
             <a:r>
-              <a:rPr lang="en-US" altLang="de-DE" dirty="0"/>
+              <a:rPr lang="en-US" altLang="de-DE"/>
               <a:t>Fifth level</a:t>
             </a:r>
           </a:p>
@@ -13041,7 +13067,7 @@
           <a:p>
             <a:fld id="{4335A851-D77C-41AE-86D7-230684EEBDD1}" type="datetime4">
               <a:rPr lang="en-US" smtClean="0"/>
-              <a:t>October 30, 2021</a:t>
+              <a:t>December 1, 2021</a:t>
             </a:fld>
             <a:endParaRPr lang="de-DE"/>
           </a:p>
@@ -13114,10 +13140,10 @@
           </a:lstStyle>
           <a:p>
             <a:r>
-              <a:rPr lang="en-US" altLang="de-DE" dirty="0"/>
+              <a:rPr lang="en-US" altLang="de-DE"/>
               <a:t>Click to add title</a:t>
             </a:r>
-            <a:endParaRPr lang="en-US" dirty="0"/>
+            <a:endParaRPr lang="en-US"/>
           </a:p>
         </p:txBody>
       </p:sp>
@@ -13259,7 +13285,7 @@
           <a:p>
             <a:pPr lvl="0"/>
             <a:r>
-              <a:rPr lang="en-US" altLang="de-DE" dirty="0"/>
+              <a:rPr lang="en-US" altLang="de-DE"/>
               <a:t>Click to add subline</a:t>
             </a:r>
           </a:p>
@@ -13303,35 +13329,35 @@
           <a:p>
             <a:pPr lvl="0"/>
             <a:r>
-              <a:rPr lang="en-US" altLang="de-DE" dirty="0"/>
+              <a:rPr lang="en-US" altLang="de-DE"/>
               <a:t>Click to add text</a:t>
             </a:r>
           </a:p>
           <a:p>
             <a:pPr lvl="1"/>
             <a:r>
-              <a:rPr lang="en-US" altLang="de-DE" dirty="0"/>
+              <a:rPr lang="en-US" altLang="de-DE"/>
               <a:t>Second level</a:t>
             </a:r>
           </a:p>
           <a:p>
             <a:pPr lvl="2"/>
             <a:r>
-              <a:rPr lang="en-US" altLang="de-DE" dirty="0"/>
+              <a:rPr lang="en-US" altLang="de-DE"/>
               <a:t>Third level</a:t>
             </a:r>
           </a:p>
           <a:p>
             <a:pPr lvl="3"/>
             <a:r>
-              <a:rPr lang="en-US" altLang="de-DE" dirty="0"/>
+              <a:rPr lang="en-US" altLang="de-DE"/>
               <a:t>Fourth level</a:t>
             </a:r>
           </a:p>
           <a:p>
             <a:pPr lvl="4"/>
             <a:r>
-              <a:rPr lang="en-US" altLang="de-DE" dirty="0"/>
+              <a:rPr lang="en-US" altLang="de-DE"/>
               <a:t>Fifth level</a:t>
             </a:r>
           </a:p>
@@ -13398,7 +13424,7 @@
           <a:p>
             <a:pPr lvl="0"/>
             <a:r>
-              <a:rPr lang="en-US" altLang="de-DE" dirty="0"/>
+              <a:rPr lang="en-US" altLang="de-DE"/>
               <a:t>Click to add subline</a:t>
             </a:r>
           </a:p>
@@ -13429,7 +13455,7 @@
           <a:p>
             <a:fld id="{12D4E77B-683C-46D8-9FBD-45D28C443896}" type="datetime4">
               <a:rPr lang="en-US" smtClean="0"/>
-              <a:t>October 30, 2021</a:t>
+              <a:t>December 1, 2021</a:t>
             </a:fld>
             <a:endParaRPr lang="de-DE"/>
           </a:p>
@@ -13502,7 +13528,7 @@
           </a:lstStyle>
           <a:p>
             <a:r>
-              <a:rPr lang="en-US" altLang="de-DE" dirty="0"/>
+              <a:rPr lang="en-US" altLang="de-DE"/>
               <a:t>Click to add title</a:t>
             </a:r>
           </a:p>
@@ -13563,7 +13589,7 @@
           <a:p>
             <a:fld id="{648B8F8E-2E80-4FE8-B44D-BD31B836C218}" type="datetime4">
               <a:rPr lang="en-US" smtClean="0"/>
-              <a:t>October 30, 2021</a:t>
+              <a:t>December 1, 2021</a:t>
             </a:fld>
             <a:endParaRPr lang="de-DE"/>
           </a:p>
@@ -13636,10 +13662,10 @@
           </a:lstStyle>
           <a:p>
             <a:r>
-              <a:rPr lang="en-US" altLang="de-DE" dirty="0"/>
+              <a:rPr lang="en-US" altLang="de-DE"/>
               <a:t>Click to add title</a:t>
             </a:r>
-            <a:endParaRPr lang="en-US" dirty="0"/>
+            <a:endParaRPr lang="en-US"/>
           </a:p>
         </p:txBody>
       </p:sp>
@@ -13772,7 +13798,7 @@
           <a:p>
             <a:fld id="{6AE96706-7997-401A-B3C6-DD0629218309}" type="datetime4">
               <a:rPr lang="en-US" smtClean="0"/>
-              <a:t>October 30, 2021</a:t>
+              <a:t>December 1, 2021</a:t>
             </a:fld>
             <a:endParaRPr lang="de-DE"/>
           </a:p>
@@ -13845,10 +13871,10 @@
           </a:lstStyle>
           <a:p>
             <a:r>
-              <a:rPr lang="en-US" altLang="de-DE" dirty="0"/>
+              <a:rPr lang="en-US" altLang="de-DE"/>
               <a:t>Click to add title</a:t>
             </a:r>
-            <a:endParaRPr lang="en-US" dirty="0"/>
+            <a:endParaRPr lang="en-US"/>
           </a:p>
         </p:txBody>
       </p:sp>
@@ -13913,10 +13939,10 @@
           <a:lstStyle/>
           <a:p>
             <a:r>
-              <a:rPr lang="en-US" altLang="de-DE" dirty="0"/>
+              <a:rPr lang="en-US" altLang="de-DE"/>
               <a:t>Click to add title</a:t>
             </a:r>
-            <a:endParaRPr lang="en-US" dirty="0"/>
+            <a:endParaRPr lang="en-US"/>
           </a:p>
         </p:txBody>
       </p:sp>
@@ -13947,36 +13973,36 @@
           <a:p>
             <a:pPr lvl="0"/>
             <a:r>
-              <a:rPr lang="de-DE" altLang="de-DE" dirty="0"/>
+              <a:rPr lang="de-DE" altLang="de-DE"/>
               <a:t>Karlsruher Institute </a:t>
             </a:r>
             <a:r>
-              <a:rPr lang="de-DE" altLang="de-DE" dirty="0" err="1"/>
+              <a:rPr lang="de-DE" altLang="de-DE" err="1"/>
               <a:t>for</a:t>
             </a:r>
             <a:r>
-              <a:rPr lang="de-DE" altLang="de-DE" dirty="0"/>
+              <a:rPr lang="de-DE" altLang="de-DE"/>
               <a:t> Technology (KIT).</a:t>
             </a:r>
           </a:p>
           <a:p>
             <a:pPr lvl="1"/>
             <a:r>
-              <a:rPr lang="en-US" altLang="de-DE" dirty="0"/>
+              <a:rPr lang="en-US" altLang="de-DE"/>
               <a:t>Second level</a:t>
             </a:r>
           </a:p>
           <a:p>
             <a:pPr lvl="2"/>
             <a:r>
-              <a:rPr lang="en-US" altLang="de-DE" dirty="0"/>
+              <a:rPr lang="en-US" altLang="de-DE"/>
               <a:t>Third level</a:t>
             </a:r>
           </a:p>
           <a:p>
             <a:pPr lvl="3"/>
             <a:r>
-              <a:rPr lang="en-US" altLang="de-DE" dirty="0"/>
+              <a:rPr lang="en-US" altLang="de-DE"/>
               <a:t>Fourth level           </a:t>
             </a:r>
           </a:p>
@@ -14086,7 +14112,7 @@
           <a:p>
             <a:fld id="{B594C81A-DFE5-4252-ACE3-7B558C600C33}" type="datetime4">
               <a:rPr lang="en-US" smtClean="0"/>
-              <a:t>October 30, 2021</a:t>
+              <a:t>December 1, 2021</a:t>
             </a:fld>
             <a:endParaRPr lang="en-US"/>
           </a:p>
@@ -14796,10 +14822,10 @@
           <a:lstStyle/>
           <a:p>
             <a:r>
-              <a:rPr lang="en-US" altLang="de-DE" dirty="0"/>
+              <a:rPr lang="en-US" altLang="de-DE"/>
               <a:t>Click to add title</a:t>
             </a:r>
-            <a:endParaRPr lang="en-US" dirty="0"/>
+            <a:endParaRPr lang="en-US"/>
           </a:p>
         </p:txBody>
       </p:sp>
@@ -14830,36 +14856,36 @@
           <a:p>
             <a:pPr lvl="0"/>
             <a:r>
-              <a:rPr lang="de-DE" altLang="de-DE" dirty="0"/>
+              <a:rPr lang="de-DE" altLang="de-DE"/>
               <a:t>Karlsruher Institute </a:t>
             </a:r>
             <a:r>
-              <a:rPr lang="de-DE" altLang="de-DE" dirty="0" err="1"/>
+              <a:rPr lang="de-DE" altLang="de-DE" err="1"/>
               <a:t>for</a:t>
             </a:r>
             <a:r>
-              <a:rPr lang="de-DE" altLang="de-DE" dirty="0"/>
+              <a:rPr lang="de-DE" altLang="de-DE"/>
               <a:t> Technology (KIT).</a:t>
             </a:r>
           </a:p>
           <a:p>
             <a:pPr lvl="1"/>
             <a:r>
-              <a:rPr lang="en-US" altLang="de-DE" dirty="0"/>
+              <a:rPr lang="en-US" altLang="de-DE"/>
               <a:t>Second level</a:t>
             </a:r>
           </a:p>
           <a:p>
             <a:pPr lvl="2"/>
             <a:r>
-              <a:rPr lang="en-US" altLang="de-DE" dirty="0"/>
+              <a:rPr lang="en-US" altLang="de-DE"/>
               <a:t>Third level</a:t>
             </a:r>
           </a:p>
           <a:p>
             <a:pPr lvl="3"/>
             <a:r>
-              <a:rPr lang="en-US" altLang="de-DE" dirty="0"/>
+              <a:rPr lang="en-US" altLang="de-DE"/>
               <a:t>Fourth level           </a:t>
             </a:r>
           </a:p>
@@ -14969,7 +14995,7 @@
           <a:p>
             <a:fld id="{702C4C1C-1ED3-4954-B0E9-D63D775CC421}" type="datetime4">
               <a:rPr lang="en-US" smtClean="0"/>
-              <a:t>October 30, 2021</a:t>
+              <a:t>December 1, 2021</a:t>
             </a:fld>
             <a:endParaRPr lang="en-US"/>
           </a:p>
@@ -15671,10 +15697,10 @@
           <a:lstStyle/>
           <a:p>
             <a:r>
-              <a:rPr lang="en-US" altLang="de-DE" dirty="0"/>
+              <a:rPr lang="en-US" altLang="de-DE"/>
               <a:t>Click to add title</a:t>
             </a:r>
-            <a:endParaRPr lang="en-US" dirty="0"/>
+            <a:endParaRPr lang="en-US"/>
           </a:p>
         </p:txBody>
       </p:sp>
@@ -15705,36 +15731,36 @@
           <a:p>
             <a:pPr lvl="0"/>
             <a:r>
-              <a:rPr lang="de-DE" altLang="de-DE" dirty="0"/>
+              <a:rPr lang="de-DE" altLang="de-DE"/>
               <a:t>Karlsruher Institute </a:t>
             </a:r>
             <a:r>
-              <a:rPr lang="de-DE" altLang="de-DE" dirty="0" err="1"/>
+              <a:rPr lang="de-DE" altLang="de-DE" err="1"/>
               <a:t>for</a:t>
             </a:r>
             <a:r>
-              <a:rPr lang="de-DE" altLang="de-DE" dirty="0"/>
+              <a:rPr lang="de-DE" altLang="de-DE"/>
               <a:t> Technology (KIT).</a:t>
             </a:r>
           </a:p>
           <a:p>
             <a:pPr lvl="1"/>
             <a:r>
-              <a:rPr lang="en-US" altLang="de-DE" dirty="0"/>
+              <a:rPr lang="en-US" altLang="de-DE"/>
               <a:t>Second level</a:t>
             </a:r>
           </a:p>
           <a:p>
             <a:pPr lvl="2"/>
             <a:r>
-              <a:rPr lang="en-US" altLang="de-DE" dirty="0"/>
+              <a:rPr lang="en-US" altLang="de-DE"/>
               <a:t>Third level</a:t>
             </a:r>
           </a:p>
           <a:p>
             <a:pPr lvl="3"/>
             <a:r>
-              <a:rPr lang="en-US" altLang="de-DE" dirty="0"/>
+              <a:rPr lang="en-US" altLang="de-DE"/>
               <a:t>Fourth level           </a:t>
             </a:r>
           </a:p>
@@ -15844,7 +15870,7 @@
           <a:p>
             <a:fld id="{56BE16BE-510F-4DC1-B9F9-23B25996BEBF}" type="datetime4">
               <a:rPr lang="en-US" smtClean="0"/>
-              <a:t>October 30, 2021</a:t>
+              <a:t>December 1, 2021</a:t>
             </a:fld>
             <a:endParaRPr lang="en-US"/>
           </a:p>
@@ -16538,7 +16564,7 @@
           <a:p>
             <a:fld id="{D081D90B-27A7-49E8-9856-FB81265ECD30}" type="datetime4">
               <a:rPr lang="en-US" noProof="0" smtClean="0"/>
-              <a:t>October 30, 2021</a:t>
+              <a:t>December 1, 2021</a:t>
             </a:fld>
             <a:endParaRPr lang="en-US" noProof="0"/>
           </a:p>
@@ -16596,7 +16622,7 @@
           <a:p>
             <a:r>
               <a:rPr lang="en-US"/>
-              <a:t>Model-Agnostic Meta-Learning</a:t>
+              <a:t>Bayesian Meta-Learning</a:t>
             </a:r>
             <a:endParaRPr lang="de-DE"/>
           </a:p>
@@ -16606,6 +16632,1968 @@
     <p:extLst>
       <p:ext uri="{BB962C8B-B14F-4D97-AF65-F5344CB8AC3E}">
         <p14:creationId xmlns:p14="http://schemas.microsoft.com/office/powerpoint/2010/main" val="67989011"/>
+      </p:ext>
+    </p:extLst>
+  </p:cSld>
+  <p:clrMapOvr>
+    <a:masterClrMapping/>
+  </p:clrMapOvr>
+</p:sld>
+</file>
+
+<file path=ppt/slides/slide10.xml><?xml version="1.0" encoding="utf-8"?>
+<p:sld xmlns:a="http://schemas.openxmlformats.org/drawingml/2006/main" xmlns:r="http://schemas.openxmlformats.org/officeDocument/2006/relationships" xmlns:p="http://schemas.openxmlformats.org/presentationml/2006/main" show="0">
+  <p:cSld>
+    <p:spTree>
+      <p:nvGrpSpPr>
+        <p:cNvPr id="1" name=""/>
+        <p:cNvGrpSpPr/>
+        <p:nvPr/>
+      </p:nvGrpSpPr>
+      <p:grpSpPr>
+        <a:xfrm>
+          <a:off x="0" y="0"/>
+          <a:ext cx="0" cy="0"/>
+          <a:chOff x="0" y="0"/>
+          <a:chExt cx="0" cy="0"/>
+        </a:xfrm>
+      </p:grpSpPr>
+      <p:pic>
+        <p:nvPicPr>
+          <p:cNvPr id="7" name="Inhaltsplatzhalter 6">
+            <a:extLst>
+              <a:ext uri="{FF2B5EF4-FFF2-40B4-BE49-F238E27FC236}">
+                <a16:creationId xmlns:a16="http://schemas.microsoft.com/office/drawing/2014/main" id="{6C6DEAD3-D272-4825-A266-09CA4CAACC56}"/>
+              </a:ext>
+            </a:extLst>
+          </p:cNvPr>
+          <p:cNvPicPr>
+            <a:picLocks noGrp="1" noChangeAspect="1"/>
+          </p:cNvPicPr>
+          <p:nvPr>
+            <p:ph idx="1"/>
+          </p:nvPr>
+        </p:nvPicPr>
+        <p:blipFill rotWithShape="1">
+          <a:blip r:embed="rId2">
+            <a:extLst>
+              <a:ext uri="{28A0092B-C50C-407E-A947-70E740481C1C}">
+                <a14:useLocalDpi xmlns:a14="http://schemas.microsoft.com/office/drawing/2010/main" val="0"/>
+              </a:ext>
+            </a:extLst>
+          </a:blip>
+          <a:srcRect r="30113"/>
+          <a:stretch/>
+        </p:blipFill>
+        <p:spPr>
+          <a:xfrm>
+            <a:off x="2256451" y="1137116"/>
+            <a:ext cx="7679095" cy="4583767"/>
+          </a:xfrm>
+        </p:spPr>
+      </p:pic>
+      <p:sp>
+        <p:nvSpPr>
+          <p:cNvPr id="3" name="Datumsplatzhalter 2">
+            <a:extLst>
+              <a:ext uri="{FF2B5EF4-FFF2-40B4-BE49-F238E27FC236}">
+                <a16:creationId xmlns:a16="http://schemas.microsoft.com/office/drawing/2014/main" id="{A2922E38-A1D9-490F-B00C-33F4884E29E1}"/>
+              </a:ext>
+            </a:extLst>
+          </p:cNvPr>
+          <p:cNvSpPr>
+            <a:spLocks noGrp="1"/>
+          </p:cNvSpPr>
+          <p:nvPr>
+            <p:ph type="dt" sz="half" idx="10"/>
+          </p:nvPr>
+        </p:nvSpPr>
+        <p:spPr/>
+        <p:txBody>
+          <a:bodyPr/>
+          <a:lstStyle/>
+          <a:p>
+            <a:fld id="{972A1FD8-603F-438E-AC40-DD7043440C8D}" type="datetime4">
+              <a:rPr lang="en-US" noProof="0" smtClean="0"/>
+              <a:t>December 1, 2021</a:t>
+            </a:fld>
+            <a:endParaRPr lang="en-US" noProof="0"/>
+          </a:p>
+        </p:txBody>
+      </p:sp>
+      <p:sp>
+        <p:nvSpPr>
+          <p:cNvPr id="4" name="Foliennummernplatzhalter 3">
+            <a:extLst>
+              <a:ext uri="{FF2B5EF4-FFF2-40B4-BE49-F238E27FC236}">
+                <a16:creationId xmlns:a16="http://schemas.microsoft.com/office/drawing/2014/main" id="{FF5CB1FF-8297-4428-BDD5-6D068D43CDC1}"/>
+              </a:ext>
+            </a:extLst>
+          </p:cNvPr>
+          <p:cNvSpPr>
+            <a:spLocks noGrp="1"/>
+          </p:cNvSpPr>
+          <p:nvPr>
+            <p:ph type="sldNum" sz="quarter" idx="12"/>
+          </p:nvPr>
+        </p:nvSpPr>
+        <p:spPr/>
+        <p:txBody>
+          <a:bodyPr/>
+          <a:lstStyle/>
+          <a:p>
+            <a:fld id="{61696EC4-B4CF-4701-AD06-A8439D6D8E12}" type="slidenum">
+              <a:rPr lang="en-US" noProof="0" smtClean="0"/>
+              <a:t>10</a:t>
+            </a:fld>
+            <a:endParaRPr lang="en-US" noProof="0"/>
+          </a:p>
+        </p:txBody>
+      </p:sp>
+      <p:sp>
+        <p:nvSpPr>
+          <p:cNvPr id="12" name="Inhaltsplatzhalter 1">
+            <a:extLst>
+              <a:ext uri="{FF2B5EF4-FFF2-40B4-BE49-F238E27FC236}">
+                <a16:creationId xmlns:a16="http://schemas.microsoft.com/office/drawing/2014/main" id="{77F34428-1A7F-429A-B2C8-0201CBE36A8E}"/>
+              </a:ext>
+            </a:extLst>
+          </p:cNvPr>
+          <p:cNvSpPr txBox="1">
+            <a:spLocks/>
+          </p:cNvSpPr>
+          <p:nvPr/>
+        </p:nvSpPr>
+        <p:spPr>
+          <a:xfrm>
+            <a:off x="533399" y="5801622"/>
+            <a:ext cx="11125200" cy="528189"/>
+          </a:xfrm>
+          <a:prstGeom prst="rect">
+            <a:avLst/>
+          </a:prstGeom>
+        </p:spPr>
+        <p:txBody>
+          <a:bodyPr vert="horz" lIns="0" tIns="0" rIns="0" bIns="0" rtlCol="0" anchor="t">
+            <a:normAutofit/>
+          </a:bodyPr>
+          <a:lstStyle>
+            <a:lvl1pPr marL="271448" indent="-271448" algn="l" defTabSz="914347" rtl="0" eaLnBrk="1" latinLnBrk="0" hangingPunct="1">
+              <a:lnSpc>
+                <a:spcPct val="90000"/>
+              </a:lnSpc>
+              <a:spcBef>
+                <a:spcPts val="480"/>
+              </a:spcBef>
+              <a:buSzPct val="88000"/>
+              <a:buFontTx/>
+              <a:buBlip>
+                <a:blip r:embed="rId3"/>
+              </a:buBlip>
+              <a:defRPr sz="2600" kern="1200">
+                <a:solidFill>
+                  <a:schemeClr val="tx1"/>
+                </a:solidFill>
+                <a:latin typeface="+mn-lt"/>
+                <a:ea typeface="+mn-ea"/>
+                <a:cs typeface="+mn-cs"/>
+              </a:defRPr>
+            </a:lvl1pPr>
+            <a:lvl2pPr marL="627027" indent="-271448" algn="l" defTabSz="914347" rtl="0" eaLnBrk="1" latinLnBrk="0" hangingPunct="1">
+              <a:lnSpc>
+                <a:spcPct val="90000"/>
+              </a:lnSpc>
+              <a:spcBef>
+                <a:spcPts val="480"/>
+              </a:spcBef>
+              <a:buSzPct val="88000"/>
+              <a:buFontTx/>
+              <a:buBlip>
+                <a:blip r:embed="rId3"/>
+              </a:buBlip>
+              <a:defRPr sz="2399" kern="1200">
+                <a:solidFill>
+                  <a:schemeClr val="tx1"/>
+                </a:solidFill>
+                <a:latin typeface="+mn-lt"/>
+                <a:ea typeface="+mn-ea"/>
+                <a:cs typeface="+mn-cs"/>
+              </a:defRPr>
+            </a:lvl2pPr>
+            <a:lvl3pPr marL="982606" indent="-265098" algn="l" defTabSz="898472" rtl="0" eaLnBrk="1" latinLnBrk="0" hangingPunct="1">
+              <a:lnSpc>
+                <a:spcPct val="90000"/>
+              </a:lnSpc>
+              <a:spcBef>
+                <a:spcPts val="480"/>
+              </a:spcBef>
+              <a:buSzPct val="88000"/>
+              <a:buFontTx/>
+              <a:buBlip>
+                <a:blip r:embed="rId3"/>
+              </a:buBlip>
+              <a:defRPr sz="2100" kern="1200">
+                <a:solidFill>
+                  <a:schemeClr val="tx1"/>
+                </a:solidFill>
+                <a:latin typeface="+mn-lt"/>
+                <a:ea typeface="+mn-ea"/>
+                <a:cs typeface="+mn-cs"/>
+              </a:defRPr>
+            </a:lvl3pPr>
+            <a:lvl4pPr marL="1344535" indent="-271448" algn="l" defTabSz="914347" rtl="0" eaLnBrk="1" latinLnBrk="0" hangingPunct="1">
+              <a:lnSpc>
+                <a:spcPct val="90000"/>
+              </a:lnSpc>
+              <a:spcBef>
+                <a:spcPts val="480"/>
+              </a:spcBef>
+              <a:buSzPct val="88000"/>
+              <a:buFontTx/>
+              <a:buBlip>
+                <a:blip r:embed="rId3"/>
+              </a:buBlip>
+              <a:defRPr sz="2100" kern="1200">
+                <a:solidFill>
+                  <a:schemeClr val="tx1"/>
+                </a:solidFill>
+                <a:latin typeface="+mn-lt"/>
+                <a:ea typeface="+mn-ea"/>
+                <a:cs typeface="+mn-cs"/>
+              </a:defRPr>
+            </a:lvl4pPr>
+            <a:lvl5pPr marL="1700114" indent="-265098" algn="l" defTabSz="914347" rtl="0" eaLnBrk="1" latinLnBrk="0" hangingPunct="1">
+              <a:lnSpc>
+                <a:spcPct val="90000"/>
+              </a:lnSpc>
+              <a:spcBef>
+                <a:spcPts val="480"/>
+              </a:spcBef>
+              <a:buSzPct val="88000"/>
+              <a:buFontTx/>
+              <a:buBlip>
+                <a:blip r:embed="rId3"/>
+              </a:buBlip>
+              <a:defRPr sz="2100" kern="1200">
+                <a:solidFill>
+                  <a:schemeClr val="tx1"/>
+                </a:solidFill>
+                <a:latin typeface="+mn-lt"/>
+                <a:ea typeface="+mn-ea"/>
+                <a:cs typeface="+mn-cs"/>
+              </a:defRPr>
+            </a:lvl5pPr>
+            <a:lvl6pPr marL="2514453" indent="-228587" algn="l" defTabSz="914347" rtl="0" eaLnBrk="1" latinLnBrk="0" hangingPunct="1">
+              <a:lnSpc>
+                <a:spcPct val="90000"/>
+              </a:lnSpc>
+              <a:spcBef>
+                <a:spcPts val="500"/>
+              </a:spcBef>
+              <a:buFont typeface="Arial" panose="020B0604020202020204" pitchFamily="34" charset="0"/>
+              <a:buChar char="•"/>
+              <a:defRPr sz="1799" kern="1200">
+                <a:solidFill>
+                  <a:schemeClr val="tx1"/>
+                </a:solidFill>
+                <a:latin typeface="+mn-lt"/>
+                <a:ea typeface="+mn-ea"/>
+                <a:cs typeface="+mn-cs"/>
+              </a:defRPr>
+            </a:lvl6pPr>
+            <a:lvl7pPr marL="2971626" indent="-228587" algn="l" defTabSz="914347" rtl="0" eaLnBrk="1" latinLnBrk="0" hangingPunct="1">
+              <a:lnSpc>
+                <a:spcPct val="90000"/>
+              </a:lnSpc>
+              <a:spcBef>
+                <a:spcPts val="500"/>
+              </a:spcBef>
+              <a:buFont typeface="Arial" panose="020B0604020202020204" pitchFamily="34" charset="0"/>
+              <a:buChar char="•"/>
+              <a:defRPr sz="1799" kern="1200">
+                <a:solidFill>
+                  <a:schemeClr val="tx1"/>
+                </a:solidFill>
+                <a:latin typeface="+mn-lt"/>
+                <a:ea typeface="+mn-ea"/>
+                <a:cs typeface="+mn-cs"/>
+              </a:defRPr>
+            </a:lvl7pPr>
+            <a:lvl8pPr marL="3428800" indent="-228587" algn="l" defTabSz="914347" rtl="0" eaLnBrk="1" latinLnBrk="0" hangingPunct="1">
+              <a:lnSpc>
+                <a:spcPct val="90000"/>
+              </a:lnSpc>
+              <a:spcBef>
+                <a:spcPts val="500"/>
+              </a:spcBef>
+              <a:buFont typeface="Arial" panose="020B0604020202020204" pitchFamily="34" charset="0"/>
+              <a:buChar char="•"/>
+              <a:defRPr sz="1799" kern="1200">
+                <a:solidFill>
+                  <a:schemeClr val="tx1"/>
+                </a:solidFill>
+                <a:latin typeface="+mn-lt"/>
+                <a:ea typeface="+mn-ea"/>
+                <a:cs typeface="+mn-cs"/>
+              </a:defRPr>
+            </a:lvl8pPr>
+            <a:lvl9pPr marL="3885973" indent="-228587" algn="l" defTabSz="914347" rtl="0" eaLnBrk="1" latinLnBrk="0" hangingPunct="1">
+              <a:lnSpc>
+                <a:spcPct val="90000"/>
+              </a:lnSpc>
+              <a:spcBef>
+                <a:spcPts val="500"/>
+              </a:spcBef>
+              <a:buFont typeface="Arial" panose="020B0604020202020204" pitchFamily="34" charset="0"/>
+              <a:buChar char="•"/>
+              <a:defRPr sz="1799" kern="1200">
+                <a:solidFill>
+                  <a:schemeClr val="tx1"/>
+                </a:solidFill>
+                <a:latin typeface="+mn-lt"/>
+                <a:ea typeface="+mn-ea"/>
+                <a:cs typeface="+mn-cs"/>
+              </a:defRPr>
+            </a:lvl9pPr>
+          </a:lstStyle>
+          <a:p>
+            <a:pPr marL="271145" indent="-271145"/>
+            <a:r>
+              <a:rPr lang="de-DE" b="1">
+                <a:cs typeface="Arial"/>
+              </a:rPr>
+              <a:t>Less data </a:t>
+            </a:r>
+            <a:r>
+              <a:rPr lang="de-DE">
+                <a:cs typeface="Arial"/>
+              </a:rPr>
+              <a:t>leads to </a:t>
+            </a:r>
+            <a:r>
+              <a:rPr lang="de-DE" b="1">
+                <a:cs typeface="Arial"/>
+              </a:rPr>
+              <a:t>increased variance </a:t>
+            </a:r>
+          </a:p>
+        </p:txBody>
+      </p:sp>
+      <p:sp>
+        <p:nvSpPr>
+          <p:cNvPr id="13" name="Titel 4">
+            <a:extLst>
+              <a:ext uri="{FF2B5EF4-FFF2-40B4-BE49-F238E27FC236}">
+                <a16:creationId xmlns:a16="http://schemas.microsoft.com/office/drawing/2014/main" id="{4E398865-8422-4732-AC67-FE47085F5773}"/>
+              </a:ext>
+            </a:extLst>
+          </p:cNvPr>
+          <p:cNvSpPr>
+            <a:spLocks noGrp="1"/>
+          </p:cNvSpPr>
+          <p:nvPr>
+            <p:ph type="title"/>
+          </p:nvPr>
+        </p:nvSpPr>
+        <p:spPr>
+          <a:xfrm>
+            <a:off x="528000" y="394871"/>
+            <a:ext cx="9158904" cy="767748"/>
+          </a:xfrm>
+        </p:spPr>
+        <p:txBody>
+          <a:bodyPr/>
+          <a:lstStyle/>
+          <a:p>
+            <a:r>
+              <a:rPr lang="de-DE"/>
+              <a:t>Key Accomplishment</a:t>
+            </a:r>
+          </a:p>
+        </p:txBody>
+      </p:sp>
+    </p:spTree>
+    <p:extLst>
+      <p:ext uri="{BB962C8B-B14F-4D97-AF65-F5344CB8AC3E}">
+        <p14:creationId xmlns:p14="http://schemas.microsoft.com/office/powerpoint/2010/main" val="2756940038"/>
+      </p:ext>
+    </p:extLst>
+  </p:cSld>
+  <p:clrMapOvr>
+    <a:masterClrMapping/>
+  </p:clrMapOvr>
+</p:sld>
+</file>
+
+<file path=ppt/slides/slide11.xml><?xml version="1.0" encoding="utf-8"?>
+<p:sld xmlns:a="http://schemas.openxmlformats.org/drawingml/2006/main" xmlns:r="http://schemas.openxmlformats.org/officeDocument/2006/relationships" xmlns:p="http://schemas.openxmlformats.org/presentationml/2006/main" show="0">
+  <p:cSld>
+    <p:spTree>
+      <p:nvGrpSpPr>
+        <p:cNvPr id="1" name=""/>
+        <p:cNvGrpSpPr/>
+        <p:nvPr/>
+      </p:nvGrpSpPr>
+      <p:grpSpPr>
+        <a:xfrm>
+          <a:off x="0" y="0"/>
+          <a:ext cx="0" cy="0"/>
+          <a:chOff x="0" y="0"/>
+          <a:chExt cx="0" cy="0"/>
+        </a:xfrm>
+      </p:grpSpPr>
+      <p:sp>
+        <p:nvSpPr>
+          <p:cNvPr id="3" name="Date Placeholder 2">
+            <a:extLst>
+              <a:ext uri="{FF2B5EF4-FFF2-40B4-BE49-F238E27FC236}">
+                <a16:creationId xmlns:a16="http://schemas.microsoft.com/office/drawing/2014/main" id="{982E53D4-6E01-4EFC-B2BE-CD605540A81F}"/>
+              </a:ext>
+            </a:extLst>
+          </p:cNvPr>
+          <p:cNvSpPr>
+            <a:spLocks noGrp="1"/>
+          </p:cNvSpPr>
+          <p:nvPr>
+            <p:ph type="dt" sz="half" idx="10"/>
+          </p:nvPr>
+        </p:nvSpPr>
+        <p:spPr/>
+        <p:txBody>
+          <a:bodyPr/>
+          <a:lstStyle/>
+          <a:p>
+            <a:fld id="{972A1FD8-603F-438E-AC40-DD7043440C8D}" type="datetime4">
+              <a:rPr lang="en-US" noProof="0" smtClean="0"/>
+              <a:t>December 1, 2021</a:t>
+            </a:fld>
+            <a:endParaRPr lang="en-US" noProof="0"/>
+          </a:p>
+        </p:txBody>
+      </p:sp>
+      <p:sp>
+        <p:nvSpPr>
+          <p:cNvPr id="4" name="Slide Number Placeholder 3">
+            <a:extLst>
+              <a:ext uri="{FF2B5EF4-FFF2-40B4-BE49-F238E27FC236}">
+                <a16:creationId xmlns:a16="http://schemas.microsoft.com/office/drawing/2014/main" id="{EAF2E0D8-11F0-4328-A150-40C6F8B1C20D}"/>
+              </a:ext>
+            </a:extLst>
+          </p:cNvPr>
+          <p:cNvSpPr>
+            <a:spLocks noGrp="1"/>
+          </p:cNvSpPr>
+          <p:nvPr>
+            <p:ph type="sldNum" sz="quarter" idx="12"/>
+          </p:nvPr>
+        </p:nvSpPr>
+        <p:spPr/>
+        <p:txBody>
+          <a:bodyPr/>
+          <a:lstStyle/>
+          <a:p>
+            <a:fld id="{61696EC4-B4CF-4701-AD06-A8439D6D8E12}" type="slidenum">
+              <a:rPr lang="en-US" noProof="0" smtClean="0"/>
+              <a:t>11</a:t>
+            </a:fld>
+            <a:endParaRPr lang="en-US" noProof="0"/>
+          </a:p>
+        </p:txBody>
+      </p:sp>
+      <p:sp>
+        <p:nvSpPr>
+          <p:cNvPr id="5" name="Title 4">
+            <a:extLst>
+              <a:ext uri="{FF2B5EF4-FFF2-40B4-BE49-F238E27FC236}">
+                <a16:creationId xmlns:a16="http://schemas.microsoft.com/office/drawing/2014/main" id="{E36A697C-BD9E-4052-A660-884127F45C27}"/>
+              </a:ext>
+            </a:extLst>
+          </p:cNvPr>
+          <p:cNvSpPr>
+            <a:spLocks noGrp="1"/>
+          </p:cNvSpPr>
+          <p:nvPr>
+            <p:ph type="title"/>
+          </p:nvPr>
+        </p:nvSpPr>
+        <p:spPr/>
+        <p:txBody>
+          <a:bodyPr/>
+          <a:lstStyle/>
+          <a:p>
+            <a:r>
+              <a:rPr lang="en-US" sz="3150">
+                <a:cs typeface="Arial"/>
+              </a:rPr>
+              <a:t>Probabilistic MAML</a:t>
+            </a:r>
+            <a:endParaRPr lang="en-US"/>
+          </a:p>
+        </p:txBody>
+      </p:sp>
+      <p:pic>
+        <p:nvPicPr>
+          <p:cNvPr id="6" name="Picture 6">
+            <a:extLst>
+              <a:ext uri="{FF2B5EF4-FFF2-40B4-BE49-F238E27FC236}">
+                <a16:creationId xmlns:a16="http://schemas.microsoft.com/office/drawing/2014/main" id="{2A270C25-72E4-4437-A952-CF28BA89AF9E}"/>
+              </a:ext>
+            </a:extLst>
+          </p:cNvPr>
+          <p:cNvPicPr>
+            <a:picLocks noChangeAspect="1"/>
+          </p:cNvPicPr>
+          <p:nvPr/>
+        </p:nvPicPr>
+        <p:blipFill>
+          <a:blip r:embed="rId2"/>
+          <a:stretch>
+            <a:fillRect/>
+          </a:stretch>
+        </p:blipFill>
+        <p:spPr>
+          <a:xfrm>
+            <a:off x="723900" y="1911132"/>
+            <a:ext cx="6529387" cy="749734"/>
+          </a:xfrm>
+          <a:prstGeom prst="rect">
+            <a:avLst/>
+          </a:prstGeom>
+        </p:spPr>
+      </p:pic>
+      <p:sp>
+        <p:nvSpPr>
+          <p:cNvPr id="7" name="TextBox 6">
+            <a:extLst>
+              <a:ext uri="{FF2B5EF4-FFF2-40B4-BE49-F238E27FC236}">
+                <a16:creationId xmlns:a16="http://schemas.microsoft.com/office/drawing/2014/main" id="{FF12CF4C-48AA-4A8E-8460-3800553ED9AA}"/>
+              </a:ext>
+            </a:extLst>
+          </p:cNvPr>
+          <p:cNvSpPr txBox="1"/>
+          <p:nvPr/>
+        </p:nvSpPr>
+        <p:spPr>
+          <a:xfrm>
+            <a:off x="509587" y="1450180"/>
+            <a:ext cx="2743199" cy="461665"/>
+          </a:xfrm>
+          <a:prstGeom prst="rect">
+            <a:avLst/>
+          </a:prstGeom>
+          <a:noFill/>
+        </p:spPr>
+        <p:txBody>
+          <a:bodyPr rot="0" spcFirstLastPara="0" vertOverflow="overflow" horzOverflow="overflow" vert="horz" wrap="square" lIns="91440" tIns="45720" rIns="91440" bIns="45720" numCol="1" spcCol="0" rtlCol="0" fromWordArt="0" anchor="t" anchorCtr="0" forceAA="0" compatLnSpc="1">
+            <a:prstTxWarp prst="textNoShape">
+              <a:avLst/>
+            </a:prstTxWarp>
+            <a:spAutoFit/>
+          </a:bodyPr>
+          <a:lstStyle/>
+          <a:p>
+            <a:pPr algn="l"/>
+            <a:r>
+              <a:rPr lang="en-US"/>
+              <a:t>Goal:</a:t>
+            </a:r>
+            <a:endParaRPr lang="en-US">
+              <a:cs typeface="Arial"/>
+            </a:endParaRPr>
+          </a:p>
+        </p:txBody>
+      </p:sp>
+      <p:sp>
+        <p:nvSpPr>
+          <p:cNvPr id="8" name="TextBox 7">
+            <a:extLst>
+              <a:ext uri="{FF2B5EF4-FFF2-40B4-BE49-F238E27FC236}">
+                <a16:creationId xmlns:a16="http://schemas.microsoft.com/office/drawing/2014/main" id="{166D8687-5414-42D0-A963-DFD0C6CCE9B6}"/>
+              </a:ext>
+            </a:extLst>
+          </p:cNvPr>
+          <p:cNvSpPr txBox="1"/>
+          <p:nvPr/>
+        </p:nvSpPr>
+        <p:spPr>
+          <a:xfrm>
+            <a:off x="7522369" y="2045493"/>
+            <a:ext cx="4636292" cy="461665"/>
+          </a:xfrm>
+          <a:prstGeom prst="rect">
+            <a:avLst/>
+          </a:prstGeom>
+          <a:noFill/>
+        </p:spPr>
+        <p:txBody>
+          <a:bodyPr rot="0" spcFirstLastPara="0" vertOverflow="overflow" horzOverflow="overflow" vert="horz" wrap="square" lIns="91440" tIns="45720" rIns="91440" bIns="45720" numCol="1" spcCol="0" rtlCol="0" fromWordArt="0" anchor="t" anchorCtr="0" forceAA="0" compatLnSpc="1">
+            <a:prstTxWarp prst="textNoShape">
+              <a:avLst/>
+            </a:prstTxWarp>
+            <a:spAutoFit/>
+          </a:bodyPr>
+          <a:lstStyle/>
+          <a:p>
+            <a:r>
+              <a:rPr lang="en-US"/>
+              <a:t>-&gt; Impossible to compute!</a:t>
+            </a:r>
+          </a:p>
+        </p:txBody>
+      </p:sp>
+      <p:sp>
+        <p:nvSpPr>
+          <p:cNvPr id="9" name="TextBox 8">
+            <a:extLst>
+              <a:ext uri="{FF2B5EF4-FFF2-40B4-BE49-F238E27FC236}">
+                <a16:creationId xmlns:a16="http://schemas.microsoft.com/office/drawing/2014/main" id="{C0CA20EE-40D1-4401-90A3-F24F3904ED45}"/>
+              </a:ext>
+            </a:extLst>
+          </p:cNvPr>
+          <p:cNvSpPr txBox="1"/>
+          <p:nvPr/>
+        </p:nvSpPr>
+        <p:spPr>
+          <a:xfrm>
+            <a:off x="509587" y="3117055"/>
+            <a:ext cx="2743199" cy="461665"/>
+          </a:xfrm>
+          <a:prstGeom prst="rect">
+            <a:avLst/>
+          </a:prstGeom>
+          <a:noFill/>
+        </p:spPr>
+        <p:txBody>
+          <a:bodyPr rot="0" spcFirstLastPara="0" vertOverflow="overflow" horzOverflow="overflow" vert="horz" wrap="square" lIns="91440" tIns="45720" rIns="91440" bIns="45720" numCol="1" spcCol="0" rtlCol="0" fromWordArt="0" anchor="t" anchorCtr="0" forceAA="0" compatLnSpc="1">
+            <a:prstTxWarp prst="textNoShape">
+              <a:avLst/>
+            </a:prstTxWarp>
+            <a:spAutoFit/>
+          </a:bodyPr>
+          <a:lstStyle/>
+          <a:p>
+            <a:pPr algn="l"/>
+            <a:r>
+              <a:rPr lang="en-US"/>
+              <a:t>Approximate:</a:t>
+            </a:r>
+          </a:p>
+        </p:txBody>
+      </p:sp>
+      <p:pic>
+        <p:nvPicPr>
+          <p:cNvPr id="2" name="Picture 9">
+            <a:extLst>
+              <a:ext uri="{FF2B5EF4-FFF2-40B4-BE49-F238E27FC236}">
+                <a16:creationId xmlns:a16="http://schemas.microsoft.com/office/drawing/2014/main" id="{5E2FE1EB-2354-4A91-947F-3378CA72997F}"/>
+              </a:ext>
+            </a:extLst>
+          </p:cNvPr>
+          <p:cNvPicPr>
+            <a:picLocks noChangeAspect="1"/>
+          </p:cNvPicPr>
+          <p:nvPr/>
+        </p:nvPicPr>
+        <p:blipFill>
+          <a:blip r:embed="rId3"/>
+          <a:stretch>
+            <a:fillRect/>
+          </a:stretch>
+        </p:blipFill>
+        <p:spPr>
+          <a:xfrm>
+            <a:off x="723900" y="3702836"/>
+            <a:ext cx="3743325" cy="416733"/>
+          </a:xfrm>
+          <a:prstGeom prst="rect">
+            <a:avLst/>
+          </a:prstGeom>
+        </p:spPr>
+      </p:pic>
+      <p:sp>
+        <p:nvSpPr>
+          <p:cNvPr id="10" name="TextBox 9">
+            <a:extLst>
+              <a:ext uri="{FF2B5EF4-FFF2-40B4-BE49-F238E27FC236}">
+                <a16:creationId xmlns:a16="http://schemas.microsoft.com/office/drawing/2014/main" id="{B92638AF-6179-4F12-BA9D-F5E71E03C773}"/>
+              </a:ext>
+            </a:extLst>
+          </p:cNvPr>
+          <p:cNvSpPr txBox="1"/>
+          <p:nvPr/>
+        </p:nvSpPr>
+        <p:spPr>
+          <a:xfrm>
+            <a:off x="4855369" y="3676650"/>
+            <a:ext cx="4636292" cy="461665"/>
+          </a:xfrm>
+          <a:prstGeom prst="rect">
+            <a:avLst/>
+          </a:prstGeom>
+          <a:noFill/>
+        </p:spPr>
+        <p:txBody>
+          <a:bodyPr rot="0" spcFirstLastPara="0" vertOverflow="overflow" horzOverflow="overflow" vert="horz" wrap="square" lIns="91440" tIns="45720" rIns="91440" bIns="45720" numCol="1" spcCol="0" rtlCol="0" fromWordArt="0" anchor="t" anchorCtr="0" forceAA="0" compatLnSpc="1">
+            <a:prstTxWarp prst="textNoShape">
+              <a:avLst/>
+            </a:prstTxWarp>
+            <a:spAutoFit/>
+          </a:bodyPr>
+          <a:lstStyle/>
+          <a:p>
+            <a:r>
+              <a:rPr lang="en-US"/>
+              <a:t>-&gt; Gradient descent </a:t>
+            </a:r>
+          </a:p>
+        </p:txBody>
+      </p:sp>
+      <p:sp>
+        <p:nvSpPr>
+          <p:cNvPr id="11" name="TextBox 10">
+            <a:extLst>
+              <a:ext uri="{FF2B5EF4-FFF2-40B4-BE49-F238E27FC236}">
+                <a16:creationId xmlns:a16="http://schemas.microsoft.com/office/drawing/2014/main" id="{1A0F9CC3-AC48-4D6F-9B8B-234F05357F2C}"/>
+              </a:ext>
+            </a:extLst>
+          </p:cNvPr>
+          <p:cNvSpPr txBox="1"/>
+          <p:nvPr/>
+        </p:nvSpPr>
+        <p:spPr>
+          <a:xfrm>
+            <a:off x="509587" y="4581525"/>
+            <a:ext cx="4541043" cy="461665"/>
+          </a:xfrm>
+          <a:prstGeom prst="rect">
+            <a:avLst/>
+          </a:prstGeom>
+          <a:noFill/>
+        </p:spPr>
+        <p:txBody>
+          <a:bodyPr rot="0" spcFirstLastPara="0" vertOverflow="overflow" horzOverflow="overflow" vert="horz" wrap="square" lIns="91440" tIns="45720" rIns="91440" bIns="45720" numCol="1" spcCol="0" rtlCol="0" fromWordArt="0" anchor="t" anchorCtr="0" forceAA="0" compatLnSpc="1">
+            <a:prstTxWarp prst="textNoShape">
+              <a:avLst/>
+            </a:prstTxWarp>
+            <a:spAutoFit/>
+          </a:bodyPr>
+          <a:lstStyle/>
+          <a:p>
+            <a:r>
+              <a:rPr lang="en-US"/>
+              <a:t>Finding the prior:</a:t>
+            </a:r>
+          </a:p>
+        </p:txBody>
+      </p:sp>
+      <p:pic>
+        <p:nvPicPr>
+          <p:cNvPr id="12" name="Picture 12">
+            <a:extLst>
+              <a:ext uri="{FF2B5EF4-FFF2-40B4-BE49-F238E27FC236}">
+                <a16:creationId xmlns:a16="http://schemas.microsoft.com/office/drawing/2014/main" id="{B24A15A5-151B-4596-8FFC-CFE8AADB5E3E}"/>
+              </a:ext>
+            </a:extLst>
+          </p:cNvPr>
+          <p:cNvPicPr>
+            <a:picLocks noChangeAspect="1"/>
+          </p:cNvPicPr>
+          <p:nvPr/>
+        </p:nvPicPr>
+        <p:blipFill>
+          <a:blip r:embed="rId4"/>
+          <a:stretch>
+            <a:fillRect/>
+          </a:stretch>
+        </p:blipFill>
+        <p:spPr>
+          <a:xfrm>
+            <a:off x="723899" y="5141473"/>
+            <a:ext cx="6529387" cy="468396"/>
+          </a:xfrm>
+          <a:prstGeom prst="rect">
+            <a:avLst/>
+          </a:prstGeom>
+        </p:spPr>
+      </p:pic>
+    </p:spTree>
+    <p:extLst>
+      <p:ext uri="{BB962C8B-B14F-4D97-AF65-F5344CB8AC3E}">
+        <p14:creationId xmlns:p14="http://schemas.microsoft.com/office/powerpoint/2010/main" val="472147734"/>
+      </p:ext>
+    </p:extLst>
+  </p:cSld>
+  <p:clrMapOvr>
+    <a:masterClrMapping/>
+  </p:clrMapOvr>
+</p:sld>
+</file>
+
+<file path=ppt/slides/slide12.xml><?xml version="1.0" encoding="utf-8"?>
+<p:sld xmlns:a="http://schemas.openxmlformats.org/drawingml/2006/main" xmlns:r="http://schemas.openxmlformats.org/officeDocument/2006/relationships" xmlns:p="http://schemas.openxmlformats.org/presentationml/2006/main">
+  <p:cSld>
+    <p:spTree>
+      <p:nvGrpSpPr>
+        <p:cNvPr id="1" name=""/>
+        <p:cNvGrpSpPr/>
+        <p:nvPr/>
+      </p:nvGrpSpPr>
+      <p:grpSpPr>
+        <a:xfrm>
+          <a:off x="0" y="0"/>
+          <a:ext cx="0" cy="0"/>
+          <a:chOff x="0" y="0"/>
+          <a:chExt cx="0" cy="0"/>
+        </a:xfrm>
+      </p:grpSpPr>
+      <p:sp>
+        <p:nvSpPr>
+          <p:cNvPr id="2" name="Inhaltsplatzhalter 1">
+            <a:extLst>
+              <a:ext uri="{FF2B5EF4-FFF2-40B4-BE49-F238E27FC236}">
+                <a16:creationId xmlns:a16="http://schemas.microsoft.com/office/drawing/2014/main" id="{C5060FB0-C2C3-42D0-AB30-E8434DF68D7D}"/>
+              </a:ext>
+            </a:extLst>
+          </p:cNvPr>
+          <p:cNvSpPr>
+            <a:spLocks noGrp="1"/>
+          </p:cNvSpPr>
+          <p:nvPr>
+            <p:ph idx="1"/>
+          </p:nvPr>
+        </p:nvSpPr>
+        <p:spPr>
+          <a:xfrm>
+            <a:off x="533400" y="1583511"/>
+            <a:ext cx="11125200" cy="4564369"/>
+          </a:xfrm>
+        </p:spPr>
+        <p:txBody>
+          <a:bodyPr/>
+          <a:lstStyle/>
+          <a:p>
+            <a:r>
+              <a:rPr lang="de-DE"/>
+              <a:t>Initial idea is untractable </a:t>
+            </a:r>
+          </a:p>
+          <a:p>
+            <a:pPr marL="0" indent="0">
+              <a:buNone/>
+            </a:pPr>
+            <a:endParaRPr lang="de-DE"/>
+          </a:p>
+          <a:p>
+            <a:r>
+              <a:rPr lang="de-DE"/>
+              <a:t>Use point approximation</a:t>
+            </a:r>
+          </a:p>
+          <a:p>
+            <a:r>
+              <a:rPr lang="de-DE"/>
+              <a:t>Maximize Variational Lower Bound</a:t>
+            </a:r>
+          </a:p>
+          <a:p>
+            <a:endParaRPr lang="de-DE"/>
+          </a:p>
+          <a:p>
+            <a:endParaRPr lang="de-DE"/>
+          </a:p>
+          <a:p>
+            <a:endParaRPr lang="de-DE"/>
+          </a:p>
+          <a:p>
+            <a:endParaRPr lang="de-DE"/>
+          </a:p>
+          <a:p>
+            <a:endParaRPr lang="de-DE"/>
+          </a:p>
+          <a:p>
+            <a:endParaRPr lang="de-DE"/>
+          </a:p>
+          <a:p>
+            <a:r>
+              <a:rPr lang="de-DE"/>
+              <a:t>In the end                          approximates </a:t>
+            </a:r>
+          </a:p>
+          <a:p>
+            <a:pPr marL="0" indent="0">
+              <a:buNone/>
+            </a:pPr>
+            <a:endParaRPr lang="de-DE"/>
+          </a:p>
+        </p:txBody>
+      </p:sp>
+      <p:sp>
+        <p:nvSpPr>
+          <p:cNvPr id="3" name="Datumsplatzhalter 2">
+            <a:extLst>
+              <a:ext uri="{FF2B5EF4-FFF2-40B4-BE49-F238E27FC236}">
+                <a16:creationId xmlns:a16="http://schemas.microsoft.com/office/drawing/2014/main" id="{E82B3FDC-2A6F-49D1-AD3B-619D934493E4}"/>
+              </a:ext>
+            </a:extLst>
+          </p:cNvPr>
+          <p:cNvSpPr>
+            <a:spLocks noGrp="1"/>
+          </p:cNvSpPr>
+          <p:nvPr>
+            <p:ph type="dt" sz="half" idx="10"/>
+          </p:nvPr>
+        </p:nvSpPr>
+        <p:spPr/>
+        <p:txBody>
+          <a:bodyPr/>
+          <a:lstStyle/>
+          <a:p>
+            <a:fld id="{972A1FD8-603F-438E-AC40-DD7043440C8D}" type="datetime4">
+              <a:rPr lang="en-US" noProof="0" smtClean="0"/>
+              <a:t>December 1, 2021</a:t>
+            </a:fld>
+            <a:endParaRPr lang="en-US" noProof="0"/>
+          </a:p>
+        </p:txBody>
+      </p:sp>
+      <p:sp>
+        <p:nvSpPr>
+          <p:cNvPr id="4" name="Foliennummernplatzhalter 3">
+            <a:extLst>
+              <a:ext uri="{FF2B5EF4-FFF2-40B4-BE49-F238E27FC236}">
+                <a16:creationId xmlns:a16="http://schemas.microsoft.com/office/drawing/2014/main" id="{F307C904-9E6B-432F-B614-93DE6A82DE47}"/>
+              </a:ext>
+            </a:extLst>
+          </p:cNvPr>
+          <p:cNvSpPr>
+            <a:spLocks noGrp="1"/>
+          </p:cNvSpPr>
+          <p:nvPr>
+            <p:ph type="sldNum" sz="quarter" idx="12"/>
+          </p:nvPr>
+        </p:nvSpPr>
+        <p:spPr/>
+        <p:txBody>
+          <a:bodyPr/>
+          <a:lstStyle/>
+          <a:p>
+            <a:fld id="{61696EC4-B4CF-4701-AD06-A8439D6D8E12}" type="slidenum">
+              <a:rPr lang="en-US" noProof="0" smtClean="0"/>
+              <a:t>12</a:t>
+            </a:fld>
+            <a:endParaRPr lang="en-US" noProof="0"/>
+          </a:p>
+        </p:txBody>
+      </p:sp>
+      <p:sp>
+        <p:nvSpPr>
+          <p:cNvPr id="5" name="Titel 4">
+            <a:extLst>
+              <a:ext uri="{FF2B5EF4-FFF2-40B4-BE49-F238E27FC236}">
+                <a16:creationId xmlns:a16="http://schemas.microsoft.com/office/drawing/2014/main" id="{0D9ADD2B-D4EB-4DC2-95B1-DB5A6FF00E29}"/>
+              </a:ext>
+            </a:extLst>
+          </p:cNvPr>
+          <p:cNvSpPr>
+            <a:spLocks noGrp="1"/>
+          </p:cNvSpPr>
+          <p:nvPr>
+            <p:ph type="title"/>
+          </p:nvPr>
+        </p:nvSpPr>
+        <p:spPr/>
+        <p:txBody>
+          <a:bodyPr/>
+          <a:lstStyle/>
+          <a:p>
+            <a:r>
+              <a:rPr lang="de-DE"/>
+              <a:t>PLATIPUS Idea</a:t>
+            </a:r>
+          </a:p>
+        </p:txBody>
+      </p:sp>
+      <p:pic>
+        <p:nvPicPr>
+          <p:cNvPr id="9" name="Grafik 8" descr="Ein Bild, das Text enthält.&#10;&#10;Automatisch generierte Beschreibung">
+            <a:extLst>
+              <a:ext uri="{FF2B5EF4-FFF2-40B4-BE49-F238E27FC236}">
+                <a16:creationId xmlns:a16="http://schemas.microsoft.com/office/drawing/2014/main" id="{CBB67693-ADBD-4F67-9C2D-1D4E20783C98}"/>
+              </a:ext>
+            </a:extLst>
+          </p:cNvPr>
+          <p:cNvPicPr>
+            <a:picLocks noChangeAspect="1"/>
+          </p:cNvPicPr>
+          <p:nvPr/>
+        </p:nvPicPr>
+        <p:blipFill>
+          <a:blip r:embed="rId2">
+            <a:extLst>
+              <a:ext uri="{28A0092B-C50C-407E-A947-70E740481C1C}">
+                <a14:useLocalDpi xmlns:a14="http://schemas.microsoft.com/office/drawing/2010/main" val="0"/>
+              </a:ext>
+            </a:extLst>
+          </a:blip>
+          <a:stretch>
+            <a:fillRect/>
+          </a:stretch>
+        </p:blipFill>
+        <p:spPr>
+          <a:xfrm>
+            <a:off x="2364762" y="5740760"/>
+            <a:ext cx="2158600" cy="449445"/>
+          </a:xfrm>
+          <a:prstGeom prst="rect">
+            <a:avLst/>
+          </a:prstGeom>
+        </p:spPr>
+      </p:pic>
+      <p:pic>
+        <p:nvPicPr>
+          <p:cNvPr id="11" name="Grafik 10" descr="Ein Bild, das Text enthält.&#10;&#10;Automatisch generierte Beschreibung">
+            <a:extLst>
+              <a:ext uri="{FF2B5EF4-FFF2-40B4-BE49-F238E27FC236}">
+                <a16:creationId xmlns:a16="http://schemas.microsoft.com/office/drawing/2014/main" id="{C6A47409-776D-4DE1-8868-DC91CA515A71}"/>
+              </a:ext>
+            </a:extLst>
+          </p:cNvPr>
+          <p:cNvPicPr>
+            <a:picLocks noChangeAspect="1"/>
+          </p:cNvPicPr>
+          <p:nvPr/>
+        </p:nvPicPr>
+        <p:blipFill>
+          <a:blip r:embed="rId3">
+            <a:extLst>
+              <a:ext uri="{28A0092B-C50C-407E-A947-70E740481C1C}">
+                <a14:useLocalDpi xmlns:a14="http://schemas.microsoft.com/office/drawing/2010/main" val="0"/>
+              </a:ext>
+            </a:extLst>
+          </a:blip>
+          <a:stretch>
+            <a:fillRect/>
+          </a:stretch>
+        </p:blipFill>
+        <p:spPr>
+          <a:xfrm>
+            <a:off x="6755077" y="5740760"/>
+            <a:ext cx="2358124" cy="449445"/>
+          </a:xfrm>
+          <a:prstGeom prst="rect">
+            <a:avLst/>
+          </a:prstGeom>
+        </p:spPr>
+      </p:pic>
+      <p:pic>
+        <p:nvPicPr>
+          <p:cNvPr id="13" name="Grafik 12">
+            <a:extLst>
+              <a:ext uri="{FF2B5EF4-FFF2-40B4-BE49-F238E27FC236}">
+                <a16:creationId xmlns:a16="http://schemas.microsoft.com/office/drawing/2014/main" id="{E65E29B8-912A-466C-90C6-C0D6F6881FEC}"/>
+              </a:ext>
+            </a:extLst>
+          </p:cNvPr>
+          <p:cNvPicPr>
+            <a:picLocks noChangeAspect="1"/>
+          </p:cNvPicPr>
+          <p:nvPr/>
+        </p:nvPicPr>
+        <p:blipFill>
+          <a:blip r:embed="rId4">
+            <a:extLst>
+              <a:ext uri="{28A0092B-C50C-407E-A947-70E740481C1C}">
+                <a14:useLocalDpi xmlns:a14="http://schemas.microsoft.com/office/drawing/2010/main" val="0"/>
+              </a:ext>
+            </a:extLst>
+          </a:blip>
+          <a:stretch>
+            <a:fillRect/>
+          </a:stretch>
+        </p:blipFill>
+        <p:spPr>
+          <a:xfrm>
+            <a:off x="5348878" y="2312772"/>
+            <a:ext cx="3999402" cy="458404"/>
+          </a:xfrm>
+          <a:prstGeom prst="rect">
+            <a:avLst/>
+          </a:prstGeom>
+        </p:spPr>
+      </p:pic>
+      <p:pic>
+        <p:nvPicPr>
+          <p:cNvPr id="15" name="Grafik 14">
+            <a:extLst>
+              <a:ext uri="{FF2B5EF4-FFF2-40B4-BE49-F238E27FC236}">
+                <a16:creationId xmlns:a16="http://schemas.microsoft.com/office/drawing/2014/main" id="{77758C79-6FD8-4DA7-9C17-AA438693E393}"/>
+              </a:ext>
+            </a:extLst>
+          </p:cNvPr>
+          <p:cNvPicPr>
+            <a:picLocks noChangeAspect="1"/>
+          </p:cNvPicPr>
+          <p:nvPr/>
+        </p:nvPicPr>
+        <p:blipFill>
+          <a:blip r:embed="rId5">
+            <a:extLst>
+              <a:ext uri="{28A0092B-C50C-407E-A947-70E740481C1C}">
+                <a14:useLocalDpi xmlns:a14="http://schemas.microsoft.com/office/drawing/2010/main" val="0"/>
+              </a:ext>
+            </a:extLst>
+          </a:blip>
+          <a:stretch>
+            <a:fillRect/>
+          </a:stretch>
+        </p:blipFill>
+        <p:spPr>
+          <a:xfrm>
+            <a:off x="4523362" y="1287023"/>
+            <a:ext cx="7095347" cy="872971"/>
+          </a:xfrm>
+          <a:prstGeom prst="rect">
+            <a:avLst/>
+          </a:prstGeom>
+        </p:spPr>
+      </p:pic>
+      <p:pic>
+        <p:nvPicPr>
+          <p:cNvPr id="17" name="Grafik 16">
+            <a:extLst>
+              <a:ext uri="{FF2B5EF4-FFF2-40B4-BE49-F238E27FC236}">
+                <a16:creationId xmlns:a16="http://schemas.microsoft.com/office/drawing/2014/main" id="{505DC041-B9EA-458C-9847-DB86E7DA8C06}"/>
+              </a:ext>
+            </a:extLst>
+          </p:cNvPr>
+          <p:cNvPicPr>
+            <a:picLocks noChangeAspect="1"/>
+          </p:cNvPicPr>
+          <p:nvPr/>
+        </p:nvPicPr>
+        <p:blipFill>
+          <a:blip r:embed="rId6">
+            <a:extLst>
+              <a:ext uri="{28A0092B-C50C-407E-A947-70E740481C1C}">
+                <a14:useLocalDpi xmlns:a14="http://schemas.microsoft.com/office/drawing/2010/main" val="0"/>
+              </a:ext>
+            </a:extLst>
+          </a:blip>
+          <a:stretch>
+            <a:fillRect/>
+          </a:stretch>
+        </p:blipFill>
+        <p:spPr>
+          <a:xfrm>
+            <a:off x="822503" y="3429000"/>
+            <a:ext cx="10546994" cy="1859441"/>
+          </a:xfrm>
+          <a:prstGeom prst="rect">
+            <a:avLst/>
+          </a:prstGeom>
+        </p:spPr>
+      </p:pic>
+    </p:spTree>
+    <p:extLst>
+      <p:ext uri="{BB962C8B-B14F-4D97-AF65-F5344CB8AC3E}">
+        <p14:creationId xmlns:p14="http://schemas.microsoft.com/office/powerpoint/2010/main" val="74288364"/>
+      </p:ext>
+    </p:extLst>
+  </p:cSld>
+  <p:clrMapOvr>
+    <a:masterClrMapping/>
+  </p:clrMapOvr>
+</p:sld>
+</file>
+
+<file path=ppt/slides/slide13.xml><?xml version="1.0" encoding="utf-8"?>
+<p:sld xmlns:a="http://schemas.openxmlformats.org/drawingml/2006/main" xmlns:r="http://schemas.openxmlformats.org/officeDocument/2006/relationships" xmlns:p="http://schemas.openxmlformats.org/presentationml/2006/main">
+  <p:cSld>
+    <p:spTree>
+      <p:nvGrpSpPr>
+        <p:cNvPr id="1" name=""/>
+        <p:cNvGrpSpPr/>
+        <p:nvPr/>
+      </p:nvGrpSpPr>
+      <p:grpSpPr>
+        <a:xfrm>
+          <a:off x="0" y="0"/>
+          <a:ext cx="0" cy="0"/>
+          <a:chOff x="0" y="0"/>
+          <a:chExt cx="0" cy="0"/>
+        </a:xfrm>
+      </p:grpSpPr>
+      <p:sp>
+        <p:nvSpPr>
+          <p:cNvPr id="3" name="Date Placeholder 2">
+            <a:extLst>
+              <a:ext uri="{FF2B5EF4-FFF2-40B4-BE49-F238E27FC236}">
+                <a16:creationId xmlns:a16="http://schemas.microsoft.com/office/drawing/2014/main" id="{A5237B7D-FD85-4D88-8E67-4B3E4E363B95}"/>
+              </a:ext>
+            </a:extLst>
+          </p:cNvPr>
+          <p:cNvSpPr>
+            <a:spLocks noGrp="1"/>
+          </p:cNvSpPr>
+          <p:nvPr>
+            <p:ph type="dt" sz="half" idx="10"/>
+          </p:nvPr>
+        </p:nvSpPr>
+        <p:spPr/>
+        <p:txBody>
+          <a:bodyPr/>
+          <a:lstStyle/>
+          <a:p>
+            <a:fld id="{972A1FD8-603F-438E-AC40-DD7043440C8D}" type="datetime4">
+              <a:rPr lang="en-US" noProof="0" smtClean="0"/>
+              <a:t>December 1, 2021</a:t>
+            </a:fld>
+            <a:endParaRPr lang="en-US" noProof="0"/>
+          </a:p>
+        </p:txBody>
+      </p:sp>
+      <p:sp>
+        <p:nvSpPr>
+          <p:cNvPr id="4" name="Slide Number Placeholder 3">
+            <a:extLst>
+              <a:ext uri="{FF2B5EF4-FFF2-40B4-BE49-F238E27FC236}">
+                <a16:creationId xmlns:a16="http://schemas.microsoft.com/office/drawing/2014/main" id="{DE3E7956-D424-45FA-92A1-4C4CA598F7BB}"/>
+              </a:ext>
+            </a:extLst>
+          </p:cNvPr>
+          <p:cNvSpPr>
+            <a:spLocks noGrp="1"/>
+          </p:cNvSpPr>
+          <p:nvPr>
+            <p:ph type="sldNum" sz="quarter" idx="12"/>
+          </p:nvPr>
+        </p:nvSpPr>
+        <p:spPr/>
+        <p:txBody>
+          <a:bodyPr/>
+          <a:lstStyle/>
+          <a:p>
+            <a:fld id="{61696EC4-B4CF-4701-AD06-A8439D6D8E12}" type="slidenum">
+              <a:rPr lang="en-US" noProof="0" smtClean="0"/>
+              <a:t>13</a:t>
+            </a:fld>
+            <a:endParaRPr lang="en-US" noProof="0"/>
+          </a:p>
+        </p:txBody>
+      </p:sp>
+      <p:sp>
+        <p:nvSpPr>
+          <p:cNvPr id="5" name="Title 4">
+            <a:extLst>
+              <a:ext uri="{FF2B5EF4-FFF2-40B4-BE49-F238E27FC236}">
+                <a16:creationId xmlns:a16="http://schemas.microsoft.com/office/drawing/2014/main" id="{C8B783F2-74D7-4B98-8EE8-CD1CB7B953CE}"/>
+              </a:ext>
+            </a:extLst>
+          </p:cNvPr>
+          <p:cNvSpPr>
+            <a:spLocks noGrp="1"/>
+          </p:cNvSpPr>
+          <p:nvPr>
+            <p:ph type="title"/>
+          </p:nvPr>
+        </p:nvSpPr>
+        <p:spPr/>
+        <p:txBody>
+          <a:bodyPr/>
+          <a:lstStyle/>
+          <a:p>
+            <a:r>
+              <a:rPr lang="en-GB" sz="3150">
+                <a:cs typeface="Arial"/>
+              </a:rPr>
+              <a:t>Probabilistic MAML</a:t>
+            </a:r>
+            <a:endParaRPr lang="en-GB"/>
+          </a:p>
+        </p:txBody>
+      </p:sp>
+      <p:pic>
+        <p:nvPicPr>
+          <p:cNvPr id="8" name="Picture 8" descr="Text&#10;&#10;Description automatically generated">
+            <a:extLst>
+              <a:ext uri="{FF2B5EF4-FFF2-40B4-BE49-F238E27FC236}">
+                <a16:creationId xmlns:a16="http://schemas.microsoft.com/office/drawing/2014/main" id="{D6AA89FC-95F9-4019-8566-F735B4C369FC}"/>
+              </a:ext>
+            </a:extLst>
+          </p:cNvPr>
+          <p:cNvPicPr>
+            <a:picLocks noChangeAspect="1"/>
+          </p:cNvPicPr>
+          <p:nvPr/>
+        </p:nvPicPr>
+        <p:blipFill>
+          <a:blip r:embed="rId2"/>
+          <a:stretch>
+            <a:fillRect/>
+          </a:stretch>
+        </p:blipFill>
+        <p:spPr>
+          <a:xfrm>
+            <a:off x="524328" y="1437115"/>
+            <a:ext cx="6353629" cy="4700411"/>
+          </a:xfrm>
+          <a:prstGeom prst="rect">
+            <a:avLst/>
+          </a:prstGeom>
+        </p:spPr>
+      </p:pic>
+      <p:pic>
+        <p:nvPicPr>
+          <p:cNvPr id="2" name="Picture 5" descr="Text&#10;&#10;Description automatically generated">
+            <a:extLst>
+              <a:ext uri="{FF2B5EF4-FFF2-40B4-BE49-F238E27FC236}">
+                <a16:creationId xmlns:a16="http://schemas.microsoft.com/office/drawing/2014/main" id="{4E4C1316-D393-4F9E-8719-67786F42218F}"/>
+              </a:ext>
+            </a:extLst>
+          </p:cNvPr>
+          <p:cNvPicPr>
+            <a:picLocks noChangeAspect="1"/>
+          </p:cNvPicPr>
+          <p:nvPr/>
+        </p:nvPicPr>
+        <p:blipFill>
+          <a:blip r:embed="rId3"/>
+          <a:stretch>
+            <a:fillRect/>
+          </a:stretch>
+        </p:blipFill>
+        <p:spPr>
+          <a:xfrm>
+            <a:off x="7522369" y="2665479"/>
+            <a:ext cx="3826668" cy="2229512"/>
+          </a:xfrm>
+          <a:prstGeom prst="rect">
+            <a:avLst/>
+          </a:prstGeom>
+        </p:spPr>
+      </p:pic>
+    </p:spTree>
+    <p:extLst>
+      <p:ext uri="{BB962C8B-B14F-4D97-AF65-F5344CB8AC3E}">
+        <p14:creationId xmlns:p14="http://schemas.microsoft.com/office/powerpoint/2010/main" val="1051154657"/>
+      </p:ext>
+    </p:extLst>
+  </p:cSld>
+  <p:clrMapOvr>
+    <a:masterClrMapping/>
+  </p:clrMapOvr>
+</p:sld>
+</file>
+
+<file path=ppt/slides/slide14.xml><?xml version="1.0" encoding="utf-8"?>
+<p:sld xmlns:a="http://schemas.openxmlformats.org/drawingml/2006/main" xmlns:r="http://schemas.openxmlformats.org/officeDocument/2006/relationships" xmlns:p="http://schemas.openxmlformats.org/presentationml/2006/main">
+  <p:cSld>
+    <p:spTree>
+      <p:nvGrpSpPr>
+        <p:cNvPr id="1" name=""/>
+        <p:cNvGrpSpPr/>
+        <p:nvPr/>
+      </p:nvGrpSpPr>
+      <p:grpSpPr>
+        <a:xfrm>
+          <a:off x="0" y="0"/>
+          <a:ext cx="0" cy="0"/>
+          <a:chOff x="0" y="0"/>
+          <a:chExt cx="0" cy="0"/>
+        </a:xfrm>
+      </p:grpSpPr>
+      <p:sp>
+        <p:nvSpPr>
+          <p:cNvPr id="2" name="Inhaltsplatzhalter 1">
+            <a:extLst>
+              <a:ext uri="{FF2B5EF4-FFF2-40B4-BE49-F238E27FC236}">
+                <a16:creationId xmlns:a16="http://schemas.microsoft.com/office/drawing/2014/main" id="{24D74D7E-6E9C-4E13-9532-3F653B566ED5}"/>
+              </a:ext>
+            </a:extLst>
+          </p:cNvPr>
+          <p:cNvSpPr>
+            <a:spLocks noGrp="1"/>
+          </p:cNvSpPr>
+          <p:nvPr>
+            <p:ph idx="1"/>
+          </p:nvPr>
+        </p:nvSpPr>
+        <p:spPr/>
+        <p:txBody>
+          <a:bodyPr vert="horz" lIns="0" tIns="0" rIns="0" bIns="0" rtlCol="0" anchor="t">
+            <a:normAutofit/>
+          </a:bodyPr>
+          <a:lstStyle/>
+          <a:p>
+            <a:pPr marL="271145" indent="-271145"/>
+            <a:r>
+              <a:rPr lang="de-DE" err="1"/>
+              <a:t>Shouldn‘t</a:t>
+            </a:r>
+            <a:r>
+              <a:rPr lang="de-DE"/>
+              <a:t> </a:t>
+            </a:r>
+            <a:r>
+              <a:rPr lang="de-DE" err="1"/>
+              <a:t>step</a:t>
+            </a:r>
+            <a:r>
+              <a:rPr lang="de-DE"/>
+              <a:t> 10 </a:t>
+            </a:r>
+            <a:r>
+              <a:rPr lang="de-DE" err="1"/>
+              <a:t>be</a:t>
+            </a:r>
+            <a:r>
+              <a:rPr lang="de-DE"/>
+              <a:t> </a:t>
+            </a:r>
+            <a:r>
+              <a:rPr lang="de-DE" err="1"/>
+              <a:t>inside</a:t>
+            </a:r>
+            <a:r>
+              <a:rPr lang="de-DE"/>
+              <a:t> </a:t>
+            </a:r>
+            <a:r>
+              <a:rPr lang="de-DE" err="1"/>
+              <a:t>the</a:t>
+            </a:r>
+            <a:r>
+              <a:rPr lang="de-DE"/>
+              <a:t> „</a:t>
+            </a:r>
+            <a:r>
+              <a:rPr lang="de-DE" err="1"/>
+              <a:t>for</a:t>
+            </a:r>
+            <a:r>
+              <a:rPr lang="de-DE"/>
+              <a:t> all </a:t>
+            </a:r>
+            <a:r>
+              <a:rPr lang="de-DE" err="1"/>
+              <a:t>T_i</a:t>
+            </a:r>
+            <a:r>
+              <a:rPr lang="de-DE"/>
+              <a:t>“ loop</a:t>
+            </a:r>
+          </a:p>
+          <a:p>
+            <a:pPr marL="271145" indent="-271145"/>
+            <a:r>
+              <a:rPr lang="de-DE">
+                <a:cs typeface="Arial"/>
+              </a:rPr>
+              <a:t>Why is for q theta independent of D_train but for p we artificially create dependencies for theta from D_train ?</a:t>
+            </a:r>
+          </a:p>
+          <a:p>
+            <a:pPr marL="271145" indent="-271145"/>
+            <a:r>
+              <a:rPr lang="de-DE"/>
+              <a:t>Graphical Model:</a:t>
+            </a:r>
+          </a:p>
+          <a:p>
+            <a:pPr marL="626724" lvl="1" indent="-271145"/>
+            <a:r>
+              <a:rPr lang="de-DE"/>
+              <a:t>the MAML equation 4.2 correspond to the middle graphical model. From where does the left graphical model come in the first place?</a:t>
+            </a:r>
+          </a:p>
+          <a:p>
+            <a:pPr marL="626724" lvl="1" indent="-271145"/>
+            <a:r>
+              <a:rPr lang="de-DE"/>
+              <a:t>Why is there no arrow from x_train to y_train in the 2nd and 3rd model?</a:t>
+            </a:r>
+          </a:p>
+          <a:p>
+            <a:pPr marL="271145" indent="-271145"/>
+            <a:r>
+              <a:rPr lang="de-DE"/>
+              <a:t>How to calculate gradients through samples? </a:t>
+            </a:r>
+            <a:r>
+              <a:rPr lang="de-DE" sz="1400"/>
+              <a:t>(Reparametrization trick is mentioned)</a:t>
+            </a:r>
+            <a:endParaRPr lang="de-DE" sz="1400">
+              <a:cs typeface="Arial"/>
+            </a:endParaRPr>
+          </a:p>
+          <a:p>
+            <a:pPr marL="0" indent="0">
+              <a:buNone/>
+            </a:pPr>
+            <a:endParaRPr lang="de-DE">
+              <a:cs typeface="Arial"/>
+            </a:endParaRPr>
+          </a:p>
+          <a:p>
+            <a:pPr marL="0" indent="0">
+              <a:buNone/>
+            </a:pPr>
+            <a:endParaRPr lang="de-DE">
+              <a:cs typeface="Arial"/>
+            </a:endParaRPr>
+          </a:p>
+        </p:txBody>
+      </p:sp>
+      <p:sp>
+        <p:nvSpPr>
+          <p:cNvPr id="3" name="Datumsplatzhalter 2">
+            <a:extLst>
+              <a:ext uri="{FF2B5EF4-FFF2-40B4-BE49-F238E27FC236}">
+                <a16:creationId xmlns:a16="http://schemas.microsoft.com/office/drawing/2014/main" id="{A1172A56-2F41-4F52-A7CF-E8685AAAF9B7}"/>
+              </a:ext>
+            </a:extLst>
+          </p:cNvPr>
+          <p:cNvSpPr>
+            <a:spLocks noGrp="1"/>
+          </p:cNvSpPr>
+          <p:nvPr>
+            <p:ph type="dt" sz="half" idx="10"/>
+          </p:nvPr>
+        </p:nvSpPr>
+        <p:spPr/>
+        <p:txBody>
+          <a:bodyPr/>
+          <a:lstStyle/>
+          <a:p>
+            <a:fld id="{972A1FD8-603F-438E-AC40-DD7043440C8D}" type="datetime4">
+              <a:rPr lang="en-US" noProof="0" smtClean="0"/>
+              <a:t>December 1, 2021</a:t>
+            </a:fld>
+            <a:endParaRPr lang="en-US" noProof="0"/>
+          </a:p>
+        </p:txBody>
+      </p:sp>
+      <p:sp>
+        <p:nvSpPr>
+          <p:cNvPr id="4" name="Foliennummernplatzhalter 3">
+            <a:extLst>
+              <a:ext uri="{FF2B5EF4-FFF2-40B4-BE49-F238E27FC236}">
+                <a16:creationId xmlns:a16="http://schemas.microsoft.com/office/drawing/2014/main" id="{794C7203-C402-4C68-A8D4-E9E50CF0D096}"/>
+              </a:ext>
+            </a:extLst>
+          </p:cNvPr>
+          <p:cNvSpPr>
+            <a:spLocks noGrp="1"/>
+          </p:cNvSpPr>
+          <p:nvPr>
+            <p:ph type="sldNum" sz="quarter" idx="12"/>
+          </p:nvPr>
+        </p:nvSpPr>
+        <p:spPr/>
+        <p:txBody>
+          <a:bodyPr/>
+          <a:lstStyle/>
+          <a:p>
+            <a:fld id="{61696EC4-B4CF-4701-AD06-A8439D6D8E12}" type="slidenum">
+              <a:rPr lang="en-US" noProof="0" smtClean="0"/>
+              <a:t>14</a:t>
+            </a:fld>
+            <a:endParaRPr lang="en-US" noProof="0"/>
+          </a:p>
+        </p:txBody>
+      </p:sp>
+      <p:sp>
+        <p:nvSpPr>
+          <p:cNvPr id="5" name="Titel 4">
+            <a:extLst>
+              <a:ext uri="{FF2B5EF4-FFF2-40B4-BE49-F238E27FC236}">
+                <a16:creationId xmlns:a16="http://schemas.microsoft.com/office/drawing/2014/main" id="{B0F5D4F1-CF20-4D92-B9BF-418DF4A5BA0D}"/>
+              </a:ext>
+            </a:extLst>
+          </p:cNvPr>
+          <p:cNvSpPr>
+            <a:spLocks noGrp="1"/>
+          </p:cNvSpPr>
+          <p:nvPr>
+            <p:ph type="title"/>
+          </p:nvPr>
+        </p:nvSpPr>
+        <p:spPr/>
+        <p:txBody>
+          <a:bodyPr/>
+          <a:lstStyle/>
+          <a:p>
+            <a:r>
+              <a:rPr lang="de-DE"/>
+              <a:t>Probabilistic MAML</a:t>
+            </a:r>
+          </a:p>
+        </p:txBody>
+      </p:sp>
+    </p:spTree>
+    <p:extLst>
+      <p:ext uri="{BB962C8B-B14F-4D97-AF65-F5344CB8AC3E}">
+        <p14:creationId xmlns:p14="http://schemas.microsoft.com/office/powerpoint/2010/main" val="4015726318"/>
+      </p:ext>
+    </p:extLst>
+  </p:cSld>
+  <p:clrMapOvr>
+    <a:masterClrMapping/>
+  </p:clrMapOvr>
+</p:sld>
+</file>
+
+<file path=ppt/slides/slide15.xml><?xml version="1.0" encoding="utf-8"?>
+<p:sld xmlns:a="http://schemas.openxmlformats.org/drawingml/2006/main" xmlns:r="http://schemas.openxmlformats.org/officeDocument/2006/relationships" xmlns:p="http://schemas.openxmlformats.org/presentationml/2006/main">
+  <p:cSld>
+    <p:spTree>
+      <p:nvGrpSpPr>
+        <p:cNvPr id="1" name=""/>
+        <p:cNvGrpSpPr/>
+        <p:nvPr/>
+      </p:nvGrpSpPr>
+      <p:grpSpPr>
+        <a:xfrm>
+          <a:off x="0" y="0"/>
+          <a:ext cx="0" cy="0"/>
+          <a:chOff x="0" y="0"/>
+          <a:chExt cx="0" cy="0"/>
+        </a:xfrm>
+      </p:grpSpPr>
+      <p:sp>
+        <p:nvSpPr>
+          <p:cNvPr id="6" name="Text Placeholder 5">
+            <a:extLst>
+              <a:ext uri="{FF2B5EF4-FFF2-40B4-BE49-F238E27FC236}">
+                <a16:creationId xmlns:a16="http://schemas.microsoft.com/office/drawing/2014/main" id="{60B0DD75-4837-4B9D-ABC0-369420F2FADA}"/>
+              </a:ext>
+            </a:extLst>
+          </p:cNvPr>
+          <p:cNvSpPr>
+            <a:spLocks noGrp="1"/>
+          </p:cNvSpPr>
+          <p:nvPr>
+            <p:ph type="body" idx="1"/>
+          </p:nvPr>
+        </p:nvSpPr>
+        <p:spPr/>
+        <p:txBody>
+          <a:bodyPr/>
+          <a:lstStyle/>
+          <a:p>
+            <a:r>
+              <a:rPr lang="en-US">
+                <a:cs typeface="Arial"/>
+              </a:rPr>
+              <a:t>Learn2Learn or Torchmeta</a:t>
+            </a:r>
+            <a:endParaRPr lang="en-US"/>
+          </a:p>
+        </p:txBody>
+      </p:sp>
+      <p:sp>
+        <p:nvSpPr>
+          <p:cNvPr id="2" name="Content Placeholder 1">
+            <a:extLst>
+              <a:ext uri="{FF2B5EF4-FFF2-40B4-BE49-F238E27FC236}">
+                <a16:creationId xmlns:a16="http://schemas.microsoft.com/office/drawing/2014/main" id="{6E601F6D-0048-4836-A7A6-9F01074F703B}"/>
+              </a:ext>
+            </a:extLst>
+          </p:cNvPr>
+          <p:cNvSpPr>
+            <a:spLocks noGrp="1"/>
+          </p:cNvSpPr>
+          <p:nvPr>
+            <p:ph sz="half" idx="2"/>
+          </p:nvPr>
+        </p:nvSpPr>
+        <p:spPr>
+          <a:xfrm>
+            <a:off x="533400" y="2582458"/>
+            <a:ext cx="5464176" cy="2118924"/>
+          </a:xfrm>
+        </p:spPr>
+        <p:txBody>
+          <a:bodyPr vert="horz" lIns="0" tIns="0" rIns="0" bIns="0" rtlCol="0" anchor="t">
+            <a:normAutofit/>
+          </a:bodyPr>
+          <a:lstStyle/>
+          <a:p>
+            <a:pPr marL="271145" indent="-271145"/>
+            <a:r>
+              <a:rPr lang="en-US">
+                <a:cs typeface="Arial"/>
+              </a:rPr>
+              <a:t>Well documented</a:t>
+            </a:r>
+            <a:endParaRPr lang="en-US"/>
+          </a:p>
+          <a:p>
+            <a:pPr marL="271145" indent="-271145">
+              <a:buChar char="•"/>
+            </a:pPr>
+            <a:r>
+              <a:rPr lang="en-US">
+                <a:cs typeface="Arial"/>
+              </a:rPr>
+              <a:t>Easy to use ?</a:t>
+            </a:r>
+          </a:p>
+          <a:p>
+            <a:pPr marL="271145" indent="-271145">
+              <a:buChar char="•"/>
+            </a:pPr>
+            <a:r>
+              <a:rPr lang="en-US">
+                <a:cs typeface="Arial"/>
+              </a:rPr>
+              <a:t>Only MAML implemented</a:t>
+            </a:r>
+            <a:endParaRPr lang="en-US"/>
+          </a:p>
+        </p:txBody>
+      </p:sp>
+      <p:sp>
+        <p:nvSpPr>
+          <p:cNvPr id="7" name="Text Placeholder 6">
+            <a:extLst>
+              <a:ext uri="{FF2B5EF4-FFF2-40B4-BE49-F238E27FC236}">
+                <a16:creationId xmlns:a16="http://schemas.microsoft.com/office/drawing/2014/main" id="{5B951A74-B070-4C70-B99A-7E561F75C2F8}"/>
+              </a:ext>
+            </a:extLst>
+          </p:cNvPr>
+          <p:cNvSpPr>
+            <a:spLocks noGrp="1"/>
+          </p:cNvSpPr>
+          <p:nvPr>
+            <p:ph type="body" sz="quarter" idx="3"/>
+          </p:nvPr>
+        </p:nvSpPr>
+        <p:spPr/>
+        <p:txBody>
+          <a:bodyPr/>
+          <a:lstStyle/>
+          <a:p>
+            <a:r>
+              <a:rPr lang="en-US">
+                <a:cs typeface="Arial"/>
+              </a:rPr>
+              <a:t>few_shot_meta_learning</a:t>
+            </a:r>
+            <a:endParaRPr lang="en-US"/>
+          </a:p>
+        </p:txBody>
+      </p:sp>
+      <p:sp>
+        <p:nvSpPr>
+          <p:cNvPr id="8" name="Content Placeholder 7">
+            <a:extLst>
+              <a:ext uri="{FF2B5EF4-FFF2-40B4-BE49-F238E27FC236}">
+                <a16:creationId xmlns:a16="http://schemas.microsoft.com/office/drawing/2014/main" id="{70E5C536-2B59-4945-A627-A80C1F8CEF61}"/>
+              </a:ext>
+            </a:extLst>
+          </p:cNvPr>
+          <p:cNvSpPr>
+            <a:spLocks noGrp="1"/>
+          </p:cNvSpPr>
+          <p:nvPr>
+            <p:ph sz="quarter" idx="4"/>
+          </p:nvPr>
+        </p:nvSpPr>
+        <p:spPr>
+          <a:xfrm>
+            <a:off x="6194424" y="2582458"/>
+            <a:ext cx="5464176" cy="2023675"/>
+          </a:xfrm>
+        </p:spPr>
+        <p:txBody>
+          <a:bodyPr vert="horz" lIns="0" tIns="0" rIns="0" bIns="0" rtlCol="0" anchor="t">
+            <a:normAutofit/>
+          </a:bodyPr>
+          <a:lstStyle/>
+          <a:p>
+            <a:pPr marL="271145" indent="-271145"/>
+            <a:r>
+              <a:rPr lang="en-US">
+                <a:cs typeface="Arial"/>
+              </a:rPr>
+              <a:t>Implementations for all but LLAMA</a:t>
+            </a:r>
+          </a:p>
+          <a:p>
+            <a:pPr marL="271145" indent="-271145"/>
+            <a:r>
+              <a:rPr lang="en-US">
+                <a:cs typeface="Arial"/>
+              </a:rPr>
+              <a:t>Seems fairly well maintained</a:t>
+            </a:r>
+          </a:p>
+          <a:p>
+            <a:pPr marL="271145" indent="-271145"/>
+            <a:r>
+              <a:rPr lang="en-US">
+                <a:cs typeface="Arial"/>
+              </a:rPr>
+              <a:t>Less tested than L2L ?</a:t>
+            </a:r>
+          </a:p>
+          <a:p>
+            <a:pPr marL="271145" indent="-271145"/>
+            <a:r>
+              <a:rPr lang="en-US">
+                <a:cs typeface="Arial"/>
+              </a:rPr>
+              <a:t>More barebone interface</a:t>
+            </a:r>
+          </a:p>
+        </p:txBody>
+      </p:sp>
+      <p:sp>
+        <p:nvSpPr>
+          <p:cNvPr id="3" name="Date Placeholder 2">
+            <a:extLst>
+              <a:ext uri="{FF2B5EF4-FFF2-40B4-BE49-F238E27FC236}">
+                <a16:creationId xmlns:a16="http://schemas.microsoft.com/office/drawing/2014/main" id="{C3CA4F83-6AAD-45CB-B681-D7D4D16041AE}"/>
+              </a:ext>
+            </a:extLst>
+          </p:cNvPr>
+          <p:cNvSpPr>
+            <a:spLocks noGrp="1"/>
+          </p:cNvSpPr>
+          <p:nvPr>
+            <p:ph type="dt" sz="half" idx="10"/>
+          </p:nvPr>
+        </p:nvSpPr>
+        <p:spPr/>
+        <p:txBody>
+          <a:bodyPr/>
+          <a:lstStyle/>
+          <a:p>
+            <a:fld id="{972A1FD8-603F-438E-AC40-DD7043440C8D}" type="datetime4">
+              <a:rPr lang="en-US" noProof="0" smtClean="0"/>
+              <a:t>December 1, 2021</a:t>
+            </a:fld>
+            <a:endParaRPr lang="en-US" noProof="0"/>
+          </a:p>
+        </p:txBody>
+      </p:sp>
+      <p:sp>
+        <p:nvSpPr>
+          <p:cNvPr id="4" name="Slide Number Placeholder 3">
+            <a:extLst>
+              <a:ext uri="{FF2B5EF4-FFF2-40B4-BE49-F238E27FC236}">
+                <a16:creationId xmlns:a16="http://schemas.microsoft.com/office/drawing/2014/main" id="{ADF322AC-3A1A-4157-B0D0-57C9BA25AEA5}"/>
+              </a:ext>
+            </a:extLst>
+          </p:cNvPr>
+          <p:cNvSpPr>
+            <a:spLocks noGrp="1"/>
+          </p:cNvSpPr>
+          <p:nvPr>
+            <p:ph type="sldNum" sz="quarter" idx="12"/>
+          </p:nvPr>
+        </p:nvSpPr>
+        <p:spPr/>
+        <p:txBody>
+          <a:bodyPr/>
+          <a:lstStyle/>
+          <a:p>
+            <a:fld id="{61696EC4-B4CF-4701-AD06-A8439D6D8E12}" type="slidenum">
+              <a:rPr lang="en-US" noProof="0" smtClean="0"/>
+              <a:t>15</a:t>
+            </a:fld>
+            <a:endParaRPr lang="en-US" noProof="0"/>
+          </a:p>
+        </p:txBody>
+      </p:sp>
+      <p:sp>
+        <p:nvSpPr>
+          <p:cNvPr id="5" name="Title 4">
+            <a:extLst>
+              <a:ext uri="{FF2B5EF4-FFF2-40B4-BE49-F238E27FC236}">
+                <a16:creationId xmlns:a16="http://schemas.microsoft.com/office/drawing/2014/main" id="{3B94E6BB-F3B8-4D78-AF32-01AB69B01688}"/>
+              </a:ext>
+            </a:extLst>
+          </p:cNvPr>
+          <p:cNvSpPr>
+            <a:spLocks noGrp="1"/>
+          </p:cNvSpPr>
+          <p:nvPr>
+            <p:ph type="title"/>
+          </p:nvPr>
+        </p:nvSpPr>
+        <p:spPr/>
+        <p:txBody>
+          <a:bodyPr/>
+          <a:lstStyle/>
+          <a:p>
+            <a:r>
+              <a:rPr lang="en-US" sz="3150">
+                <a:cs typeface="Arial"/>
+              </a:rPr>
+              <a:t>Implementations</a:t>
+            </a:r>
+            <a:endParaRPr lang="en-US"/>
+          </a:p>
+        </p:txBody>
+      </p:sp>
+      <p:sp>
+        <p:nvSpPr>
+          <p:cNvPr id="16" name="TextBox 15">
+            <a:extLst>
+              <a:ext uri="{FF2B5EF4-FFF2-40B4-BE49-F238E27FC236}">
+                <a16:creationId xmlns:a16="http://schemas.microsoft.com/office/drawing/2014/main" id="{099A3640-E08C-4A3B-8304-A755D04D070F}"/>
+              </a:ext>
+            </a:extLst>
+          </p:cNvPr>
+          <p:cNvSpPr txBox="1"/>
+          <p:nvPr/>
+        </p:nvSpPr>
+        <p:spPr>
+          <a:xfrm>
+            <a:off x="509588" y="4807743"/>
+            <a:ext cx="8874917" cy="1200329"/>
+          </a:xfrm>
+          <a:prstGeom prst="rect">
+            <a:avLst/>
+          </a:prstGeom>
+          <a:noFill/>
+        </p:spPr>
+        <p:txBody>
+          <a:bodyPr rot="0" spcFirstLastPara="0" vertOverflow="overflow" horzOverflow="overflow" vert="horz" wrap="square" lIns="91440" tIns="45720" rIns="91440" bIns="45720" numCol="1" spcCol="0" rtlCol="0" fromWordArt="0" anchor="t" anchorCtr="0" forceAA="0" compatLnSpc="1">
+            <a:prstTxWarp prst="textNoShape">
+              <a:avLst/>
+            </a:prstTxWarp>
+            <a:spAutoFit/>
+          </a:bodyPr>
+          <a:lstStyle/>
+          <a:p>
+            <a:r>
+              <a:rPr lang="en-US"/>
+              <a:t>-&gt; Integrate FSML into a L2L or TM fork</a:t>
+            </a:r>
+          </a:p>
+          <a:p>
+            <a:endParaRPr lang="en-US">
+              <a:cs typeface="Arial"/>
+            </a:endParaRPr>
+          </a:p>
+          <a:p>
+            <a:r>
+              <a:rPr lang="en-US">
+                <a:cs typeface="Arial"/>
+              </a:rPr>
+              <a:t>Implement LLAMA by hand ?</a:t>
+            </a:r>
+          </a:p>
+        </p:txBody>
+      </p:sp>
+    </p:spTree>
+    <p:extLst>
+      <p:ext uri="{BB962C8B-B14F-4D97-AF65-F5344CB8AC3E}">
+        <p14:creationId xmlns:p14="http://schemas.microsoft.com/office/powerpoint/2010/main" val="1171404016"/>
       </p:ext>
     </p:extLst>
   </p:cSld>
@@ -16634,10 +18622,10 @@
       </p:grpSpPr>
       <p:sp>
         <p:nvSpPr>
-          <p:cNvPr id="3" name="Datumsplatzhalter 2">
+          <p:cNvPr id="6" name="Inhaltsplatzhalter 5">
             <a:extLst>
               <a:ext uri="{FF2B5EF4-FFF2-40B4-BE49-F238E27FC236}">
-                <a16:creationId xmlns:a16="http://schemas.microsoft.com/office/drawing/2014/main" id="{A2922E38-A1D9-490F-B00C-33F4884E29E1}"/>
+                <a16:creationId xmlns:a16="http://schemas.microsoft.com/office/drawing/2014/main" id="{9051CBAC-0E91-43C5-B951-7E1F306A7842}"/>
               </a:ext>
             </a:extLst>
           </p:cNvPr>
@@ -16645,7 +18633,7 @@
             <a:spLocks noGrp="1"/>
           </p:cNvSpPr>
           <p:nvPr>
-            <p:ph type="dt" sz="half" idx="10"/>
+            <p:ph idx="1"/>
           </p:nvPr>
         </p:nvSpPr>
         <p:spPr/>
@@ -16653,20 +18641,19 @@
           <a:bodyPr/>
           <a:lstStyle/>
           <a:p>
-            <a:fld id="{972A1FD8-603F-438E-AC40-DD7043440C8D}" type="datetime4">
-              <a:rPr lang="en-US" noProof="0" smtClean="0"/>
-              <a:t>October 30, 2021</a:t>
-            </a:fld>
-            <a:endParaRPr lang="en-US" noProof="0"/>
-          </a:p>
-        </p:txBody>
-      </p:sp>
-      <p:sp>
-        <p:nvSpPr>
-          <p:cNvPr id="4" name="Foliennummernplatzhalter 3">
+            <a:r>
+              <a:rPr lang="de-DE"/>
+              <a:t>TODO</a:t>
+            </a:r>
+          </a:p>
+        </p:txBody>
+      </p:sp>
+      <p:sp>
+        <p:nvSpPr>
+          <p:cNvPr id="2" name="Datumsplatzhalter 1">
             <a:extLst>
               <a:ext uri="{FF2B5EF4-FFF2-40B4-BE49-F238E27FC236}">
-                <a16:creationId xmlns:a16="http://schemas.microsoft.com/office/drawing/2014/main" id="{FF5CB1FF-8297-4428-BDD5-6D068D43CDC1}"/>
+                <a16:creationId xmlns:a16="http://schemas.microsoft.com/office/drawing/2014/main" id="{F0A52325-557C-421A-A6B7-829A035DE062}"/>
               </a:ext>
             </a:extLst>
           </p:cNvPr>
@@ -16674,7 +18661,7 @@
             <a:spLocks noGrp="1"/>
           </p:cNvSpPr>
           <p:nvPr>
-            <p:ph type="sldNum" sz="quarter" idx="12"/>
+            <p:ph type="dt" sz="half" idx="10"/>
           </p:nvPr>
         </p:nvSpPr>
         <p:spPr/>
@@ -16682,11 +18669,40 @@
           <a:bodyPr/>
           <a:lstStyle/>
           <a:p>
+            <a:fld id="{9456F2AD-B082-4C40-B548-5501F8DAA2FD}" type="datetime4">
+              <a:rPr lang="en-US" smtClean="0"/>
+              <a:t>December 1, 2021</a:t>
+            </a:fld>
+            <a:endParaRPr lang="de-DE"/>
+          </a:p>
+        </p:txBody>
+      </p:sp>
+      <p:sp>
+        <p:nvSpPr>
+          <p:cNvPr id="3" name="Foliennummernplatzhalter 2">
+            <a:extLst>
+              <a:ext uri="{FF2B5EF4-FFF2-40B4-BE49-F238E27FC236}">
+                <a16:creationId xmlns:a16="http://schemas.microsoft.com/office/drawing/2014/main" id="{FF830AB7-84C3-4A60-A9A8-7024AB55FB3C}"/>
+              </a:ext>
+            </a:extLst>
+          </p:cNvPr>
+          <p:cNvSpPr>
+            <a:spLocks noGrp="1"/>
+          </p:cNvSpPr>
+          <p:nvPr>
+            <p:ph type="sldNum" sz="quarter" idx="12"/>
+          </p:nvPr>
+        </p:nvSpPr>
+        <p:spPr/>
+        <p:txBody>
+          <a:bodyPr/>
+          <a:lstStyle/>
+          <a:p>
             <a:fld id="{61696EC4-B4CF-4701-AD06-A8439D6D8E12}" type="slidenum">
-              <a:rPr lang="en-US" noProof="0" smtClean="0"/>
+              <a:rPr lang="de-DE" smtClean="0"/>
               <a:t>2</a:t>
             </a:fld>
-            <a:endParaRPr lang="en-US" noProof="0"/>
+            <a:endParaRPr lang="de-DE"/>
           </a:p>
         </p:txBody>
       </p:sp>
@@ -16695,7 +18711,7 @@
           <p:cNvPr id="5" name="Titel 4">
             <a:extLst>
               <a:ext uri="{FF2B5EF4-FFF2-40B4-BE49-F238E27FC236}">
-                <a16:creationId xmlns:a16="http://schemas.microsoft.com/office/drawing/2014/main" id="{EDFB8524-82CE-4ABB-BA73-5A211EA1CEBE}"/>
+                <a16:creationId xmlns:a16="http://schemas.microsoft.com/office/drawing/2014/main" id="{18CE529A-B22F-4E08-8987-F5D19A8DB9DB}"/>
               </a:ext>
             </a:extLst>
           </p:cNvPr>
@@ -16713,26 +18729,24 @@
           <a:p>
             <a:r>
               <a:rPr lang="de-DE"/>
-              <a:t>MAML Overview</a:t>
+              <a:t>Meta Learning</a:t>
             </a:r>
           </a:p>
         </p:txBody>
       </p:sp>
       <p:pic>
         <p:nvPicPr>
-          <p:cNvPr id="12" name="Inhaltsplatzhalter 11">
+          <p:cNvPr id="10" name="Grafik 9">
             <a:extLst>
               <a:ext uri="{FF2B5EF4-FFF2-40B4-BE49-F238E27FC236}">
-                <a16:creationId xmlns:a16="http://schemas.microsoft.com/office/drawing/2014/main" id="{75A63D61-5D3B-4FDE-8551-C2C2496A5356}"/>
+                <a16:creationId xmlns:a16="http://schemas.microsoft.com/office/drawing/2014/main" id="{61FCCC78-5165-4F9E-A2B3-28CD550B5308}"/>
               </a:ext>
             </a:extLst>
           </p:cNvPr>
           <p:cNvPicPr>
-            <a:picLocks noGrp="1" noChangeAspect="1"/>
+            <a:picLocks noChangeAspect="1"/>
           </p:cNvPicPr>
-          <p:nvPr>
-            <p:ph idx="1"/>
-          </p:nvPr>
+          <p:nvPr/>
         </p:nvPicPr>
         <p:blipFill>
           <a:blip r:embed="rId2">
@@ -16748,15 +18762,18 @@
         </p:blipFill>
         <p:spPr>
           <a:xfrm>
-            <a:off x="198120" y="1723519"/>
-            <a:ext cx="11795760" cy="3878322"/>
-          </a:xfrm>
+            <a:off x="3160835" y="1954410"/>
+            <a:ext cx="5536125" cy="3411908"/>
+          </a:xfrm>
+          <a:prstGeom prst="rect">
+            <a:avLst/>
+          </a:prstGeom>
         </p:spPr>
       </p:pic>
     </p:spTree>
     <p:extLst>
       <p:ext uri="{BB962C8B-B14F-4D97-AF65-F5344CB8AC3E}">
-        <p14:creationId xmlns:p14="http://schemas.microsoft.com/office/powerpoint/2010/main" val="4224528625"/>
+        <p14:creationId xmlns:p14="http://schemas.microsoft.com/office/powerpoint/2010/main" val="2405876023"/>
       </p:ext>
     </p:extLst>
   </p:cSld>
@@ -16785,34 +18802,6 @@
       </p:grpSpPr>
       <p:sp>
         <p:nvSpPr>
-          <p:cNvPr id="2" name="Inhaltsplatzhalter 1">
-            <a:extLst>
-              <a:ext uri="{FF2B5EF4-FFF2-40B4-BE49-F238E27FC236}">
-                <a16:creationId xmlns:a16="http://schemas.microsoft.com/office/drawing/2014/main" id="{A45F6C13-1C22-4160-B4B8-04F7473F740D}"/>
-              </a:ext>
-            </a:extLst>
-          </p:cNvPr>
-          <p:cNvSpPr>
-            <a:spLocks noGrp="1"/>
-          </p:cNvSpPr>
-          <p:nvPr>
-            <p:ph idx="1"/>
-          </p:nvPr>
-        </p:nvSpPr>
-        <p:spPr/>
-        <p:txBody>
-          <a:bodyPr/>
-          <a:lstStyle/>
-          <a:p>
-            <a:pPr marL="0" indent="0">
-              <a:buNone/>
-            </a:pPr>
-            <a:endParaRPr lang="de-DE"/>
-          </a:p>
-        </p:txBody>
-      </p:sp>
-      <p:sp>
-        <p:nvSpPr>
           <p:cNvPr id="3" name="Datumsplatzhalter 2">
             <a:extLst>
               <a:ext uri="{FF2B5EF4-FFF2-40B4-BE49-F238E27FC236}">
@@ -16834,7 +18823,7 @@
           <a:p>
             <a:fld id="{972A1FD8-603F-438E-AC40-DD7043440C8D}" type="datetime4">
               <a:rPr lang="en-US" noProof="0" smtClean="0"/>
-              <a:t>October 30, 2021</a:t>
+              <a:t>December 1, 2021</a:t>
             </a:fld>
             <a:endParaRPr lang="en-US" noProof="0"/>
           </a:p>
@@ -16891,23 +18880,419 @@
           <a:lstStyle/>
           <a:p>
             <a:r>
-              <a:rPr lang="de-DE" err="1"/>
-              <a:t>Objective</a:t>
-            </a:r>
-            <a:endParaRPr lang="de-DE"/>
+              <a:rPr lang="de-DE"/>
+              <a:t>Model-Agnostic Meta Learning Overview</a:t>
+            </a:r>
+          </a:p>
+        </p:txBody>
+      </p:sp>
+      <p:pic>
+        <p:nvPicPr>
+          <p:cNvPr id="12" name="Inhaltsplatzhalter 11">
+            <a:extLst>
+              <a:ext uri="{FF2B5EF4-FFF2-40B4-BE49-F238E27FC236}">
+                <a16:creationId xmlns:a16="http://schemas.microsoft.com/office/drawing/2014/main" id="{75A63D61-5D3B-4FDE-8551-C2C2496A5356}"/>
+              </a:ext>
+            </a:extLst>
+          </p:cNvPr>
+          <p:cNvPicPr>
+            <a:picLocks noGrp="1" noChangeAspect="1"/>
+          </p:cNvPicPr>
+          <p:nvPr>
+            <p:ph idx="1"/>
+          </p:nvPr>
+        </p:nvPicPr>
+        <p:blipFill>
+          <a:blip r:embed="rId2">
+            <a:extLst>
+              <a:ext uri="{28A0092B-C50C-407E-A947-70E740481C1C}">
+                <a14:useLocalDpi xmlns:a14="http://schemas.microsoft.com/office/drawing/2010/main" val="0"/>
+              </a:ext>
+            </a:extLst>
+          </a:blip>
+          <a:stretch>
+            <a:fillRect/>
+          </a:stretch>
+        </p:blipFill>
+        <p:spPr>
+          <a:xfrm>
+            <a:off x="198120" y="2232566"/>
+            <a:ext cx="11795760" cy="3878322"/>
+          </a:xfrm>
+        </p:spPr>
+      </p:pic>
+      <p:cxnSp>
+        <p:nvCxnSpPr>
+          <p:cNvPr id="6" name="Gerade Verbindung mit Pfeil 5">
+            <a:extLst>
+              <a:ext uri="{FF2B5EF4-FFF2-40B4-BE49-F238E27FC236}">
+                <a16:creationId xmlns:a16="http://schemas.microsoft.com/office/drawing/2014/main" id="{15BD6A88-D395-4666-A6AC-955ABA807E51}"/>
+              </a:ext>
+            </a:extLst>
+          </p:cNvPr>
+          <p:cNvCxnSpPr>
+            <a:cxnSpLocks/>
+          </p:cNvCxnSpPr>
+          <p:nvPr/>
+        </p:nvCxnSpPr>
+        <p:spPr>
+          <a:xfrm flipH="1">
+            <a:off x="4685122" y="2149813"/>
+            <a:ext cx="791550" cy="788969"/>
+          </a:xfrm>
+          <a:prstGeom prst="straightConnector1">
+            <a:avLst/>
+          </a:prstGeom>
+          <a:ln w="38100">
+            <a:solidFill>
+              <a:srgbClr val="C00000"/>
+            </a:solidFill>
+            <a:tailEnd type="triangle"/>
+          </a:ln>
+        </p:spPr>
+        <p:style>
+          <a:lnRef idx="1">
+            <a:schemeClr val="accent1"/>
+          </a:lnRef>
+          <a:fillRef idx="0">
+            <a:schemeClr val="accent1"/>
+          </a:fillRef>
+          <a:effectRef idx="0">
+            <a:schemeClr val="accent1"/>
+          </a:effectRef>
+          <a:fontRef idx="minor">
+            <a:schemeClr val="tx1"/>
+          </a:fontRef>
+        </p:style>
+      </p:cxnSp>
+      <p:sp>
+        <p:nvSpPr>
+          <p:cNvPr id="9" name="Textfeld 8">
+            <a:extLst>
+              <a:ext uri="{FF2B5EF4-FFF2-40B4-BE49-F238E27FC236}">
+                <a16:creationId xmlns:a16="http://schemas.microsoft.com/office/drawing/2014/main" id="{BB371706-9703-4D30-805A-43973485E2D3}"/>
+              </a:ext>
+            </a:extLst>
+          </p:cNvPr>
+          <p:cNvSpPr txBox="1"/>
+          <p:nvPr/>
+        </p:nvSpPr>
+        <p:spPr>
+          <a:xfrm>
+            <a:off x="4607833" y="1360192"/>
+            <a:ext cx="2273379" cy="830997"/>
+          </a:xfrm>
+          <a:prstGeom prst="rect">
+            <a:avLst/>
+          </a:prstGeom>
+          <a:noFill/>
+        </p:spPr>
+        <p:txBody>
+          <a:bodyPr wrap="none" rtlCol="0">
+            <a:spAutoFit/>
+          </a:bodyPr>
+          <a:lstStyle/>
+          <a:p>
+            <a:r>
+              <a:rPr lang="de-DE">
+                <a:solidFill>
+                  <a:srgbClr val="C00000"/>
+                </a:solidFill>
+              </a:rPr>
+              <a:t>	</a:t>
+            </a:r>
+            <a:r>
+              <a:rPr lang="de-DE" b="1">
+                <a:solidFill>
+                  <a:srgbClr val="C00000"/>
+                </a:solidFill>
+              </a:rPr>
+              <a:t>Small</a:t>
+            </a:r>
+          </a:p>
+          <a:p>
+            <a:r>
+              <a:rPr lang="de-DE">
+                <a:solidFill>
+                  <a:srgbClr val="C00000"/>
+                </a:solidFill>
+              </a:rPr>
+              <a:t>only K samples</a:t>
+            </a:r>
+          </a:p>
+        </p:txBody>
+      </p:sp>
+      <p:cxnSp>
+        <p:nvCxnSpPr>
+          <p:cNvPr id="14" name="Gerade Verbindung mit Pfeil 13">
+            <a:extLst>
+              <a:ext uri="{FF2B5EF4-FFF2-40B4-BE49-F238E27FC236}">
+                <a16:creationId xmlns:a16="http://schemas.microsoft.com/office/drawing/2014/main" id="{2173F489-775C-4570-9956-7488A1DDAB76}"/>
+              </a:ext>
+            </a:extLst>
+          </p:cNvPr>
+          <p:cNvCxnSpPr>
+            <a:cxnSpLocks/>
+          </p:cNvCxnSpPr>
+          <p:nvPr/>
+        </p:nvCxnSpPr>
+        <p:spPr>
+          <a:xfrm flipV="1">
+            <a:off x="3016577" y="3553905"/>
+            <a:ext cx="245098" cy="697584"/>
+          </a:xfrm>
+          <a:prstGeom prst="straightConnector1">
+            <a:avLst/>
+          </a:prstGeom>
+          <a:ln w="38100">
+            <a:solidFill>
+              <a:srgbClr val="C00000"/>
+            </a:solidFill>
+            <a:tailEnd type="triangle"/>
+          </a:ln>
+        </p:spPr>
+        <p:style>
+          <a:lnRef idx="1">
+            <a:schemeClr val="accent1"/>
+          </a:lnRef>
+          <a:fillRef idx="0">
+            <a:schemeClr val="accent1"/>
+          </a:fillRef>
+          <a:effectRef idx="0">
+            <a:schemeClr val="accent1"/>
+          </a:effectRef>
+          <a:fontRef idx="minor">
+            <a:schemeClr val="tx1"/>
+          </a:fontRef>
+        </p:style>
+      </p:cxnSp>
+      <p:sp>
+        <p:nvSpPr>
+          <p:cNvPr id="19" name="Textfeld 18">
+            <a:extLst>
+              <a:ext uri="{FF2B5EF4-FFF2-40B4-BE49-F238E27FC236}">
+                <a16:creationId xmlns:a16="http://schemas.microsoft.com/office/drawing/2014/main" id="{DC59C58A-CBDF-47C7-9281-3B68A31A642E}"/>
+              </a:ext>
+            </a:extLst>
+          </p:cNvPr>
+          <p:cNvSpPr txBox="1"/>
+          <p:nvPr/>
+        </p:nvSpPr>
+        <p:spPr>
+          <a:xfrm>
+            <a:off x="1653644" y="3969460"/>
+            <a:ext cx="2092239" cy="830997"/>
+          </a:xfrm>
+          <a:prstGeom prst="rect">
+            <a:avLst/>
+          </a:prstGeom>
+          <a:noFill/>
+        </p:spPr>
+        <p:txBody>
+          <a:bodyPr wrap="none" rtlCol="0">
+            <a:spAutoFit/>
+          </a:bodyPr>
+          <a:lstStyle/>
+          <a:p>
+            <a:r>
+              <a:rPr lang="de-DE">
+                <a:solidFill>
+                  <a:srgbClr val="C00000"/>
+                </a:solidFill>
+              </a:rPr>
+              <a:t>	</a:t>
+            </a:r>
+            <a:r>
+              <a:rPr lang="de-DE" b="1">
+                <a:solidFill>
+                  <a:srgbClr val="C00000"/>
+                </a:solidFill>
+              </a:rPr>
+              <a:t>Fast</a:t>
+            </a:r>
+          </a:p>
+          <a:p>
+            <a:r>
+              <a:rPr lang="de-DE">
+                <a:solidFill>
+                  <a:srgbClr val="C00000"/>
+                </a:solidFill>
+              </a:rPr>
+              <a:t>only ~5 steps </a:t>
+            </a:r>
           </a:p>
         </p:txBody>
       </p:sp>
     </p:spTree>
     <p:extLst>
       <p:ext uri="{BB962C8B-B14F-4D97-AF65-F5344CB8AC3E}">
-        <p14:creationId xmlns:p14="http://schemas.microsoft.com/office/powerpoint/2010/main" val="2756940038"/>
+        <p14:creationId xmlns:p14="http://schemas.microsoft.com/office/powerpoint/2010/main" val="4224528625"/>
       </p:ext>
     </p:extLst>
   </p:cSld>
   <p:clrMapOvr>
     <a:masterClrMapping/>
   </p:clrMapOvr>
+  <p:timing>
+    <p:tnLst>
+      <p:par>
+        <p:cTn id="1" dur="indefinite" restart="never" nodeType="tmRoot">
+          <p:childTnLst>
+            <p:seq concurrent="1" nextAc="seek">
+              <p:cTn id="2" dur="indefinite" nodeType="mainSeq">
+                <p:childTnLst>
+                  <p:par>
+                    <p:cTn id="3" fill="hold">
+                      <p:stCondLst>
+                        <p:cond delay="indefinite"/>
+                      </p:stCondLst>
+                      <p:childTnLst>
+                        <p:par>
+                          <p:cTn id="4" fill="hold">
+                            <p:stCondLst>
+                              <p:cond delay="0"/>
+                            </p:stCondLst>
+                            <p:childTnLst>
+                              <p:par>
+                                <p:cTn id="5" presetID="1" presetClass="entr" presetSubtype="0" fill="hold" grpId="0" nodeType="clickEffect">
+                                  <p:stCondLst>
+                                    <p:cond delay="0"/>
+                                  </p:stCondLst>
+                                  <p:childTnLst>
+                                    <p:set>
+                                      <p:cBhvr>
+                                        <p:cTn id="6" dur="1" fill="hold">
+                                          <p:stCondLst>
+                                            <p:cond delay="0"/>
+                                          </p:stCondLst>
+                                        </p:cTn>
+                                        <p:tgtEl>
+                                          <p:spTgt spid="19"/>
+                                        </p:tgtEl>
+                                        <p:attrNameLst>
+                                          <p:attrName>style.visibility</p:attrName>
+                                        </p:attrNameLst>
+                                      </p:cBhvr>
+                                      <p:to>
+                                        <p:strVal val="visible"/>
+                                      </p:to>
+                                    </p:set>
+                                  </p:childTnLst>
+                                </p:cTn>
+                              </p:par>
+                              <p:par>
+                                <p:cTn id="7" presetID="1" presetClass="entr" presetSubtype="0" fill="hold" nodeType="withEffect">
+                                  <p:stCondLst>
+                                    <p:cond delay="0"/>
+                                  </p:stCondLst>
+                                  <p:childTnLst>
+                                    <p:set>
+                                      <p:cBhvr>
+                                        <p:cTn id="8" dur="1" fill="hold">
+                                          <p:stCondLst>
+                                            <p:cond delay="0"/>
+                                          </p:stCondLst>
+                                        </p:cTn>
+                                        <p:tgtEl>
+                                          <p:spTgt spid="14"/>
+                                        </p:tgtEl>
+                                        <p:attrNameLst>
+                                          <p:attrName>style.visibility</p:attrName>
+                                        </p:attrNameLst>
+                                      </p:cBhvr>
+                                      <p:to>
+                                        <p:strVal val="visible"/>
+                                      </p:to>
+                                    </p:set>
+                                  </p:childTnLst>
+                                </p:cTn>
+                              </p:par>
+                              <p:par>
+                                <p:cTn id="9" presetID="1" presetClass="entr" presetSubtype="0" fill="hold" nodeType="withEffect">
+                                  <p:stCondLst>
+                                    <p:cond delay="0"/>
+                                  </p:stCondLst>
+                                  <p:childTnLst>
+                                    <p:set>
+                                      <p:cBhvr>
+                                        <p:cTn id="10" dur="1" fill="hold">
+                                          <p:stCondLst>
+                                            <p:cond delay="0"/>
+                                          </p:stCondLst>
+                                        </p:cTn>
+                                        <p:tgtEl>
+                                          <p:spTgt spid="6"/>
+                                        </p:tgtEl>
+                                        <p:attrNameLst>
+                                          <p:attrName>style.visibility</p:attrName>
+                                        </p:attrNameLst>
+                                      </p:cBhvr>
+                                      <p:to>
+                                        <p:strVal val="visible"/>
+                                      </p:to>
+                                    </p:set>
+                                  </p:childTnLst>
+                                </p:cTn>
+                              </p:par>
+                              <p:par>
+                                <p:cTn id="11" presetID="1" presetClass="entr" presetSubtype="0" fill="hold" grpId="0" nodeType="withEffect">
+                                  <p:stCondLst>
+                                    <p:cond delay="0"/>
+                                  </p:stCondLst>
+                                  <p:childTnLst>
+                                    <p:set>
+                                      <p:cBhvr>
+                                        <p:cTn id="12" dur="1" fill="hold">
+                                          <p:stCondLst>
+                                            <p:cond delay="0"/>
+                                          </p:stCondLst>
+                                        </p:cTn>
+                                        <p:tgtEl>
+                                          <p:spTgt spid="9"/>
+                                        </p:tgtEl>
+                                        <p:attrNameLst>
+                                          <p:attrName>style.visibility</p:attrName>
+                                        </p:attrNameLst>
+                                      </p:cBhvr>
+                                      <p:to>
+                                        <p:strVal val="visible"/>
+                                      </p:to>
+                                    </p:set>
+                                  </p:childTnLst>
+                                </p:cTn>
+                              </p:par>
+                            </p:childTnLst>
+                          </p:cTn>
+                        </p:par>
+                      </p:childTnLst>
+                    </p:cTn>
+                  </p:par>
+                </p:childTnLst>
+              </p:cTn>
+              <p:prevCondLst>
+                <p:cond evt="onPrev" delay="0">
+                  <p:tgtEl>
+                    <p:sldTgt/>
+                  </p:tgtEl>
+                </p:cond>
+              </p:prevCondLst>
+              <p:nextCondLst>
+                <p:cond evt="onNext" delay="0">
+                  <p:tgtEl>
+                    <p:sldTgt/>
+                  </p:tgtEl>
+                </p:cond>
+              </p:nextCondLst>
+            </p:seq>
+          </p:childTnLst>
+        </p:cTn>
+      </p:par>
+    </p:tnLst>
+    <p:bldLst>
+      <p:bldP spid="9" grpId="0"/>
+      <p:bldP spid="19" grpId="0"/>
+    </p:bldLst>
+  </p:timing>
 </p:sld>
 </file>
 
@@ -16930,6 +19315,320 @@
       </p:grpSpPr>
       <p:sp>
         <p:nvSpPr>
+          <p:cNvPr id="3" name="Datumsplatzhalter 2">
+            <a:extLst>
+              <a:ext uri="{FF2B5EF4-FFF2-40B4-BE49-F238E27FC236}">
+                <a16:creationId xmlns:a16="http://schemas.microsoft.com/office/drawing/2014/main" id="{1C487C66-2BB2-4BCD-9E6C-87C9EE15C2C0}"/>
+              </a:ext>
+            </a:extLst>
+          </p:cNvPr>
+          <p:cNvSpPr>
+            <a:spLocks noGrp="1"/>
+          </p:cNvSpPr>
+          <p:nvPr>
+            <p:ph type="dt" sz="half" idx="10"/>
+          </p:nvPr>
+        </p:nvSpPr>
+        <p:spPr/>
+        <p:txBody>
+          <a:bodyPr/>
+          <a:lstStyle/>
+          <a:p>
+            <a:fld id="{972A1FD8-603F-438E-AC40-DD7043440C8D}" type="datetime4">
+              <a:rPr lang="en-US" noProof="0" smtClean="0"/>
+              <a:t>December 1, 2021</a:t>
+            </a:fld>
+            <a:endParaRPr lang="en-US" noProof="0"/>
+          </a:p>
+        </p:txBody>
+      </p:sp>
+      <p:sp>
+        <p:nvSpPr>
+          <p:cNvPr id="4" name="Foliennummernplatzhalter 3">
+            <a:extLst>
+              <a:ext uri="{FF2B5EF4-FFF2-40B4-BE49-F238E27FC236}">
+                <a16:creationId xmlns:a16="http://schemas.microsoft.com/office/drawing/2014/main" id="{0BB34F75-81C8-4522-A8F5-627DA741E121}"/>
+              </a:ext>
+            </a:extLst>
+          </p:cNvPr>
+          <p:cNvSpPr>
+            <a:spLocks noGrp="1"/>
+          </p:cNvSpPr>
+          <p:nvPr>
+            <p:ph type="sldNum" sz="quarter" idx="12"/>
+          </p:nvPr>
+        </p:nvSpPr>
+        <p:spPr/>
+        <p:txBody>
+          <a:bodyPr/>
+          <a:lstStyle/>
+          <a:p>
+            <a:fld id="{61696EC4-B4CF-4701-AD06-A8439D6D8E12}" type="slidenum">
+              <a:rPr lang="en-US" noProof="0" smtClean="0"/>
+              <a:t>4</a:t>
+            </a:fld>
+            <a:endParaRPr lang="en-US" noProof="0"/>
+          </a:p>
+        </p:txBody>
+      </p:sp>
+      <p:pic>
+        <p:nvPicPr>
+          <p:cNvPr id="9" name="Grafik 8" descr="Ein Bild, das Text enthält.&#10;&#10;Automatisch generierte Beschreibung">
+            <a:extLst>
+              <a:ext uri="{FF2B5EF4-FFF2-40B4-BE49-F238E27FC236}">
+                <a16:creationId xmlns:a16="http://schemas.microsoft.com/office/drawing/2014/main" id="{CE719B0C-92A3-4F94-8F35-073FAF22B27C}"/>
+              </a:ext>
+            </a:extLst>
+          </p:cNvPr>
+          <p:cNvPicPr>
+            <a:picLocks noChangeAspect="1"/>
+          </p:cNvPicPr>
+          <p:nvPr/>
+        </p:nvPicPr>
+        <p:blipFill rotWithShape="1">
+          <a:blip r:embed="rId2">
+            <a:extLst>
+              <a:ext uri="{28A0092B-C50C-407E-A947-70E740481C1C}">
+                <a14:useLocalDpi xmlns:a14="http://schemas.microsoft.com/office/drawing/2010/main" val="0"/>
+              </a:ext>
+            </a:extLst>
+          </a:blip>
+          <a:srcRect r="7346" b="3069"/>
+          <a:stretch/>
+        </p:blipFill>
+        <p:spPr>
+          <a:xfrm>
+            <a:off x="723157" y="412691"/>
+            <a:ext cx="9393329" cy="5632436"/>
+          </a:xfrm>
+          <a:prstGeom prst="rect">
+            <a:avLst/>
+          </a:prstGeom>
+        </p:spPr>
+      </p:pic>
+      <p:cxnSp>
+        <p:nvCxnSpPr>
+          <p:cNvPr id="17" name="Gerade Verbindung mit Pfeil 16">
+            <a:extLst>
+              <a:ext uri="{FF2B5EF4-FFF2-40B4-BE49-F238E27FC236}">
+                <a16:creationId xmlns:a16="http://schemas.microsoft.com/office/drawing/2014/main" id="{C7C1A177-CA85-4837-B71A-0C29E4C2B03B}"/>
+              </a:ext>
+            </a:extLst>
+          </p:cNvPr>
+          <p:cNvCxnSpPr>
+            <a:cxnSpLocks/>
+          </p:cNvCxnSpPr>
+          <p:nvPr/>
+        </p:nvCxnSpPr>
+        <p:spPr>
+          <a:xfrm flipH="1">
+            <a:off x="7616859" y="4789850"/>
+            <a:ext cx="273376" cy="364110"/>
+          </a:xfrm>
+          <a:prstGeom prst="straightConnector1">
+            <a:avLst/>
+          </a:prstGeom>
+          <a:ln w="38100">
+            <a:solidFill>
+              <a:srgbClr val="C00000"/>
+            </a:solidFill>
+            <a:tailEnd type="triangle"/>
+          </a:ln>
+        </p:spPr>
+        <p:style>
+          <a:lnRef idx="1">
+            <a:schemeClr val="accent1"/>
+          </a:lnRef>
+          <a:fillRef idx="0">
+            <a:schemeClr val="accent1"/>
+          </a:fillRef>
+          <a:effectRef idx="0">
+            <a:schemeClr val="accent1"/>
+          </a:effectRef>
+          <a:fontRef idx="minor">
+            <a:schemeClr val="tx1"/>
+          </a:fontRef>
+        </p:style>
+      </p:cxnSp>
+      <p:sp>
+        <p:nvSpPr>
+          <p:cNvPr id="19" name="Textfeld 18">
+            <a:extLst>
+              <a:ext uri="{FF2B5EF4-FFF2-40B4-BE49-F238E27FC236}">
+                <a16:creationId xmlns:a16="http://schemas.microsoft.com/office/drawing/2014/main" id="{EF31CA9E-0DBF-4530-BF8D-3ACFACD919F8}"/>
+              </a:ext>
+            </a:extLst>
+          </p:cNvPr>
+          <p:cNvSpPr txBox="1"/>
+          <p:nvPr/>
+        </p:nvSpPr>
+        <p:spPr>
+          <a:xfrm>
+            <a:off x="7736153" y="4328185"/>
+            <a:ext cx="1366080" cy="461665"/>
+          </a:xfrm>
+          <a:prstGeom prst="rect">
+            <a:avLst/>
+          </a:prstGeom>
+          <a:noFill/>
+        </p:spPr>
+        <p:txBody>
+          <a:bodyPr wrap="none" rtlCol="0">
+            <a:spAutoFit/>
+          </a:bodyPr>
+          <a:lstStyle/>
+          <a:p>
+            <a:r>
+              <a:rPr lang="de-DE" b="1">
+                <a:solidFill>
+                  <a:srgbClr val="C00000"/>
+                </a:solidFill>
+              </a:rPr>
+              <a:t>Hessian</a:t>
+            </a:r>
+          </a:p>
+        </p:txBody>
+      </p:sp>
+    </p:spTree>
+    <p:extLst>
+      <p:ext uri="{BB962C8B-B14F-4D97-AF65-F5344CB8AC3E}">
+        <p14:creationId xmlns:p14="http://schemas.microsoft.com/office/powerpoint/2010/main" val="56981624"/>
+      </p:ext>
+    </p:extLst>
+  </p:cSld>
+  <p:clrMapOvr>
+    <a:masterClrMapping/>
+  </p:clrMapOvr>
+  <p:timing>
+    <p:tnLst>
+      <p:par>
+        <p:cTn id="1" dur="indefinite" restart="never" nodeType="tmRoot">
+          <p:childTnLst>
+            <p:seq concurrent="1" nextAc="seek">
+              <p:cTn id="2" dur="indefinite" nodeType="mainSeq">
+                <p:childTnLst>
+                  <p:par>
+                    <p:cTn id="3" fill="hold">
+                      <p:stCondLst>
+                        <p:cond delay="indefinite"/>
+                        <p:cond evt="onBegin" delay="0">
+                          <p:tn val="2"/>
+                        </p:cond>
+                      </p:stCondLst>
+                      <p:childTnLst>
+                        <p:par>
+                          <p:cTn id="4" fill="hold">
+                            <p:stCondLst>
+                              <p:cond delay="0"/>
+                            </p:stCondLst>
+                            <p:childTnLst>
+                              <p:par>
+                                <p:cTn id="5" presetID="1" presetClass="entr" presetSubtype="0" fill="hold" nodeType="withEffect">
+                                  <p:stCondLst>
+                                    <p:cond delay="0"/>
+                                  </p:stCondLst>
+                                  <p:childTnLst>
+                                    <p:set>
+                                      <p:cBhvr>
+                                        <p:cTn id="6" dur="1" fill="hold">
+                                          <p:stCondLst>
+                                            <p:cond delay="0"/>
+                                          </p:stCondLst>
+                                        </p:cTn>
+                                        <p:tgtEl>
+                                          <p:spTgt spid="17"/>
+                                        </p:tgtEl>
+                                        <p:attrNameLst>
+                                          <p:attrName>style.visibility</p:attrName>
+                                        </p:attrNameLst>
+                                      </p:cBhvr>
+                                      <p:to>
+                                        <p:strVal val="visible"/>
+                                      </p:to>
+                                    </p:set>
+                                  </p:childTnLst>
+                                </p:cTn>
+                              </p:par>
+                              <p:par>
+                                <p:cTn id="7" presetID="1" presetClass="entr" presetSubtype="0" fill="hold" grpId="0" nodeType="withEffect">
+                                  <p:stCondLst>
+                                    <p:cond delay="0"/>
+                                  </p:stCondLst>
+                                  <p:childTnLst>
+                                    <p:set>
+                                      <p:cBhvr>
+                                        <p:cTn id="8" dur="1" fill="hold">
+                                          <p:stCondLst>
+                                            <p:cond delay="0"/>
+                                          </p:stCondLst>
+                                        </p:cTn>
+                                        <p:tgtEl>
+                                          <p:spTgt spid="19"/>
+                                        </p:tgtEl>
+                                        <p:attrNameLst>
+                                          <p:attrName>style.visibility</p:attrName>
+                                        </p:attrNameLst>
+                                      </p:cBhvr>
+                                      <p:to>
+                                        <p:strVal val="visible"/>
+                                      </p:to>
+                                    </p:set>
+                                  </p:childTnLst>
+                                </p:cTn>
+                              </p:par>
+                            </p:childTnLst>
+                          </p:cTn>
+                        </p:par>
+                      </p:childTnLst>
+                    </p:cTn>
+                  </p:par>
+                </p:childTnLst>
+              </p:cTn>
+              <p:prevCondLst>
+                <p:cond evt="onPrev" delay="0">
+                  <p:tgtEl>
+                    <p:sldTgt/>
+                  </p:tgtEl>
+                </p:cond>
+              </p:prevCondLst>
+              <p:nextCondLst>
+                <p:cond evt="onNext" delay="0">
+                  <p:tgtEl>
+                    <p:sldTgt/>
+                  </p:tgtEl>
+                </p:cond>
+              </p:nextCondLst>
+            </p:seq>
+          </p:childTnLst>
+        </p:cTn>
+      </p:par>
+    </p:tnLst>
+    <p:bldLst>
+      <p:bldP spid="19" grpId="0"/>
+    </p:bldLst>
+  </p:timing>
+</p:sld>
+</file>
+
+<file path=ppt/slides/slide5.xml><?xml version="1.0" encoding="utf-8"?>
+<p:sld xmlns:a="http://schemas.openxmlformats.org/drawingml/2006/main" xmlns:r="http://schemas.openxmlformats.org/officeDocument/2006/relationships" xmlns:p="http://schemas.openxmlformats.org/presentationml/2006/main">
+  <p:cSld>
+    <p:spTree>
+      <p:nvGrpSpPr>
+        <p:cNvPr id="1" name=""/>
+        <p:cNvGrpSpPr/>
+        <p:nvPr/>
+      </p:nvGrpSpPr>
+      <p:grpSpPr>
+        <a:xfrm>
+          <a:off x="0" y="0"/>
+          <a:ext cx="0" cy="0"/>
+          <a:chOff x="0" y="0"/>
+          <a:chExt cx="0" cy="0"/>
+        </a:xfrm>
+      </p:grpSpPr>
+      <p:sp>
+        <p:nvSpPr>
           <p:cNvPr id="2" name="Inhaltsplatzhalter 1">
             <a:extLst>
               <a:ext uri="{FF2B5EF4-FFF2-40B4-BE49-F238E27FC236}">
@@ -16946,9 +19645,12 @@
         </p:nvSpPr>
         <p:spPr/>
         <p:txBody>
-          <a:bodyPr/>
+          <a:bodyPr vert="horz" lIns="0" tIns="0" rIns="0" bIns="0" rtlCol="0" anchor="t">
+            <a:normAutofit/>
+          </a:bodyPr>
           <a:lstStyle/>
           <a:p>
+            <a:pPr marL="271145" indent="-271145"/>
             <a:r>
               <a:rPr lang="de-DE" err="1"/>
               <a:t>No</a:t>
@@ -16981,9 +19683,12 @@
               <a:rPr lang="de-DE" b="1" err="1"/>
               <a:t>architecture</a:t>
             </a:r>
-            <a:endParaRPr lang="de-DE" b="1"/>
-          </a:p>
-          <a:p>
+            <a:endParaRPr lang="de-DE" b="1">
+              <a:cs typeface="Arial"/>
+            </a:endParaRPr>
+          </a:p>
+          <a:p>
+            <a:pPr marL="271145" indent="-271145"/>
             <a:r>
               <a:rPr lang="de-DE" err="1"/>
               <a:t>Does</a:t>
@@ -17030,10 +19735,18 @@
             </a:r>
             <a:r>
               <a:rPr lang="de-DE" b="1"/>
-              <a:t> parameters</a:t>
-            </a:r>
-          </a:p>
-          <a:p>
+              <a:t> </a:t>
+            </a:r>
+            <a:r>
+              <a:rPr lang="de-DE" b="1" err="1"/>
+              <a:t>parameters</a:t>
+            </a:r>
+            <a:endParaRPr lang="de-DE" b="1" err="1">
+              <a:cs typeface="Arial"/>
+            </a:endParaRPr>
+          </a:p>
+          <a:p>
+            <a:pPr marL="271145" indent="-271145"/>
             <a:r>
               <a:rPr lang="de-DE"/>
               <a:t>Can </a:t>
@@ -17063,8 +19776,8 @@
               <a:t> </a:t>
             </a:r>
             <a:r>
-              <a:rPr lang="de-DE" b="1" err="1"/>
-              <a:t>Supervised</a:t>
+              <a:rPr lang="de-DE" b="1"/>
+              <a:t>supervised</a:t>
             </a:r>
             <a:r>
               <a:rPr lang="de-DE"/>
@@ -17072,8 +19785,44 @@
             </a:r>
             <a:r>
               <a:rPr lang="de-DE" b="1"/>
-              <a:t>Reinforcement Learning</a:t>
-            </a:r>
+              <a:t>reinforcement learning</a:t>
+            </a:r>
+            <a:endParaRPr lang="de-DE" b="1">
+              <a:cs typeface="Arial"/>
+            </a:endParaRPr>
+          </a:p>
+          <a:p>
+            <a:pPr marL="271145" indent="-271145"/>
+            <a:r>
+              <a:rPr lang="de-DE" b="1" err="1">
+                <a:cs typeface="Arial"/>
+              </a:rPr>
+              <a:t>Good</a:t>
+            </a:r>
+            <a:r>
+              <a:rPr lang="de-DE" b="1">
+                <a:cs typeface="Arial"/>
+              </a:rPr>
+              <a:t> results:</a:t>
+            </a:r>
+          </a:p>
+          <a:p>
+            <a:pPr marL="271145" indent="-271145"/>
+            <a:r>
+              <a:rPr lang="de-DE" b="1">
+                <a:cs typeface="Arial"/>
+              </a:rPr>
+              <a:t>BUT: </a:t>
+            </a:r>
+            <a:r>
+              <a:rPr lang="de-DE">
+                <a:cs typeface="Arial"/>
+              </a:rPr>
+              <a:t>we want an uncertainty measure</a:t>
+            </a:r>
+            <a:endParaRPr lang="de-DE" b="1">
+              <a:cs typeface="Arial"/>
+            </a:endParaRPr>
           </a:p>
         </p:txBody>
       </p:sp>
@@ -17100,7 +19849,7 @@
           <a:p>
             <a:fld id="{972A1FD8-603F-438E-AC40-DD7043440C8D}" type="datetime4">
               <a:rPr lang="en-US" noProof="0" smtClean="0"/>
-              <a:t>October 30, 2021</a:t>
+              <a:t>December 1, 2021</a:t>
             </a:fld>
             <a:endParaRPr lang="en-US" noProof="0"/>
           </a:p>
@@ -17129,7 +19878,7 @@
           <a:p>
             <a:fld id="{61696EC4-B4CF-4701-AD06-A8439D6D8E12}" type="slidenum">
               <a:rPr lang="en-US" noProof="0" smtClean="0"/>
-              <a:t>4</a:t>
+              <a:t>5</a:t>
             </a:fld>
             <a:endParaRPr lang="en-US" noProof="0"/>
           </a:p>
@@ -17160,6 +19909,135 @@
               <a:rPr lang="de-DE"/>
               <a:t>Advantages</a:t>
             </a:r>
+          </a:p>
+        </p:txBody>
+      </p:sp>
+      <p:pic>
+        <p:nvPicPr>
+          <p:cNvPr id="6" name="Grafik 6">
+            <a:extLst>
+              <a:ext uri="{FF2B5EF4-FFF2-40B4-BE49-F238E27FC236}">
+                <a16:creationId xmlns:a16="http://schemas.microsoft.com/office/drawing/2014/main" id="{FE26969A-C89E-49F2-97ED-FD53AC5FB4B6}"/>
+              </a:ext>
+            </a:extLst>
+          </p:cNvPr>
+          <p:cNvPicPr>
+            <a:picLocks noChangeAspect="1"/>
+          </p:cNvPicPr>
+          <p:nvPr/>
+        </p:nvPicPr>
+        <p:blipFill>
+          <a:blip r:embed="rId2"/>
+          <a:stretch>
+            <a:fillRect/>
+          </a:stretch>
+        </p:blipFill>
+        <p:spPr>
+          <a:xfrm>
+            <a:off x="434623" y="3614271"/>
+            <a:ext cx="11313347" cy="2131829"/>
+          </a:xfrm>
+          <a:prstGeom prst="rect">
+            <a:avLst/>
+          </a:prstGeom>
+        </p:spPr>
+      </p:pic>
+      <p:sp>
+        <p:nvSpPr>
+          <p:cNvPr id="7" name="Textfeld 6">
+            <a:extLst>
+              <a:ext uri="{FF2B5EF4-FFF2-40B4-BE49-F238E27FC236}">
+                <a16:creationId xmlns:a16="http://schemas.microsoft.com/office/drawing/2014/main" id="{CDC28075-9814-4F7F-9731-2075117CD368}"/>
+              </a:ext>
+            </a:extLst>
+          </p:cNvPr>
+          <p:cNvSpPr txBox="1"/>
+          <p:nvPr/>
+        </p:nvSpPr>
+        <p:spPr>
+          <a:xfrm>
+            <a:off x="2400770" y="5853289"/>
+            <a:ext cx="7381051" cy="215444"/>
+          </a:xfrm>
+          <a:prstGeom prst="rect">
+            <a:avLst/>
+          </a:prstGeom>
+          <a:noFill/>
+        </p:spPr>
+        <p:txBody>
+          <a:bodyPr rot="0" spcFirstLastPara="0" vertOverflow="overflow" horzOverflow="overflow" vert="horz" wrap="square" lIns="91440" tIns="45720" rIns="91440" bIns="45720" numCol="1" spcCol="0" rtlCol="0" fromWordArt="0" anchor="t" anchorCtr="0" forceAA="0" compatLnSpc="1">
+            <a:prstTxWarp prst="textNoShape">
+              <a:avLst/>
+            </a:prstTxWarp>
+            <a:spAutoFit/>
+          </a:bodyPr>
+          <a:lstStyle/>
+          <a:p>
+            <a:pPr algn="ctr"/>
+            <a:r>
+              <a:rPr lang="de-DE" sz="800">
+                <a:ea typeface="+mn-lt"/>
+                <a:cs typeface="+mn-lt"/>
+              </a:rPr>
+              <a:t>Model-</a:t>
+            </a:r>
+            <a:r>
+              <a:rPr lang="de-DE" sz="800" err="1">
+                <a:ea typeface="+mn-lt"/>
+                <a:cs typeface="+mn-lt"/>
+              </a:rPr>
+              <a:t>Agnostic</a:t>
+            </a:r>
+            <a:r>
+              <a:rPr lang="de-DE" sz="800">
+                <a:ea typeface="+mn-lt"/>
+                <a:cs typeface="+mn-lt"/>
+              </a:rPr>
+              <a:t> Meta-Learning </a:t>
+            </a:r>
+            <a:r>
+              <a:rPr lang="de-DE" sz="800" err="1">
+                <a:ea typeface="+mn-lt"/>
+                <a:cs typeface="+mn-lt"/>
+              </a:rPr>
+              <a:t>for</a:t>
+            </a:r>
+            <a:r>
+              <a:rPr lang="de-DE" sz="800">
+                <a:ea typeface="+mn-lt"/>
+                <a:cs typeface="+mn-lt"/>
+              </a:rPr>
+              <a:t> Fast Adaptation </a:t>
+            </a:r>
+            <a:r>
+              <a:rPr lang="de-DE" sz="800" err="1">
+                <a:ea typeface="+mn-lt"/>
+                <a:cs typeface="+mn-lt"/>
+              </a:rPr>
+              <a:t>of</a:t>
+            </a:r>
+            <a:r>
+              <a:rPr lang="de-DE" sz="800">
+                <a:ea typeface="+mn-lt"/>
+                <a:cs typeface="+mn-lt"/>
+              </a:rPr>
+              <a:t> Deep Networks, Chelsea Finn and Pieter </a:t>
+            </a:r>
+            <a:r>
+              <a:rPr lang="de-DE" sz="800" err="1">
+                <a:ea typeface="+mn-lt"/>
+                <a:cs typeface="+mn-lt"/>
+              </a:rPr>
+              <a:t>Abbeel</a:t>
+            </a:r>
+            <a:r>
+              <a:rPr lang="de-DE" sz="800">
+                <a:ea typeface="+mn-lt"/>
+                <a:cs typeface="+mn-lt"/>
+              </a:rPr>
+              <a:t> and Sergey Levine, 2017</a:t>
+            </a:r>
+            <a:endParaRPr lang="de-DE" sz="800"/>
           </a:p>
         </p:txBody>
       </p:sp>
@@ -17173,6 +20051,1531 @@
   <p:clrMapOvr>
     <a:masterClrMapping/>
   </p:clrMapOvr>
+</p:sld>
+</file>
+
+<file path=ppt/slides/slide6.xml><?xml version="1.0" encoding="utf-8"?>
+<p:sld xmlns:a="http://schemas.openxmlformats.org/drawingml/2006/main" xmlns:r="http://schemas.openxmlformats.org/officeDocument/2006/relationships" xmlns:p="http://schemas.openxmlformats.org/presentationml/2006/main">
+  <p:cSld>
+    <p:spTree>
+      <p:nvGrpSpPr>
+        <p:cNvPr id="1" name=""/>
+        <p:cNvGrpSpPr/>
+        <p:nvPr/>
+      </p:nvGrpSpPr>
+      <p:grpSpPr>
+        <a:xfrm>
+          <a:off x="0" y="0"/>
+          <a:ext cx="0" cy="0"/>
+          <a:chOff x="0" y="0"/>
+          <a:chExt cx="0" cy="0"/>
+        </a:xfrm>
+      </p:grpSpPr>
+      <p:sp>
+        <p:nvSpPr>
+          <p:cNvPr id="3" name="Date Placeholder 2">
+            <a:extLst>
+              <a:ext uri="{FF2B5EF4-FFF2-40B4-BE49-F238E27FC236}">
+                <a16:creationId xmlns:a16="http://schemas.microsoft.com/office/drawing/2014/main" id="{9F15D695-B0EA-42A8-B634-F574B01B5756}"/>
+              </a:ext>
+            </a:extLst>
+          </p:cNvPr>
+          <p:cNvSpPr>
+            <a:spLocks noGrp="1"/>
+          </p:cNvSpPr>
+          <p:nvPr>
+            <p:ph type="dt" sz="half" idx="10"/>
+          </p:nvPr>
+        </p:nvSpPr>
+        <p:spPr/>
+        <p:txBody>
+          <a:bodyPr/>
+          <a:lstStyle/>
+          <a:p>
+            <a:fld id="{972A1FD8-603F-438E-AC40-DD7043440C8D}" type="datetime4">
+              <a:rPr lang="en-US" noProof="0" smtClean="0"/>
+              <a:t>December 1, 2021</a:t>
+            </a:fld>
+            <a:endParaRPr lang="en-US" noProof="0"/>
+          </a:p>
+        </p:txBody>
+      </p:sp>
+      <p:sp>
+        <p:nvSpPr>
+          <p:cNvPr id="4" name="Slide Number Placeholder 3">
+            <a:extLst>
+              <a:ext uri="{FF2B5EF4-FFF2-40B4-BE49-F238E27FC236}">
+                <a16:creationId xmlns:a16="http://schemas.microsoft.com/office/drawing/2014/main" id="{02DE6442-3B0A-467A-AB31-23582043122D}"/>
+              </a:ext>
+            </a:extLst>
+          </p:cNvPr>
+          <p:cNvSpPr>
+            <a:spLocks noGrp="1"/>
+          </p:cNvSpPr>
+          <p:nvPr>
+            <p:ph type="sldNum" sz="quarter" idx="12"/>
+          </p:nvPr>
+        </p:nvSpPr>
+        <p:spPr/>
+        <p:txBody>
+          <a:bodyPr/>
+          <a:lstStyle/>
+          <a:p>
+            <a:fld id="{61696EC4-B4CF-4701-AD06-A8439D6D8E12}" type="slidenum">
+              <a:rPr lang="en-US" noProof="0" smtClean="0"/>
+              <a:t>6</a:t>
+            </a:fld>
+            <a:endParaRPr lang="en-US" noProof="0"/>
+          </a:p>
+        </p:txBody>
+      </p:sp>
+      <p:sp>
+        <p:nvSpPr>
+          <p:cNvPr id="5" name="Title 4">
+            <a:extLst>
+              <a:ext uri="{FF2B5EF4-FFF2-40B4-BE49-F238E27FC236}">
+                <a16:creationId xmlns:a16="http://schemas.microsoft.com/office/drawing/2014/main" id="{9C18FCCD-11EA-4AAC-8B05-DCC209433F05}"/>
+              </a:ext>
+            </a:extLst>
+          </p:cNvPr>
+          <p:cNvSpPr>
+            <a:spLocks noGrp="1"/>
+          </p:cNvSpPr>
+          <p:nvPr>
+            <p:ph type="title"/>
+          </p:nvPr>
+        </p:nvSpPr>
+        <p:spPr>
+          <a:xfrm>
+            <a:off x="528000" y="394871"/>
+            <a:ext cx="9403940" cy="767748"/>
+          </a:xfrm>
+        </p:spPr>
+        <p:txBody>
+          <a:bodyPr>
+            <a:normAutofit fontScale="90000"/>
+          </a:bodyPr>
+          <a:lstStyle/>
+          <a:p>
+            <a:r>
+              <a:rPr lang="en-GB" sz="3150">
+                <a:cs typeface="Arial"/>
+              </a:rPr>
+              <a:t>Lightweight Laplace Approximation for Meta-Adaption</a:t>
+            </a:r>
+            <a:endParaRPr lang="en-GB"/>
+          </a:p>
+        </p:txBody>
+      </p:sp>
+      <p:pic>
+        <p:nvPicPr>
+          <p:cNvPr id="7" name="Picture 7" descr="Graphical user interface&#10;&#10;Description automatically generated">
+            <a:extLst>
+              <a:ext uri="{FF2B5EF4-FFF2-40B4-BE49-F238E27FC236}">
+                <a16:creationId xmlns:a16="http://schemas.microsoft.com/office/drawing/2014/main" id="{F68F896B-0F45-4607-953A-7BD192C73E6A}"/>
+              </a:ext>
+            </a:extLst>
+          </p:cNvPr>
+          <p:cNvPicPr>
+            <a:picLocks noChangeAspect="1"/>
+          </p:cNvPicPr>
+          <p:nvPr/>
+        </p:nvPicPr>
+        <p:blipFill>
+          <a:blip r:embed="rId2"/>
+          <a:stretch>
+            <a:fillRect/>
+          </a:stretch>
+        </p:blipFill>
+        <p:spPr>
+          <a:xfrm>
+            <a:off x="1547611" y="1456227"/>
+            <a:ext cx="8495762" cy="4822964"/>
+          </a:xfrm>
+          <a:prstGeom prst="rect">
+            <a:avLst/>
+          </a:prstGeom>
+        </p:spPr>
+      </p:pic>
+    </p:spTree>
+    <p:extLst>
+      <p:ext uri="{BB962C8B-B14F-4D97-AF65-F5344CB8AC3E}">
+        <p14:creationId xmlns:p14="http://schemas.microsoft.com/office/powerpoint/2010/main" val="2983349944"/>
+      </p:ext>
+    </p:extLst>
+  </p:cSld>
+  <p:clrMapOvr>
+    <a:masterClrMapping/>
+  </p:clrMapOvr>
+</p:sld>
+</file>
+
+<file path=ppt/slides/slide7.xml><?xml version="1.0" encoding="utf-8"?>
+<p:sld xmlns:a="http://schemas.openxmlformats.org/drawingml/2006/main" xmlns:r="http://schemas.openxmlformats.org/officeDocument/2006/relationships" xmlns:p="http://schemas.openxmlformats.org/presentationml/2006/main">
+  <p:cSld>
+    <p:spTree>
+      <p:nvGrpSpPr>
+        <p:cNvPr id="1" name=""/>
+        <p:cNvGrpSpPr/>
+        <p:nvPr/>
+      </p:nvGrpSpPr>
+      <p:grpSpPr>
+        <a:xfrm>
+          <a:off x="0" y="0"/>
+          <a:ext cx="0" cy="0"/>
+          <a:chOff x="0" y="0"/>
+          <a:chExt cx="0" cy="0"/>
+        </a:xfrm>
+      </p:grpSpPr>
+      <p:sp>
+        <p:nvSpPr>
+          <p:cNvPr id="3" name="Datumsplatzhalter 2">
+            <a:extLst>
+              <a:ext uri="{FF2B5EF4-FFF2-40B4-BE49-F238E27FC236}">
+                <a16:creationId xmlns:a16="http://schemas.microsoft.com/office/drawing/2014/main" id="{D5DB4BB1-B358-4C02-85A2-E76F07B59559}"/>
+              </a:ext>
+            </a:extLst>
+          </p:cNvPr>
+          <p:cNvSpPr>
+            <a:spLocks noGrp="1"/>
+          </p:cNvSpPr>
+          <p:nvPr>
+            <p:ph type="dt" sz="half" idx="10"/>
+          </p:nvPr>
+        </p:nvSpPr>
+        <p:spPr/>
+        <p:txBody>
+          <a:bodyPr/>
+          <a:lstStyle/>
+          <a:p>
+            <a:fld id="{972A1FD8-603F-438E-AC40-DD7043440C8D}" type="datetime4">
+              <a:rPr lang="en-US" noProof="0" smtClean="0"/>
+              <a:t>December 1, 2021</a:t>
+            </a:fld>
+            <a:endParaRPr lang="en-US" noProof="0"/>
+          </a:p>
+        </p:txBody>
+      </p:sp>
+      <p:sp>
+        <p:nvSpPr>
+          <p:cNvPr id="4" name="Foliennummernplatzhalter 3">
+            <a:extLst>
+              <a:ext uri="{FF2B5EF4-FFF2-40B4-BE49-F238E27FC236}">
+                <a16:creationId xmlns:a16="http://schemas.microsoft.com/office/drawing/2014/main" id="{0E828AA4-3AA8-488F-9BC3-432BE557837E}"/>
+              </a:ext>
+            </a:extLst>
+          </p:cNvPr>
+          <p:cNvSpPr>
+            <a:spLocks noGrp="1"/>
+          </p:cNvSpPr>
+          <p:nvPr>
+            <p:ph type="sldNum" sz="quarter" idx="12"/>
+          </p:nvPr>
+        </p:nvSpPr>
+        <p:spPr/>
+        <p:txBody>
+          <a:bodyPr/>
+          <a:lstStyle/>
+          <a:p>
+            <a:fld id="{61696EC4-B4CF-4701-AD06-A8439D6D8E12}" type="slidenum">
+              <a:rPr lang="en-US" noProof="0" smtClean="0"/>
+              <a:t>7</a:t>
+            </a:fld>
+            <a:endParaRPr lang="en-US" noProof="0"/>
+          </a:p>
+        </p:txBody>
+      </p:sp>
+      <p:pic>
+        <p:nvPicPr>
+          <p:cNvPr id="5" name="Grafik 4" descr="Ein Bild, das Text enthält.&#10;&#10;Automatisch generierte Beschreibung">
+            <a:extLst>
+              <a:ext uri="{FF2B5EF4-FFF2-40B4-BE49-F238E27FC236}">
+                <a16:creationId xmlns:a16="http://schemas.microsoft.com/office/drawing/2014/main" id="{9ED63E15-ED0C-4692-B27C-0FCFAF607784}"/>
+              </a:ext>
+            </a:extLst>
+          </p:cNvPr>
+          <p:cNvPicPr>
+            <a:picLocks noChangeAspect="1"/>
+          </p:cNvPicPr>
+          <p:nvPr/>
+        </p:nvPicPr>
+        <p:blipFill>
+          <a:blip r:embed="rId2">
+            <a:extLst>
+              <a:ext uri="{28A0092B-C50C-407E-A947-70E740481C1C}">
+                <a14:useLocalDpi xmlns:a14="http://schemas.microsoft.com/office/drawing/2010/main" val="0"/>
+              </a:ext>
+            </a:extLst>
+          </a:blip>
+          <a:stretch>
+            <a:fillRect/>
+          </a:stretch>
+        </p:blipFill>
+        <p:spPr>
+          <a:xfrm>
+            <a:off x="395925" y="198562"/>
+            <a:ext cx="9331735" cy="6150251"/>
+          </a:xfrm>
+          <a:prstGeom prst="rect">
+            <a:avLst/>
+          </a:prstGeom>
+        </p:spPr>
+      </p:pic>
+    </p:spTree>
+    <p:extLst>
+      <p:ext uri="{BB962C8B-B14F-4D97-AF65-F5344CB8AC3E}">
+        <p14:creationId xmlns:p14="http://schemas.microsoft.com/office/powerpoint/2010/main" val="2958916437"/>
+      </p:ext>
+    </p:extLst>
+  </p:cSld>
+  <p:clrMapOvr>
+    <a:masterClrMapping/>
+  </p:clrMapOvr>
+</p:sld>
+</file>
+
+<file path=ppt/slides/slide8.xml><?xml version="1.0" encoding="utf-8"?>
+<p:sld xmlns:a="http://schemas.openxmlformats.org/drawingml/2006/main" xmlns:r="http://schemas.openxmlformats.org/officeDocument/2006/relationships" xmlns:p="http://schemas.openxmlformats.org/presentationml/2006/main" show="0">
+  <p:cSld>
+    <p:spTree>
+      <p:nvGrpSpPr>
+        <p:cNvPr id="1" name=""/>
+        <p:cNvGrpSpPr/>
+        <p:nvPr/>
+      </p:nvGrpSpPr>
+      <p:grpSpPr>
+        <a:xfrm>
+          <a:off x="0" y="0"/>
+          <a:ext cx="0" cy="0"/>
+          <a:chOff x="0" y="0"/>
+          <a:chExt cx="0" cy="0"/>
+        </a:xfrm>
+      </p:grpSpPr>
+      <p:pic>
+        <p:nvPicPr>
+          <p:cNvPr id="19" name="Grafik 18">
+            <a:extLst>
+              <a:ext uri="{FF2B5EF4-FFF2-40B4-BE49-F238E27FC236}">
+                <a16:creationId xmlns:a16="http://schemas.microsoft.com/office/drawing/2014/main" id="{CA6E119E-6F9B-4126-A042-88492F23718D}"/>
+              </a:ext>
+            </a:extLst>
+          </p:cNvPr>
+          <p:cNvPicPr>
+            <a:picLocks noChangeAspect="1"/>
+          </p:cNvPicPr>
+          <p:nvPr/>
+        </p:nvPicPr>
+        <p:blipFill>
+          <a:blip r:embed="rId2">
+            <a:extLst>
+              <a:ext uri="{28A0092B-C50C-407E-A947-70E740481C1C}">
+                <a14:useLocalDpi xmlns:a14="http://schemas.microsoft.com/office/drawing/2010/main" val="0"/>
+              </a:ext>
+            </a:extLst>
+          </a:blip>
+          <a:stretch>
+            <a:fillRect/>
+          </a:stretch>
+        </p:blipFill>
+        <p:spPr>
+          <a:xfrm>
+            <a:off x="2577228" y="5329885"/>
+            <a:ext cx="379958" cy="450104"/>
+          </a:xfrm>
+          <a:prstGeom prst="rect">
+            <a:avLst/>
+          </a:prstGeom>
+        </p:spPr>
+      </p:pic>
+      <p:sp>
+        <p:nvSpPr>
+          <p:cNvPr id="2" name="Inhaltsplatzhalter 1">
+            <a:extLst>
+              <a:ext uri="{FF2B5EF4-FFF2-40B4-BE49-F238E27FC236}">
+                <a16:creationId xmlns:a16="http://schemas.microsoft.com/office/drawing/2014/main" id="{1D750FB2-2843-483A-B301-2C99AAA3FDBA}"/>
+              </a:ext>
+            </a:extLst>
+          </p:cNvPr>
+          <p:cNvSpPr>
+            <a:spLocks noGrp="1"/>
+          </p:cNvSpPr>
+          <p:nvPr>
+            <p:ph idx="1"/>
+          </p:nvPr>
+        </p:nvSpPr>
+        <p:spPr>
+          <a:xfrm>
+            <a:off x="533400" y="1634426"/>
+            <a:ext cx="11125200" cy="2479144"/>
+          </a:xfrm>
+        </p:spPr>
+        <p:txBody>
+          <a:bodyPr>
+            <a:normAutofit/>
+          </a:bodyPr>
+          <a:lstStyle/>
+          <a:p>
+            <a:r>
+              <a:rPr lang="de-DE"/>
+              <a:t>For </a:t>
+            </a:r>
+            <a:r>
+              <a:rPr lang="de-DE" b="1"/>
+              <a:t>classification</a:t>
+            </a:r>
+            <a:r>
+              <a:rPr lang="de-DE"/>
+              <a:t> we have</a:t>
+            </a:r>
+          </a:p>
+          <a:p>
+            <a:endParaRPr lang="de-DE"/>
+          </a:p>
+          <a:p>
+            <a:pPr marL="0" indent="0">
+              <a:buNone/>
+            </a:pPr>
+            <a:endParaRPr lang="de-DE"/>
+          </a:p>
+          <a:p>
+            <a:pPr marL="0" indent="0">
+              <a:buNone/>
+            </a:pPr>
+            <a:r>
+              <a:rPr lang="de-DE"/>
+              <a:t>   for a model     with a softmax layer at the end and a </a:t>
+            </a:r>
+          </a:p>
+          <a:p>
+            <a:pPr marL="0" indent="0">
+              <a:buNone/>
+            </a:pPr>
+            <a:r>
+              <a:rPr lang="de-DE"/>
+              <a:t>   dataset                                  where                   f  or C different classes. </a:t>
+            </a:r>
+          </a:p>
+        </p:txBody>
+      </p:sp>
+      <p:sp>
+        <p:nvSpPr>
+          <p:cNvPr id="3" name="Datumsplatzhalter 2">
+            <a:extLst>
+              <a:ext uri="{FF2B5EF4-FFF2-40B4-BE49-F238E27FC236}">
+                <a16:creationId xmlns:a16="http://schemas.microsoft.com/office/drawing/2014/main" id="{F4FB7193-D95E-49EF-8205-2E5D6A0FDAE0}"/>
+              </a:ext>
+            </a:extLst>
+          </p:cNvPr>
+          <p:cNvSpPr>
+            <a:spLocks noGrp="1"/>
+          </p:cNvSpPr>
+          <p:nvPr>
+            <p:ph type="dt" sz="half" idx="10"/>
+          </p:nvPr>
+        </p:nvSpPr>
+        <p:spPr/>
+        <p:txBody>
+          <a:bodyPr/>
+          <a:lstStyle/>
+          <a:p>
+            <a:fld id="{972A1FD8-603F-438E-AC40-DD7043440C8D}" type="datetime4">
+              <a:rPr lang="en-US" noProof="0" smtClean="0"/>
+              <a:t>December 1, 2021</a:t>
+            </a:fld>
+            <a:endParaRPr lang="en-US" noProof="0"/>
+          </a:p>
+        </p:txBody>
+      </p:sp>
+      <p:sp>
+        <p:nvSpPr>
+          <p:cNvPr id="4" name="Foliennummernplatzhalter 3">
+            <a:extLst>
+              <a:ext uri="{FF2B5EF4-FFF2-40B4-BE49-F238E27FC236}">
+                <a16:creationId xmlns:a16="http://schemas.microsoft.com/office/drawing/2014/main" id="{23A9668A-30D9-4091-B1D0-579500D1B069}"/>
+              </a:ext>
+            </a:extLst>
+          </p:cNvPr>
+          <p:cNvSpPr>
+            <a:spLocks noGrp="1"/>
+          </p:cNvSpPr>
+          <p:nvPr>
+            <p:ph type="sldNum" sz="quarter" idx="12"/>
+          </p:nvPr>
+        </p:nvSpPr>
+        <p:spPr/>
+        <p:txBody>
+          <a:bodyPr/>
+          <a:lstStyle/>
+          <a:p>
+            <a:fld id="{61696EC4-B4CF-4701-AD06-A8439D6D8E12}" type="slidenum">
+              <a:rPr lang="en-US" noProof="0" smtClean="0"/>
+              <a:t>8</a:t>
+            </a:fld>
+            <a:endParaRPr lang="en-US" noProof="0"/>
+          </a:p>
+        </p:txBody>
+      </p:sp>
+      <p:sp>
+        <p:nvSpPr>
+          <p:cNvPr id="5" name="Titel 4">
+            <a:extLst>
+              <a:ext uri="{FF2B5EF4-FFF2-40B4-BE49-F238E27FC236}">
+                <a16:creationId xmlns:a16="http://schemas.microsoft.com/office/drawing/2014/main" id="{3A09E893-396C-4375-B61B-6A85016E69C0}"/>
+              </a:ext>
+            </a:extLst>
+          </p:cNvPr>
+          <p:cNvSpPr>
+            <a:spLocks noGrp="1"/>
+          </p:cNvSpPr>
+          <p:nvPr>
+            <p:ph type="title"/>
+          </p:nvPr>
+        </p:nvSpPr>
+        <p:spPr/>
+        <p:txBody>
+          <a:bodyPr>
+            <a:normAutofit/>
+          </a:bodyPr>
+          <a:lstStyle/>
+          <a:p>
+            <a:r>
+              <a:rPr lang="de-DE"/>
+              <a:t>How to intepret log propability for regression?</a:t>
+            </a:r>
+          </a:p>
+        </p:txBody>
+      </p:sp>
+      <p:pic>
+        <p:nvPicPr>
+          <p:cNvPr id="9" name="Grafik 8">
+            <a:extLst>
+              <a:ext uri="{FF2B5EF4-FFF2-40B4-BE49-F238E27FC236}">
+                <a16:creationId xmlns:a16="http://schemas.microsoft.com/office/drawing/2014/main" id="{0A52EC3F-F921-4325-AFA9-13B42852B34B}"/>
+              </a:ext>
+            </a:extLst>
+          </p:cNvPr>
+          <p:cNvPicPr>
+            <a:picLocks noChangeAspect="1"/>
+          </p:cNvPicPr>
+          <p:nvPr/>
+        </p:nvPicPr>
+        <p:blipFill>
+          <a:blip r:embed="rId2">
+            <a:extLst>
+              <a:ext uri="{28A0092B-C50C-407E-A947-70E740481C1C}">
+                <a14:useLocalDpi xmlns:a14="http://schemas.microsoft.com/office/drawing/2010/main" val="0"/>
+              </a:ext>
+            </a:extLst>
+          </a:blip>
+          <a:stretch>
+            <a:fillRect/>
+          </a:stretch>
+        </p:blipFill>
+        <p:spPr>
+          <a:xfrm>
+            <a:off x="2520668" y="2792845"/>
+            <a:ext cx="379958" cy="450104"/>
+          </a:xfrm>
+          <a:prstGeom prst="rect">
+            <a:avLst/>
+          </a:prstGeom>
+        </p:spPr>
+      </p:pic>
+      <p:pic>
+        <p:nvPicPr>
+          <p:cNvPr id="11" name="Grafik 10" descr="Ein Bild, das Text enthält.&#10;&#10;Automatisch generierte Beschreibung">
+            <a:extLst>
+              <a:ext uri="{FF2B5EF4-FFF2-40B4-BE49-F238E27FC236}">
+                <a16:creationId xmlns:a16="http://schemas.microsoft.com/office/drawing/2014/main" id="{62C62B31-EA20-4545-8753-45DFB3C49E94}"/>
+              </a:ext>
+            </a:extLst>
+          </p:cNvPr>
+          <p:cNvPicPr>
+            <a:picLocks noChangeAspect="1"/>
+          </p:cNvPicPr>
+          <p:nvPr/>
+        </p:nvPicPr>
+        <p:blipFill>
+          <a:blip r:embed="rId3">
+            <a:extLst>
+              <a:ext uri="{28A0092B-C50C-407E-A947-70E740481C1C}">
+                <a14:useLocalDpi xmlns:a14="http://schemas.microsoft.com/office/drawing/2010/main" val="0"/>
+              </a:ext>
+            </a:extLst>
+          </a:blip>
+          <a:stretch>
+            <a:fillRect/>
+          </a:stretch>
+        </p:blipFill>
+        <p:spPr>
+          <a:xfrm>
+            <a:off x="1973439" y="3214668"/>
+            <a:ext cx="2983185" cy="560162"/>
+          </a:xfrm>
+          <a:prstGeom prst="rect">
+            <a:avLst/>
+          </a:prstGeom>
+        </p:spPr>
+      </p:pic>
+      <p:pic>
+        <p:nvPicPr>
+          <p:cNvPr id="13" name="Grafik 12">
+            <a:extLst>
+              <a:ext uri="{FF2B5EF4-FFF2-40B4-BE49-F238E27FC236}">
+                <a16:creationId xmlns:a16="http://schemas.microsoft.com/office/drawing/2014/main" id="{A8205BA7-DE80-4F31-8F23-09C13C8B6284}"/>
+              </a:ext>
+            </a:extLst>
+          </p:cNvPr>
+          <p:cNvPicPr>
+            <a:picLocks noChangeAspect="1"/>
+          </p:cNvPicPr>
+          <p:nvPr/>
+        </p:nvPicPr>
+        <p:blipFill>
+          <a:blip r:embed="rId4">
+            <a:extLst>
+              <a:ext uri="{28A0092B-C50C-407E-A947-70E740481C1C}">
+                <a14:useLocalDpi xmlns:a14="http://schemas.microsoft.com/office/drawing/2010/main" val="0"/>
+              </a:ext>
+            </a:extLst>
+          </a:blip>
+          <a:stretch>
+            <a:fillRect/>
+          </a:stretch>
+        </p:blipFill>
+        <p:spPr>
+          <a:xfrm>
+            <a:off x="6031498" y="3231580"/>
+            <a:ext cx="1824788" cy="486610"/>
+          </a:xfrm>
+          <a:prstGeom prst="rect">
+            <a:avLst/>
+          </a:prstGeom>
+        </p:spPr>
+      </p:pic>
+      <p:sp>
+        <p:nvSpPr>
+          <p:cNvPr id="14" name="Inhaltsplatzhalter 1">
+            <a:extLst>
+              <a:ext uri="{FF2B5EF4-FFF2-40B4-BE49-F238E27FC236}">
+                <a16:creationId xmlns:a16="http://schemas.microsoft.com/office/drawing/2014/main" id="{2906BBAB-DE5B-403C-ADFC-56F4010C5E34}"/>
+              </a:ext>
+            </a:extLst>
+          </p:cNvPr>
+          <p:cNvSpPr txBox="1">
+            <a:spLocks/>
+          </p:cNvSpPr>
+          <p:nvPr/>
+        </p:nvSpPr>
+        <p:spPr>
+          <a:xfrm>
+            <a:off x="505578" y="4140336"/>
+            <a:ext cx="11125200" cy="2189475"/>
+          </a:xfrm>
+          <a:prstGeom prst="rect">
+            <a:avLst/>
+          </a:prstGeom>
+        </p:spPr>
+        <p:txBody>
+          <a:bodyPr vert="horz" lIns="0" tIns="0" rIns="0" bIns="0" rtlCol="0">
+            <a:normAutofit/>
+          </a:bodyPr>
+          <a:lstStyle>
+            <a:lvl1pPr marL="271448" indent="-271448" algn="l" defTabSz="914347" rtl="0" eaLnBrk="1" latinLnBrk="0" hangingPunct="1">
+              <a:lnSpc>
+                <a:spcPct val="90000"/>
+              </a:lnSpc>
+              <a:spcBef>
+                <a:spcPts val="480"/>
+              </a:spcBef>
+              <a:buSzPct val="88000"/>
+              <a:buFontTx/>
+              <a:buBlip>
+                <a:blip r:embed="rId5"/>
+              </a:buBlip>
+              <a:defRPr sz="2600" kern="1200">
+                <a:solidFill>
+                  <a:schemeClr val="tx1"/>
+                </a:solidFill>
+                <a:latin typeface="+mn-lt"/>
+                <a:ea typeface="+mn-ea"/>
+                <a:cs typeface="+mn-cs"/>
+              </a:defRPr>
+            </a:lvl1pPr>
+            <a:lvl2pPr marL="627027" indent="-271448" algn="l" defTabSz="914347" rtl="0" eaLnBrk="1" latinLnBrk="0" hangingPunct="1">
+              <a:lnSpc>
+                <a:spcPct val="90000"/>
+              </a:lnSpc>
+              <a:spcBef>
+                <a:spcPts val="480"/>
+              </a:spcBef>
+              <a:buSzPct val="88000"/>
+              <a:buFontTx/>
+              <a:buBlip>
+                <a:blip r:embed="rId5"/>
+              </a:buBlip>
+              <a:defRPr sz="2399" kern="1200">
+                <a:solidFill>
+                  <a:schemeClr val="tx1"/>
+                </a:solidFill>
+                <a:latin typeface="+mn-lt"/>
+                <a:ea typeface="+mn-ea"/>
+                <a:cs typeface="+mn-cs"/>
+              </a:defRPr>
+            </a:lvl2pPr>
+            <a:lvl3pPr marL="982606" indent="-265098" algn="l" defTabSz="898472" rtl="0" eaLnBrk="1" latinLnBrk="0" hangingPunct="1">
+              <a:lnSpc>
+                <a:spcPct val="90000"/>
+              </a:lnSpc>
+              <a:spcBef>
+                <a:spcPts val="480"/>
+              </a:spcBef>
+              <a:buSzPct val="88000"/>
+              <a:buFontTx/>
+              <a:buBlip>
+                <a:blip r:embed="rId5"/>
+              </a:buBlip>
+              <a:defRPr sz="2100" kern="1200">
+                <a:solidFill>
+                  <a:schemeClr val="tx1"/>
+                </a:solidFill>
+                <a:latin typeface="+mn-lt"/>
+                <a:ea typeface="+mn-ea"/>
+                <a:cs typeface="+mn-cs"/>
+              </a:defRPr>
+            </a:lvl3pPr>
+            <a:lvl4pPr marL="1344535" indent="-271448" algn="l" defTabSz="914347" rtl="0" eaLnBrk="1" latinLnBrk="0" hangingPunct="1">
+              <a:lnSpc>
+                <a:spcPct val="90000"/>
+              </a:lnSpc>
+              <a:spcBef>
+                <a:spcPts val="480"/>
+              </a:spcBef>
+              <a:buSzPct val="88000"/>
+              <a:buFontTx/>
+              <a:buBlip>
+                <a:blip r:embed="rId5"/>
+              </a:buBlip>
+              <a:defRPr sz="2100" kern="1200">
+                <a:solidFill>
+                  <a:schemeClr val="tx1"/>
+                </a:solidFill>
+                <a:latin typeface="+mn-lt"/>
+                <a:ea typeface="+mn-ea"/>
+                <a:cs typeface="+mn-cs"/>
+              </a:defRPr>
+            </a:lvl4pPr>
+            <a:lvl5pPr marL="1700114" indent="-265098" algn="l" defTabSz="914347" rtl="0" eaLnBrk="1" latinLnBrk="0" hangingPunct="1">
+              <a:lnSpc>
+                <a:spcPct val="90000"/>
+              </a:lnSpc>
+              <a:spcBef>
+                <a:spcPts val="480"/>
+              </a:spcBef>
+              <a:buSzPct val="88000"/>
+              <a:buFontTx/>
+              <a:buBlip>
+                <a:blip r:embed="rId5"/>
+              </a:buBlip>
+              <a:defRPr sz="2100" kern="1200">
+                <a:solidFill>
+                  <a:schemeClr val="tx1"/>
+                </a:solidFill>
+                <a:latin typeface="+mn-lt"/>
+                <a:ea typeface="+mn-ea"/>
+                <a:cs typeface="+mn-cs"/>
+              </a:defRPr>
+            </a:lvl5pPr>
+            <a:lvl6pPr marL="2514453" indent="-228587" algn="l" defTabSz="914347" rtl="0" eaLnBrk="1" latinLnBrk="0" hangingPunct="1">
+              <a:lnSpc>
+                <a:spcPct val="90000"/>
+              </a:lnSpc>
+              <a:spcBef>
+                <a:spcPts val="500"/>
+              </a:spcBef>
+              <a:buFont typeface="Arial" panose="020B0604020202020204" pitchFamily="34" charset="0"/>
+              <a:buChar char="•"/>
+              <a:defRPr sz="1799" kern="1200">
+                <a:solidFill>
+                  <a:schemeClr val="tx1"/>
+                </a:solidFill>
+                <a:latin typeface="+mn-lt"/>
+                <a:ea typeface="+mn-ea"/>
+                <a:cs typeface="+mn-cs"/>
+              </a:defRPr>
+            </a:lvl6pPr>
+            <a:lvl7pPr marL="2971626" indent="-228587" algn="l" defTabSz="914347" rtl="0" eaLnBrk="1" latinLnBrk="0" hangingPunct="1">
+              <a:lnSpc>
+                <a:spcPct val="90000"/>
+              </a:lnSpc>
+              <a:spcBef>
+                <a:spcPts val="500"/>
+              </a:spcBef>
+              <a:buFont typeface="Arial" panose="020B0604020202020204" pitchFamily="34" charset="0"/>
+              <a:buChar char="•"/>
+              <a:defRPr sz="1799" kern="1200">
+                <a:solidFill>
+                  <a:schemeClr val="tx1"/>
+                </a:solidFill>
+                <a:latin typeface="+mn-lt"/>
+                <a:ea typeface="+mn-ea"/>
+                <a:cs typeface="+mn-cs"/>
+              </a:defRPr>
+            </a:lvl7pPr>
+            <a:lvl8pPr marL="3428800" indent="-228587" algn="l" defTabSz="914347" rtl="0" eaLnBrk="1" latinLnBrk="0" hangingPunct="1">
+              <a:lnSpc>
+                <a:spcPct val="90000"/>
+              </a:lnSpc>
+              <a:spcBef>
+                <a:spcPts val="500"/>
+              </a:spcBef>
+              <a:buFont typeface="Arial" panose="020B0604020202020204" pitchFamily="34" charset="0"/>
+              <a:buChar char="•"/>
+              <a:defRPr sz="1799" kern="1200">
+                <a:solidFill>
+                  <a:schemeClr val="tx1"/>
+                </a:solidFill>
+                <a:latin typeface="+mn-lt"/>
+                <a:ea typeface="+mn-ea"/>
+                <a:cs typeface="+mn-cs"/>
+              </a:defRPr>
+            </a:lvl8pPr>
+            <a:lvl9pPr marL="3885973" indent="-228587" algn="l" defTabSz="914347" rtl="0" eaLnBrk="1" latinLnBrk="0" hangingPunct="1">
+              <a:lnSpc>
+                <a:spcPct val="90000"/>
+              </a:lnSpc>
+              <a:spcBef>
+                <a:spcPts val="500"/>
+              </a:spcBef>
+              <a:buFont typeface="Arial" panose="020B0604020202020204" pitchFamily="34" charset="0"/>
+              <a:buChar char="•"/>
+              <a:defRPr sz="1799" kern="1200">
+                <a:solidFill>
+                  <a:schemeClr val="tx1"/>
+                </a:solidFill>
+                <a:latin typeface="+mn-lt"/>
+                <a:ea typeface="+mn-ea"/>
+                <a:cs typeface="+mn-cs"/>
+              </a:defRPr>
+            </a:lvl9pPr>
+          </a:lstStyle>
+          <a:p>
+            <a:r>
+              <a:rPr lang="de-DE"/>
+              <a:t>What do we do for </a:t>
+            </a:r>
+            <a:r>
+              <a:rPr lang="de-DE" b="1"/>
+              <a:t>regression </a:t>
+            </a:r>
+            <a:r>
+              <a:rPr lang="de-DE"/>
+              <a:t>? We estimate a mean and variance vector</a:t>
+            </a:r>
+          </a:p>
+          <a:p>
+            <a:pPr marL="0" indent="0">
+              <a:buNone/>
+            </a:pPr>
+            <a:r>
+              <a:rPr lang="de-DE" b="1"/>
+              <a:t>                                                 </a:t>
+            </a:r>
+          </a:p>
+          <a:p>
+            <a:pPr marL="0" indent="0">
+              <a:buNone/>
+            </a:pPr>
+            <a:r>
+              <a:rPr lang="de-DE" b="1"/>
+              <a:t>  </a:t>
+            </a:r>
+          </a:p>
+          <a:p>
+            <a:pPr marL="0" indent="0">
+              <a:buNone/>
+            </a:pPr>
+            <a:r>
+              <a:rPr lang="de-DE" b="1"/>
+              <a:t>    </a:t>
+            </a:r>
+            <a:r>
+              <a:rPr lang="de-DE"/>
+              <a:t>for a model     which which predicts targets             </a:t>
+            </a:r>
+            <a:endParaRPr lang="de-DE" b="1"/>
+          </a:p>
+          <a:p>
+            <a:pPr marL="0" indent="0">
+              <a:buNone/>
+            </a:pPr>
+            <a:r>
+              <a:rPr lang="de-DE" b="1"/>
+              <a:t>     </a:t>
+            </a:r>
+            <a:r>
+              <a:rPr lang="de-DE"/>
+              <a:t> </a:t>
+            </a:r>
+          </a:p>
+        </p:txBody>
+      </p:sp>
+      <p:pic>
+        <p:nvPicPr>
+          <p:cNvPr id="12" name="Grafik 11">
+            <a:extLst>
+              <a:ext uri="{FF2B5EF4-FFF2-40B4-BE49-F238E27FC236}">
+                <a16:creationId xmlns:a16="http://schemas.microsoft.com/office/drawing/2014/main" id="{30349F11-1DA6-4081-BD26-5F5700C216C5}"/>
+              </a:ext>
+            </a:extLst>
+          </p:cNvPr>
+          <p:cNvPicPr>
+            <a:picLocks noChangeAspect="1"/>
+          </p:cNvPicPr>
+          <p:nvPr/>
+        </p:nvPicPr>
+        <p:blipFill rotWithShape="1">
+          <a:blip r:embed="rId6">
+            <a:extLst>
+              <a:ext uri="{28A0092B-C50C-407E-A947-70E740481C1C}">
+                <a14:useLocalDpi xmlns:a14="http://schemas.microsoft.com/office/drawing/2010/main" val="0"/>
+              </a:ext>
+            </a:extLst>
+          </a:blip>
+          <a:srcRect t="15661" b="5620"/>
+          <a:stretch/>
+        </p:blipFill>
+        <p:spPr>
+          <a:xfrm>
+            <a:off x="963796" y="2037593"/>
+            <a:ext cx="9245434" cy="755252"/>
+          </a:xfrm>
+          <a:prstGeom prst="rect">
+            <a:avLst/>
+          </a:prstGeom>
+        </p:spPr>
+      </p:pic>
+      <p:pic>
+        <p:nvPicPr>
+          <p:cNvPr id="23" name="Grafik 22">
+            <a:extLst>
+              <a:ext uri="{FF2B5EF4-FFF2-40B4-BE49-F238E27FC236}">
+                <a16:creationId xmlns:a16="http://schemas.microsoft.com/office/drawing/2014/main" id="{7C99BFEF-E661-426D-8D41-B63FD6F9378F}"/>
+              </a:ext>
+            </a:extLst>
+          </p:cNvPr>
+          <p:cNvPicPr>
+            <a:picLocks noChangeAspect="1"/>
+          </p:cNvPicPr>
+          <p:nvPr/>
+        </p:nvPicPr>
+        <p:blipFill>
+          <a:blip r:embed="rId7">
+            <a:extLst>
+              <a:ext uri="{28A0092B-C50C-407E-A947-70E740481C1C}">
+                <a14:useLocalDpi xmlns:a14="http://schemas.microsoft.com/office/drawing/2010/main" val="0"/>
+              </a:ext>
+            </a:extLst>
+          </a:blip>
+          <a:stretch>
+            <a:fillRect/>
+          </a:stretch>
+        </p:blipFill>
+        <p:spPr>
+          <a:xfrm>
+            <a:off x="7179838" y="5359001"/>
+            <a:ext cx="1071019" cy="392707"/>
+          </a:xfrm>
+          <a:prstGeom prst="rect">
+            <a:avLst/>
+          </a:prstGeom>
+        </p:spPr>
+      </p:pic>
+      <p:pic>
+        <p:nvPicPr>
+          <p:cNvPr id="7" name="Grafik 6" descr="Ein Bild, das Text enthält.&#10;&#10;Automatisch generierte Beschreibung">
+            <a:extLst>
+              <a:ext uri="{FF2B5EF4-FFF2-40B4-BE49-F238E27FC236}">
+                <a16:creationId xmlns:a16="http://schemas.microsoft.com/office/drawing/2014/main" id="{73D37BFC-C0F9-49CA-87F0-5A2E79AD7DE7}"/>
+              </a:ext>
+            </a:extLst>
+          </p:cNvPr>
+          <p:cNvPicPr>
+            <a:picLocks noChangeAspect="1"/>
+          </p:cNvPicPr>
+          <p:nvPr/>
+        </p:nvPicPr>
+        <p:blipFill>
+          <a:blip r:embed="rId8">
+            <a:extLst>
+              <a:ext uri="{28A0092B-C50C-407E-A947-70E740481C1C}">
+                <a14:useLocalDpi xmlns:a14="http://schemas.microsoft.com/office/drawing/2010/main" val="0"/>
+              </a:ext>
+            </a:extLst>
+          </a:blip>
+          <a:stretch>
+            <a:fillRect/>
+          </a:stretch>
+        </p:blipFill>
+        <p:spPr>
+          <a:xfrm>
+            <a:off x="1010931" y="4552305"/>
+            <a:ext cx="6671915" cy="841668"/>
+          </a:xfrm>
+          <a:prstGeom prst="rect">
+            <a:avLst/>
+          </a:prstGeom>
+        </p:spPr>
+      </p:pic>
+    </p:spTree>
+    <p:extLst>
+      <p:ext uri="{BB962C8B-B14F-4D97-AF65-F5344CB8AC3E}">
+        <p14:creationId xmlns:p14="http://schemas.microsoft.com/office/powerpoint/2010/main" val="3847291980"/>
+      </p:ext>
+    </p:extLst>
+  </p:cSld>
+  <p:clrMapOvr>
+    <a:masterClrMapping/>
+  </p:clrMapOvr>
+</p:sld>
+</file>
+
+<file path=ppt/slides/slide9.xml><?xml version="1.0" encoding="utf-8"?>
+<p:sld xmlns:a="http://schemas.openxmlformats.org/drawingml/2006/main" xmlns:r="http://schemas.openxmlformats.org/officeDocument/2006/relationships" xmlns:p="http://schemas.openxmlformats.org/presentationml/2006/main" show="0">
+  <p:cSld>
+    <p:spTree>
+      <p:nvGrpSpPr>
+        <p:cNvPr id="1" name=""/>
+        <p:cNvGrpSpPr/>
+        <p:nvPr/>
+      </p:nvGrpSpPr>
+      <p:grpSpPr>
+        <a:xfrm>
+          <a:off x="0" y="0"/>
+          <a:ext cx="0" cy="0"/>
+          <a:chOff x="0" y="0"/>
+          <a:chExt cx="0" cy="0"/>
+        </a:xfrm>
+      </p:grpSpPr>
+      <p:sp>
+        <p:nvSpPr>
+          <p:cNvPr id="2" name="Inhaltsplatzhalter 1">
+            <a:extLst>
+              <a:ext uri="{FF2B5EF4-FFF2-40B4-BE49-F238E27FC236}">
+                <a16:creationId xmlns:a16="http://schemas.microsoft.com/office/drawing/2014/main" id="{5111CEE5-89B6-4710-A147-97FD8349821B}"/>
+              </a:ext>
+            </a:extLst>
+          </p:cNvPr>
+          <p:cNvSpPr>
+            <a:spLocks noGrp="1"/>
+          </p:cNvSpPr>
+          <p:nvPr>
+            <p:ph idx="1"/>
+          </p:nvPr>
+        </p:nvSpPr>
+        <p:spPr/>
+        <p:txBody>
+          <a:bodyPr/>
+          <a:lstStyle/>
+          <a:p>
+            <a:r>
+              <a:rPr lang="de-DE"/>
+              <a:t>Instead of point estimate we can also use laplace approximation which is based on second order taylor approximation</a:t>
+            </a:r>
+          </a:p>
+        </p:txBody>
+      </p:sp>
+      <p:sp>
+        <p:nvSpPr>
+          <p:cNvPr id="3" name="Datumsplatzhalter 2">
+            <a:extLst>
+              <a:ext uri="{FF2B5EF4-FFF2-40B4-BE49-F238E27FC236}">
+                <a16:creationId xmlns:a16="http://schemas.microsoft.com/office/drawing/2014/main" id="{08798EFB-2845-4086-8829-4F37456227C2}"/>
+              </a:ext>
+            </a:extLst>
+          </p:cNvPr>
+          <p:cNvSpPr>
+            <a:spLocks noGrp="1"/>
+          </p:cNvSpPr>
+          <p:nvPr>
+            <p:ph type="dt" sz="half" idx="10"/>
+          </p:nvPr>
+        </p:nvSpPr>
+        <p:spPr/>
+        <p:txBody>
+          <a:bodyPr/>
+          <a:lstStyle/>
+          <a:p>
+            <a:fld id="{972A1FD8-603F-438E-AC40-DD7043440C8D}" type="datetime4">
+              <a:rPr lang="en-US" noProof="0" smtClean="0"/>
+              <a:t>December 1, 2021</a:t>
+            </a:fld>
+            <a:endParaRPr lang="en-US" noProof="0"/>
+          </a:p>
+        </p:txBody>
+      </p:sp>
+      <p:sp>
+        <p:nvSpPr>
+          <p:cNvPr id="4" name="Foliennummernplatzhalter 3">
+            <a:extLst>
+              <a:ext uri="{FF2B5EF4-FFF2-40B4-BE49-F238E27FC236}">
+                <a16:creationId xmlns:a16="http://schemas.microsoft.com/office/drawing/2014/main" id="{7C9BE130-8574-493C-94BC-B72EF41B94DB}"/>
+              </a:ext>
+            </a:extLst>
+          </p:cNvPr>
+          <p:cNvSpPr>
+            <a:spLocks noGrp="1"/>
+          </p:cNvSpPr>
+          <p:nvPr>
+            <p:ph type="sldNum" sz="quarter" idx="12"/>
+          </p:nvPr>
+        </p:nvSpPr>
+        <p:spPr/>
+        <p:txBody>
+          <a:bodyPr/>
+          <a:lstStyle/>
+          <a:p>
+            <a:fld id="{61696EC4-B4CF-4701-AD06-A8439D6D8E12}" type="slidenum">
+              <a:rPr lang="en-US" noProof="0" smtClean="0"/>
+              <a:t>9</a:t>
+            </a:fld>
+            <a:endParaRPr lang="en-US" noProof="0"/>
+          </a:p>
+        </p:txBody>
+      </p:sp>
+      <p:sp>
+        <p:nvSpPr>
+          <p:cNvPr id="6" name="Titel 4">
+            <a:extLst>
+              <a:ext uri="{FF2B5EF4-FFF2-40B4-BE49-F238E27FC236}">
+                <a16:creationId xmlns:a16="http://schemas.microsoft.com/office/drawing/2014/main" id="{4A3DC453-7D84-40AC-B167-1A6F5B493380}"/>
+              </a:ext>
+            </a:extLst>
+          </p:cNvPr>
+          <p:cNvSpPr>
+            <a:spLocks noGrp="1"/>
+          </p:cNvSpPr>
+          <p:nvPr>
+            <p:ph type="title"/>
+          </p:nvPr>
+        </p:nvSpPr>
+        <p:spPr>
+          <a:xfrm>
+            <a:off x="528638" y="395288"/>
+            <a:ext cx="9158287" cy="766762"/>
+          </a:xfrm>
+        </p:spPr>
+        <p:txBody>
+          <a:bodyPr/>
+          <a:lstStyle/>
+          <a:p>
+            <a:r>
+              <a:rPr lang="de-DE"/>
+              <a:t>Laplace Approximation and Curvature Matrix</a:t>
+            </a:r>
+          </a:p>
+        </p:txBody>
+      </p:sp>
+      <p:pic>
+        <p:nvPicPr>
+          <p:cNvPr id="26" name="Grafik 25" descr="Ein Bild, das Text enthält.&#10;&#10;Automatisch generierte Beschreibung">
+            <a:extLst>
+              <a:ext uri="{FF2B5EF4-FFF2-40B4-BE49-F238E27FC236}">
+                <a16:creationId xmlns:a16="http://schemas.microsoft.com/office/drawing/2014/main" id="{1A9D0C08-E929-4795-969D-37E1E7F3FE62}"/>
+              </a:ext>
+            </a:extLst>
+          </p:cNvPr>
+          <p:cNvPicPr>
+            <a:picLocks noChangeAspect="1"/>
+          </p:cNvPicPr>
+          <p:nvPr/>
+        </p:nvPicPr>
+        <p:blipFill>
+          <a:blip r:embed="rId2">
+            <a:extLst>
+              <a:ext uri="{28A0092B-C50C-407E-A947-70E740481C1C}">
+                <a14:useLocalDpi xmlns:a14="http://schemas.microsoft.com/office/drawing/2010/main" val="0"/>
+              </a:ext>
+            </a:extLst>
+          </a:blip>
+          <a:stretch>
+            <a:fillRect/>
+          </a:stretch>
+        </p:blipFill>
+        <p:spPr>
+          <a:xfrm>
+            <a:off x="1180039" y="2870866"/>
+            <a:ext cx="9831922" cy="1911763"/>
+          </a:xfrm>
+          <a:prstGeom prst="rect">
+            <a:avLst/>
+          </a:prstGeom>
+        </p:spPr>
+      </p:pic>
+      <p:cxnSp>
+        <p:nvCxnSpPr>
+          <p:cNvPr id="27" name="Gerade Verbindung mit Pfeil 26">
+            <a:extLst>
+              <a:ext uri="{FF2B5EF4-FFF2-40B4-BE49-F238E27FC236}">
+                <a16:creationId xmlns:a16="http://schemas.microsoft.com/office/drawing/2014/main" id="{F219EDFA-2763-4A0E-BF19-C371CB8716C7}"/>
+              </a:ext>
+            </a:extLst>
+          </p:cNvPr>
+          <p:cNvCxnSpPr>
+            <a:cxnSpLocks/>
+          </p:cNvCxnSpPr>
+          <p:nvPr/>
+        </p:nvCxnSpPr>
+        <p:spPr>
+          <a:xfrm flipH="1" flipV="1">
+            <a:off x="7051249" y="4631505"/>
+            <a:ext cx="730839" cy="511998"/>
+          </a:xfrm>
+          <a:prstGeom prst="straightConnector1">
+            <a:avLst/>
+          </a:prstGeom>
+          <a:ln w="38100">
+            <a:solidFill>
+              <a:srgbClr val="C00000"/>
+            </a:solidFill>
+            <a:tailEnd type="triangle"/>
+          </a:ln>
+        </p:spPr>
+        <p:style>
+          <a:lnRef idx="1">
+            <a:schemeClr val="accent1"/>
+          </a:lnRef>
+          <a:fillRef idx="0">
+            <a:schemeClr val="accent1"/>
+          </a:fillRef>
+          <a:effectRef idx="0">
+            <a:schemeClr val="accent1"/>
+          </a:effectRef>
+          <a:fontRef idx="minor">
+            <a:schemeClr val="tx1"/>
+          </a:fontRef>
+        </p:style>
+      </p:cxnSp>
+      <p:sp>
+        <p:nvSpPr>
+          <p:cNvPr id="29" name="Textfeld 28">
+            <a:extLst>
+              <a:ext uri="{FF2B5EF4-FFF2-40B4-BE49-F238E27FC236}">
+                <a16:creationId xmlns:a16="http://schemas.microsoft.com/office/drawing/2014/main" id="{23797B08-3F43-4F0D-842F-AB08A0514FE5}"/>
+              </a:ext>
+            </a:extLst>
+          </p:cNvPr>
+          <p:cNvSpPr txBox="1"/>
+          <p:nvPr/>
+        </p:nvSpPr>
+        <p:spPr>
+          <a:xfrm>
+            <a:off x="7782088" y="5147035"/>
+            <a:ext cx="3573599" cy="1200329"/>
+          </a:xfrm>
+          <a:prstGeom prst="rect">
+            <a:avLst/>
+          </a:prstGeom>
+          <a:noFill/>
+        </p:spPr>
+        <p:txBody>
+          <a:bodyPr wrap="square" rtlCol="0">
+            <a:spAutoFit/>
+          </a:bodyPr>
+          <a:lstStyle/>
+          <a:p>
+            <a:r>
+              <a:rPr lang="de-DE" b="1">
+                <a:solidFill>
+                  <a:srgbClr val="C00000"/>
+                </a:solidFill>
+              </a:rPr>
+              <a:t>We approximate this part by a gaussian with constant variance.</a:t>
+            </a:r>
+          </a:p>
+        </p:txBody>
+      </p:sp>
+      <p:cxnSp>
+        <p:nvCxnSpPr>
+          <p:cNvPr id="11" name="Gerade Verbindung mit Pfeil 10">
+            <a:extLst>
+              <a:ext uri="{FF2B5EF4-FFF2-40B4-BE49-F238E27FC236}">
+                <a16:creationId xmlns:a16="http://schemas.microsoft.com/office/drawing/2014/main" id="{399A9EB8-3AED-48B2-8B39-4FE2AC417ED6}"/>
+              </a:ext>
+            </a:extLst>
+          </p:cNvPr>
+          <p:cNvCxnSpPr>
+            <a:cxnSpLocks/>
+          </p:cNvCxnSpPr>
+          <p:nvPr/>
+        </p:nvCxnSpPr>
+        <p:spPr>
+          <a:xfrm flipV="1">
+            <a:off x="5107781" y="4656544"/>
+            <a:ext cx="821679" cy="547547"/>
+          </a:xfrm>
+          <a:prstGeom prst="straightConnector1">
+            <a:avLst/>
+          </a:prstGeom>
+          <a:ln w="38100">
+            <a:solidFill>
+              <a:srgbClr val="C00000"/>
+            </a:solidFill>
+            <a:tailEnd type="triangle"/>
+          </a:ln>
+        </p:spPr>
+        <p:style>
+          <a:lnRef idx="1">
+            <a:schemeClr val="accent1"/>
+          </a:lnRef>
+          <a:fillRef idx="0">
+            <a:schemeClr val="accent1"/>
+          </a:fillRef>
+          <a:effectRef idx="0">
+            <a:schemeClr val="accent1"/>
+          </a:effectRef>
+          <a:fontRef idx="minor">
+            <a:schemeClr val="tx1"/>
+          </a:fontRef>
+        </p:style>
+      </p:cxnSp>
+      <p:sp>
+        <p:nvSpPr>
+          <p:cNvPr id="14" name="Textfeld 13">
+            <a:extLst>
+              <a:ext uri="{FF2B5EF4-FFF2-40B4-BE49-F238E27FC236}">
+                <a16:creationId xmlns:a16="http://schemas.microsoft.com/office/drawing/2014/main" id="{8461D9F8-D59F-4CB9-B4F5-757EB4862CA2}"/>
+              </a:ext>
+            </a:extLst>
+          </p:cNvPr>
+          <p:cNvSpPr txBox="1"/>
+          <p:nvPr/>
+        </p:nvSpPr>
+        <p:spPr>
+          <a:xfrm>
+            <a:off x="1457516" y="4549676"/>
+            <a:ext cx="4199483" cy="2308324"/>
+          </a:xfrm>
+          <a:prstGeom prst="rect">
+            <a:avLst/>
+          </a:prstGeom>
+          <a:noFill/>
+        </p:spPr>
+        <p:txBody>
+          <a:bodyPr wrap="square" rtlCol="0">
+            <a:spAutoFit/>
+          </a:bodyPr>
+          <a:lstStyle/>
+          <a:p>
+            <a:r>
+              <a:rPr lang="de-DE" b="1">
+                <a:solidFill>
+                  <a:srgbClr val="C00000"/>
+                </a:solidFill>
+              </a:rPr>
+              <a:t>Hessian for this part is too hard. Why? (The determinant is costly, not the hessian)</a:t>
+            </a:r>
+          </a:p>
+          <a:p>
+            <a:r>
+              <a:rPr lang="de-DE" b="1">
+                <a:solidFill>
+                  <a:srgbClr val="C00000"/>
+                </a:solidFill>
+              </a:rPr>
+              <a:t>So they approximate it with the curvature matrix. How?</a:t>
+            </a:r>
+          </a:p>
+        </p:txBody>
+      </p:sp>
+    </p:spTree>
+    <p:extLst>
+      <p:ext uri="{BB962C8B-B14F-4D97-AF65-F5344CB8AC3E}">
+        <p14:creationId xmlns:p14="http://schemas.microsoft.com/office/powerpoint/2010/main" val="455969781"/>
+      </p:ext>
+    </p:extLst>
+  </p:cSld>
+  <p:clrMapOvr>
+    <a:masterClrMapping/>
+  </p:clrMapOvr>
+  <p:timing>
+    <p:tnLst>
+      <p:par>
+        <p:cTn id="1" dur="indefinite" restart="never" nodeType="tmRoot">
+          <p:childTnLst>
+            <p:seq concurrent="1" nextAc="seek">
+              <p:cTn id="2" dur="indefinite" nodeType="mainSeq">
+                <p:childTnLst>
+                  <p:par>
+                    <p:cTn id="3" fill="hold">
+                      <p:stCondLst>
+                        <p:cond delay="indefinite"/>
+                      </p:stCondLst>
+                      <p:childTnLst>
+                        <p:par>
+                          <p:cTn id="4" fill="hold">
+                            <p:stCondLst>
+                              <p:cond delay="0"/>
+                            </p:stCondLst>
+                            <p:childTnLst>
+                              <p:par>
+                                <p:cTn id="5" presetID="1" presetClass="entr" presetSubtype="0" fill="hold" nodeType="clickEffect">
+                                  <p:stCondLst>
+                                    <p:cond delay="0"/>
+                                  </p:stCondLst>
+                                  <p:childTnLst>
+                                    <p:set>
+                                      <p:cBhvr>
+                                        <p:cTn id="6" dur="1" fill="hold">
+                                          <p:stCondLst>
+                                            <p:cond delay="0"/>
+                                          </p:stCondLst>
+                                        </p:cTn>
+                                        <p:tgtEl>
+                                          <p:spTgt spid="27"/>
+                                        </p:tgtEl>
+                                        <p:attrNameLst>
+                                          <p:attrName>style.visibility</p:attrName>
+                                        </p:attrNameLst>
+                                      </p:cBhvr>
+                                      <p:to>
+                                        <p:strVal val="visible"/>
+                                      </p:to>
+                                    </p:set>
+                                  </p:childTnLst>
+                                </p:cTn>
+                              </p:par>
+                              <p:par>
+                                <p:cTn id="7" presetID="1" presetClass="entr" presetSubtype="0" fill="hold" grpId="0" nodeType="withEffect">
+                                  <p:stCondLst>
+                                    <p:cond delay="0"/>
+                                  </p:stCondLst>
+                                  <p:childTnLst>
+                                    <p:set>
+                                      <p:cBhvr>
+                                        <p:cTn id="8" dur="1" fill="hold">
+                                          <p:stCondLst>
+                                            <p:cond delay="0"/>
+                                          </p:stCondLst>
+                                        </p:cTn>
+                                        <p:tgtEl>
+                                          <p:spTgt spid="29"/>
+                                        </p:tgtEl>
+                                        <p:attrNameLst>
+                                          <p:attrName>style.visibility</p:attrName>
+                                        </p:attrNameLst>
+                                      </p:cBhvr>
+                                      <p:to>
+                                        <p:strVal val="visible"/>
+                                      </p:to>
+                                    </p:set>
+                                  </p:childTnLst>
+                                </p:cTn>
+                              </p:par>
+                            </p:childTnLst>
+                          </p:cTn>
+                        </p:par>
+                      </p:childTnLst>
+                    </p:cTn>
+                  </p:par>
+                  <p:par>
+                    <p:cTn id="9" fill="hold">
+                      <p:stCondLst>
+                        <p:cond delay="indefinite"/>
+                      </p:stCondLst>
+                      <p:childTnLst>
+                        <p:par>
+                          <p:cTn id="10" fill="hold">
+                            <p:stCondLst>
+                              <p:cond delay="0"/>
+                            </p:stCondLst>
+                            <p:childTnLst>
+                              <p:par>
+                                <p:cTn id="11" presetID="1" presetClass="entr" presetSubtype="0" fill="hold" nodeType="clickEffect">
+                                  <p:stCondLst>
+                                    <p:cond delay="0"/>
+                                  </p:stCondLst>
+                                  <p:childTnLst>
+                                    <p:set>
+                                      <p:cBhvr>
+                                        <p:cTn id="12" dur="1" fill="hold">
+                                          <p:stCondLst>
+                                            <p:cond delay="0"/>
+                                          </p:stCondLst>
+                                        </p:cTn>
+                                        <p:tgtEl>
+                                          <p:spTgt spid="11"/>
+                                        </p:tgtEl>
+                                        <p:attrNameLst>
+                                          <p:attrName>style.visibility</p:attrName>
+                                        </p:attrNameLst>
+                                      </p:cBhvr>
+                                      <p:to>
+                                        <p:strVal val="visible"/>
+                                      </p:to>
+                                    </p:set>
+                                  </p:childTnLst>
+                                </p:cTn>
+                              </p:par>
+                              <p:par>
+                                <p:cTn id="13" presetID="1" presetClass="entr" presetSubtype="0" fill="hold" grpId="0" nodeType="withEffect">
+                                  <p:stCondLst>
+                                    <p:cond delay="0"/>
+                                  </p:stCondLst>
+                                  <p:childTnLst>
+                                    <p:set>
+                                      <p:cBhvr>
+                                        <p:cTn id="14" dur="1" fill="hold">
+                                          <p:stCondLst>
+                                            <p:cond delay="0"/>
+                                          </p:stCondLst>
+                                        </p:cTn>
+                                        <p:tgtEl>
+                                          <p:spTgt spid="14"/>
+                                        </p:tgtEl>
+                                        <p:attrNameLst>
+                                          <p:attrName>style.visibility</p:attrName>
+                                        </p:attrNameLst>
+                                      </p:cBhvr>
+                                      <p:to>
+                                        <p:strVal val="visible"/>
+                                      </p:to>
+                                    </p:set>
+                                  </p:childTnLst>
+                                </p:cTn>
+                              </p:par>
+                            </p:childTnLst>
+                          </p:cTn>
+                        </p:par>
+                      </p:childTnLst>
+                    </p:cTn>
+                  </p:par>
+                </p:childTnLst>
+              </p:cTn>
+              <p:prevCondLst>
+                <p:cond evt="onPrev" delay="0">
+                  <p:tgtEl>
+                    <p:sldTgt/>
+                  </p:tgtEl>
+                </p:cond>
+              </p:prevCondLst>
+              <p:nextCondLst>
+                <p:cond evt="onNext" delay="0">
+                  <p:tgtEl>
+                    <p:sldTgt/>
+                  </p:tgtEl>
+                </p:cond>
+              </p:nextCondLst>
+            </p:seq>
+          </p:childTnLst>
+        </p:cTn>
+      </p:par>
+    </p:tnLst>
+    <p:bldLst>
+      <p:bldP spid="29" grpId="0"/>
+      <p:bldP spid="14" grpId="0"/>
+    </p:bldLst>
+  </p:timing>
 </p:sld>
 </file>
 
